--- a/pres-source/06-spark-and-adjuncts.pptx
+++ b/pres-source/06-spark-and-adjuncts.pptx
@@ -5,16 +5,28 @@
     <p:sldMasterId id="2147483648" r:id="rId1"/>
   </p:sldMasterIdLst>
   <p:notesMasterIdLst>
-    <p:notesMasterId r:id="rId9"/>
+    <p:notesMasterId r:id="rId21"/>
   </p:notesMasterIdLst>
   <p:sldIdLst>
     <p:sldId id="256" r:id="rId2"/>
     <p:sldId id="257" r:id="rId3"/>
     <p:sldId id="260" r:id="rId4"/>
-    <p:sldId id="261" r:id="rId5"/>
-    <p:sldId id="262" r:id="rId6"/>
-    <p:sldId id="263" r:id="rId7"/>
-    <p:sldId id="258" r:id="rId8"/>
+    <p:sldId id="264" r:id="rId5"/>
+    <p:sldId id="265" r:id="rId6"/>
+    <p:sldId id="266" r:id="rId7"/>
+    <p:sldId id="273" r:id="rId8"/>
+    <p:sldId id="272" r:id="rId9"/>
+    <p:sldId id="280" r:id="rId10"/>
+    <p:sldId id="267" r:id="rId11"/>
+    <p:sldId id="282" r:id="rId12"/>
+    <p:sldId id="278" r:id="rId13"/>
+    <p:sldId id="279" r:id="rId14"/>
+    <p:sldId id="276" r:id="rId15"/>
+    <p:sldId id="268" r:id="rId16"/>
+    <p:sldId id="277" r:id="rId17"/>
+    <p:sldId id="274" r:id="rId18"/>
+    <p:sldId id="281" r:id="rId19"/>
+    <p:sldId id="275" r:id="rId20"/>
   </p:sldIdLst>
   <p:sldSz cx="9144000" cy="6858000" type="screen4x3"/>
   <p:notesSz cx="6858000" cy="9144000"/>
@@ -203,7 +215,7 @@
             <a:fld id="{7307762F-A706-E543-A832-3C298AA3103F}" type="datetimeFigureOut">
               <a:rPr lang="en-US" smtClean="0"/>
               <a:pPr/>
-              <a:t>17/10/15</a:t>
+              <a:t>02/11/15</a:t>
             </a:fld>
             <a:endParaRPr lang="en-US" dirty="0"/>
           </a:p>
@@ -770,7 +782,7 @@
           <a:p>
             <a:fld id="{875CF0EB-321F-0749-B37A-89BBA859503C}" type="datetimeFigureOut">
               <a:rPr lang="en-US" smtClean="0"/>
-              <a:t>17/10/15</a:t>
+              <a:t>02/11/15</a:t>
             </a:fld>
             <a:endParaRPr lang="en-US"/>
           </a:p>
@@ -974,7 +986,7 @@
           <a:p>
             <a:fld id="{875CF0EB-321F-0749-B37A-89BBA859503C}" type="datetimeFigureOut">
               <a:rPr lang="en-US" smtClean="0"/>
-              <a:t>17/10/15</a:t>
+              <a:t>02/11/15</a:t>
             </a:fld>
             <a:endParaRPr lang="en-US"/>
           </a:p>
@@ -1168,7 +1180,7 @@
           <a:p>
             <a:fld id="{875CF0EB-321F-0749-B37A-89BBA859503C}" type="datetimeFigureOut">
               <a:rPr lang="en-US" smtClean="0"/>
-              <a:t>17/10/15</a:t>
+              <a:t>02/11/15</a:t>
             </a:fld>
             <a:endParaRPr lang="en-US"/>
           </a:p>
@@ -1438,7 +1450,7 @@
           <a:p>
             <a:fld id="{875CF0EB-321F-0749-B37A-89BBA859503C}" type="datetimeFigureOut">
               <a:rPr lang="en-US" smtClean="0"/>
-              <a:t>17/10/15</a:t>
+              <a:t>02/11/15</a:t>
             </a:fld>
             <a:endParaRPr lang="en-US"/>
           </a:p>
@@ -1750,7 +1762,7 @@
           <a:p>
             <a:fld id="{875CF0EB-321F-0749-B37A-89BBA859503C}" type="datetimeFigureOut">
               <a:rPr lang="en-US" smtClean="0"/>
-              <a:t>17/10/15</a:t>
+              <a:t>02/11/15</a:t>
             </a:fld>
             <a:endParaRPr lang="en-US"/>
           </a:p>
@@ -2196,7 +2208,7 @@
           <a:p>
             <a:fld id="{875CF0EB-321F-0749-B37A-89BBA859503C}" type="datetimeFigureOut">
               <a:rPr lang="en-US" smtClean="0"/>
-              <a:t>17/10/15</a:t>
+              <a:t>02/11/15</a:t>
             </a:fld>
             <a:endParaRPr lang="en-US"/>
           </a:p>
@@ -2338,7 +2350,7 @@
           <a:p>
             <a:fld id="{875CF0EB-321F-0749-B37A-89BBA859503C}" type="datetimeFigureOut">
               <a:rPr lang="en-US" smtClean="0"/>
-              <a:t>17/10/15</a:t>
+              <a:t>02/11/15</a:t>
             </a:fld>
             <a:endParaRPr lang="en-US"/>
           </a:p>
@@ -2457,7 +2469,7 @@
           <a:p>
             <a:fld id="{875CF0EB-321F-0749-B37A-89BBA859503C}" type="datetimeFigureOut">
               <a:rPr lang="en-US" smtClean="0"/>
-              <a:t>17/10/15</a:t>
+              <a:t>02/11/15</a:t>
             </a:fld>
             <a:endParaRPr lang="en-US"/>
           </a:p>
@@ -2758,7 +2770,7 @@
           <a:p>
             <a:fld id="{875CF0EB-321F-0749-B37A-89BBA859503C}" type="datetimeFigureOut">
               <a:rPr lang="en-US" smtClean="0"/>
-              <a:t>17/10/15</a:t>
+              <a:t>02/11/15</a:t>
             </a:fld>
             <a:endParaRPr lang="en-US"/>
           </a:p>
@@ -3035,7 +3047,7 @@
           <a:p>
             <a:fld id="{875CF0EB-321F-0749-B37A-89BBA859503C}" type="datetimeFigureOut">
               <a:rPr lang="en-US" smtClean="0"/>
-              <a:t>17/10/15</a:t>
+              <a:t>02/11/15</a:t>
             </a:fld>
             <a:endParaRPr lang="en-US"/>
           </a:p>
@@ -3882,11 +3894,11 @@
               </a:rPr>
             </a:br>
             <a:r>
-              <a:rPr lang="en-US" dirty="0" err="1" smtClean="0">
+              <a:rPr lang="en-US" dirty="0" smtClean="0">
                 <a:ea typeface="ヒラギノ角ゴ ProN W3" charset="0"/>
                 <a:cs typeface="ヒラギノ角ゴ ProN W3" charset="0"/>
               </a:rPr>
-              <a:t>Hadoop</a:t>
+              <a:t>Apache Spark and More</a:t>
             </a:r>
             <a:endParaRPr lang="en-US" dirty="0">
               <a:ea typeface="ヒラギノ角ゴ ProN W3" charset="0"/>
@@ -4007,6 +4019,1372 @@
 </p:sld>
 </file>
 
+<file path=ppt/slides/slide10.xml><?xml version="1.0" encoding="utf-8"?>
+<p:sld xmlns:a="http://schemas.openxmlformats.org/drawingml/2006/main" xmlns:r="http://schemas.openxmlformats.org/officeDocument/2006/relationships" xmlns:p="http://schemas.openxmlformats.org/presentationml/2006/main">
+  <p:cSld>
+    <p:spTree>
+      <p:nvGrpSpPr>
+        <p:cNvPr id="1" name=""/>
+        <p:cNvGrpSpPr/>
+        <p:nvPr/>
+      </p:nvGrpSpPr>
+      <p:grpSpPr>
+        <a:xfrm>
+          <a:off x="0" y="0"/>
+          <a:ext cx="0" cy="0"/>
+          <a:chOff x="0" y="0"/>
+          <a:chExt cx="0" cy="0"/>
+        </a:xfrm>
+      </p:grpSpPr>
+      <p:sp>
+        <p:nvSpPr>
+          <p:cNvPr id="2" name="Title 1"/>
+          <p:cNvSpPr>
+            <a:spLocks noGrp="1"/>
+          </p:cNvSpPr>
+          <p:nvPr>
+            <p:ph type="title"/>
+          </p:nvPr>
+        </p:nvSpPr>
+        <p:spPr/>
+        <p:txBody>
+          <a:bodyPr/>
+          <a:lstStyle/>
+          <a:p>
+            <a:r>
+              <a:rPr lang="en-US" dirty="0" smtClean="0"/>
+              <a:t>Apache Spark RDD</a:t>
+            </a:r>
+            <a:endParaRPr lang="en-US" dirty="0"/>
+          </a:p>
+        </p:txBody>
+      </p:sp>
+      <p:sp>
+        <p:nvSpPr>
+          <p:cNvPr id="3" name="Content Placeholder 2"/>
+          <p:cNvSpPr>
+            <a:spLocks noGrp="1"/>
+          </p:cNvSpPr>
+          <p:nvPr>
+            <p:ph idx="1"/>
+          </p:nvPr>
+        </p:nvSpPr>
+        <p:spPr/>
+        <p:txBody>
+          <a:bodyPr>
+            <a:normAutofit fontScale="77500" lnSpcReduction="20000"/>
+          </a:bodyPr>
+          <a:lstStyle/>
+          <a:p>
+            <a:r>
+              <a:rPr lang="en-US" dirty="0" smtClean="0"/>
+              <a:t>Typical operations include</a:t>
+            </a:r>
+          </a:p>
+          <a:p>
+            <a:pPr lvl="1"/>
+            <a:r>
+              <a:rPr lang="en-US" dirty="0" smtClean="0"/>
+              <a:t>map: apply a function to each line/element</a:t>
+            </a:r>
+          </a:p>
+          <a:p>
+            <a:pPr lvl="1"/>
+            <a:r>
+              <a:rPr lang="en-US" dirty="0" err="1" smtClean="0"/>
+              <a:t>flatMap</a:t>
+            </a:r>
+            <a:r>
+              <a:rPr lang="en-US" dirty="0" smtClean="0"/>
+              <a:t>: can return a sequence not just an element</a:t>
+            </a:r>
+          </a:p>
+          <a:p>
+            <a:pPr lvl="1"/>
+            <a:r>
+              <a:rPr lang="en-US" dirty="0" smtClean="0"/>
+              <a:t>filter: return element if </a:t>
+            </a:r>
+            <a:r>
+              <a:rPr lang="en-US" dirty="0" err="1" smtClean="0"/>
+              <a:t>func</a:t>
+            </a:r>
+            <a:r>
+              <a:rPr lang="en-US" dirty="0" smtClean="0"/>
+              <a:t>(element) is true</a:t>
+            </a:r>
+          </a:p>
+          <a:p>
+            <a:pPr lvl="1"/>
+            <a:r>
+              <a:rPr lang="en-US" dirty="0" err="1" smtClean="0"/>
+              <a:t>reduceByKey</a:t>
+            </a:r>
+            <a:r>
+              <a:rPr lang="en-US" dirty="0" smtClean="0"/>
+              <a:t>: reduces a set of [K,V] key/value pairs</a:t>
+            </a:r>
+          </a:p>
+          <a:p>
+            <a:pPr lvl="1"/>
+            <a:r>
+              <a:rPr lang="en-US" dirty="0" smtClean="0"/>
+              <a:t>reduce: apply a reducer function</a:t>
+            </a:r>
+          </a:p>
+          <a:p>
+            <a:pPr lvl="1"/>
+            <a:r>
+              <a:rPr lang="en-US" dirty="0" smtClean="0"/>
+              <a:t>collect: get all the results back to the master (driver) server in the cluster</a:t>
+            </a:r>
+          </a:p>
+          <a:p>
+            <a:pPr lvl="1"/>
+            <a:r>
+              <a:rPr lang="en-US" dirty="0" err="1" smtClean="0"/>
+              <a:t>foreach</a:t>
+            </a:r>
+            <a:r>
+              <a:rPr lang="en-US" dirty="0" smtClean="0"/>
+              <a:t>: apply a function across each element</a:t>
+            </a:r>
+          </a:p>
+          <a:p>
+            <a:r>
+              <a:rPr lang="en-US" dirty="0" smtClean="0"/>
+              <a:t>Operations on RDDs will happen across machines</a:t>
+            </a:r>
+          </a:p>
+          <a:p>
+            <a:pPr lvl="1"/>
+            <a:r>
+              <a:rPr lang="en-US" dirty="0" smtClean="0"/>
+              <a:t>Be careful!</a:t>
+            </a:r>
+          </a:p>
+        </p:txBody>
+      </p:sp>
+    </p:spTree>
+    <p:extLst>
+      <p:ext uri="{BB962C8B-B14F-4D97-AF65-F5344CB8AC3E}">
+        <p14:creationId xmlns:p14="http://schemas.microsoft.com/office/powerpoint/2010/main" val="3975351591"/>
+      </p:ext>
+    </p:extLst>
+  </p:cSld>
+  <p:clrMapOvr>
+    <a:masterClrMapping/>
+  </p:clrMapOvr>
+</p:sld>
+</file>
+
+<file path=ppt/slides/slide11.xml><?xml version="1.0" encoding="utf-8"?>
+<p:sld xmlns:a="http://schemas.openxmlformats.org/drawingml/2006/main" xmlns:r="http://schemas.openxmlformats.org/officeDocument/2006/relationships" xmlns:p="http://schemas.openxmlformats.org/presentationml/2006/main">
+  <p:cSld>
+    <p:spTree>
+      <p:nvGrpSpPr>
+        <p:cNvPr id="1" name=""/>
+        <p:cNvGrpSpPr/>
+        <p:nvPr/>
+      </p:nvGrpSpPr>
+      <p:grpSpPr>
+        <a:xfrm>
+          <a:off x="0" y="0"/>
+          <a:ext cx="0" cy="0"/>
+          <a:chOff x="0" y="0"/>
+          <a:chExt cx="0" cy="0"/>
+        </a:xfrm>
+      </p:grpSpPr>
+      <p:sp>
+        <p:nvSpPr>
+          <p:cNvPr id="2" name="Title 1"/>
+          <p:cNvSpPr>
+            <a:spLocks noGrp="1"/>
+          </p:cNvSpPr>
+          <p:nvPr>
+            <p:ph type="title"/>
+          </p:nvPr>
+        </p:nvSpPr>
+        <p:spPr/>
+        <p:txBody>
+          <a:bodyPr/>
+          <a:lstStyle/>
+          <a:p>
+            <a:r>
+              <a:rPr lang="en-US" dirty="0" smtClean="0"/>
+              <a:t>Serialization</a:t>
+            </a:r>
+            <a:endParaRPr lang="en-US" dirty="0"/>
+          </a:p>
+        </p:txBody>
+      </p:sp>
+      <p:pic>
+        <p:nvPicPr>
+          <p:cNvPr id="4" name="Picture 3"/>
+          <p:cNvPicPr>
+            <a:picLocks noChangeAspect="1"/>
+          </p:cNvPicPr>
+          <p:nvPr/>
+        </p:nvPicPr>
+        <p:blipFill>
+          <a:blip r:embed="rId2"/>
+          <a:stretch>
+            <a:fillRect/>
+          </a:stretch>
+        </p:blipFill>
+        <p:spPr>
+          <a:xfrm>
+            <a:off x="0" y="1546058"/>
+            <a:ext cx="9144000" cy="5180292"/>
+          </a:xfrm>
+          <a:prstGeom prst="rect">
+            <a:avLst/>
+          </a:prstGeom>
+        </p:spPr>
+      </p:pic>
+    </p:spTree>
+    <p:extLst>
+      <p:ext uri="{BB962C8B-B14F-4D97-AF65-F5344CB8AC3E}">
+        <p14:creationId xmlns:p14="http://schemas.microsoft.com/office/powerpoint/2010/main" val="510409518"/>
+      </p:ext>
+    </p:extLst>
+  </p:cSld>
+  <p:clrMapOvr>
+    <a:masterClrMapping/>
+  </p:clrMapOvr>
+</p:sld>
+</file>
+
+<file path=ppt/slides/slide12.xml><?xml version="1.0" encoding="utf-8"?>
+<p:sld xmlns:a="http://schemas.openxmlformats.org/drawingml/2006/main" xmlns:r="http://schemas.openxmlformats.org/officeDocument/2006/relationships" xmlns:p="http://schemas.openxmlformats.org/presentationml/2006/main">
+  <p:cSld>
+    <p:spTree>
+      <p:nvGrpSpPr>
+        <p:cNvPr id="1" name=""/>
+        <p:cNvGrpSpPr/>
+        <p:nvPr/>
+      </p:nvGrpSpPr>
+      <p:grpSpPr>
+        <a:xfrm>
+          <a:off x="0" y="0"/>
+          <a:ext cx="0" cy="0"/>
+          <a:chOff x="0" y="0"/>
+          <a:chExt cx="0" cy="0"/>
+        </a:xfrm>
+      </p:grpSpPr>
+      <p:sp>
+        <p:nvSpPr>
+          <p:cNvPr id="2" name="Title 1"/>
+          <p:cNvSpPr>
+            <a:spLocks noGrp="1"/>
+          </p:cNvSpPr>
+          <p:nvPr>
+            <p:ph type="title"/>
+          </p:nvPr>
+        </p:nvSpPr>
+        <p:spPr/>
+        <p:txBody>
+          <a:bodyPr/>
+          <a:lstStyle/>
+          <a:p>
+            <a:r>
+              <a:rPr lang="en-US" dirty="0" smtClean="0"/>
+              <a:t>Lambda syntax</a:t>
+            </a:r>
+            <a:endParaRPr lang="en-US" dirty="0"/>
+          </a:p>
+        </p:txBody>
+      </p:sp>
+      <p:sp>
+        <p:nvSpPr>
+          <p:cNvPr id="3" name="Content Placeholder 2"/>
+          <p:cNvSpPr>
+            <a:spLocks noGrp="1"/>
+          </p:cNvSpPr>
+          <p:nvPr>
+            <p:ph idx="1"/>
+          </p:nvPr>
+        </p:nvSpPr>
+        <p:spPr/>
+        <p:txBody>
+          <a:bodyPr/>
+          <a:lstStyle/>
+          <a:p>
+            <a:r>
+              <a:rPr lang="en-US" dirty="0" smtClean="0"/>
+              <a:t>Lambda’s are unnamed functions</a:t>
+            </a:r>
+          </a:p>
+          <a:p>
+            <a:pPr lvl="1"/>
+            <a:r>
+              <a:rPr lang="en-US" dirty="0" smtClean="0"/>
+              <a:t>From Alonzo Church’s 1930s work on the Lambda Calculus</a:t>
+            </a:r>
+          </a:p>
+          <a:p>
+            <a:pPr lvl="1"/>
+            <a:r>
+              <a:rPr lang="en-US" dirty="0" smtClean="0"/>
+              <a:t>Recently added to Java</a:t>
+            </a:r>
+            <a:endParaRPr lang="en-US" dirty="0"/>
+          </a:p>
+        </p:txBody>
+      </p:sp>
+    </p:spTree>
+    <p:extLst>
+      <p:ext uri="{BB962C8B-B14F-4D97-AF65-F5344CB8AC3E}">
+        <p14:creationId xmlns:p14="http://schemas.microsoft.com/office/powerpoint/2010/main" val="2738737034"/>
+      </p:ext>
+    </p:extLst>
+  </p:cSld>
+  <p:clrMapOvr>
+    <a:masterClrMapping/>
+  </p:clrMapOvr>
+</p:sld>
+</file>
+
+<file path=ppt/slides/slide13.xml><?xml version="1.0" encoding="utf-8"?>
+<p:sld xmlns:a="http://schemas.openxmlformats.org/drawingml/2006/main" xmlns:r="http://schemas.openxmlformats.org/officeDocument/2006/relationships" xmlns:p="http://schemas.openxmlformats.org/presentationml/2006/main">
+  <p:cSld>
+    <p:spTree>
+      <p:nvGrpSpPr>
+        <p:cNvPr id="1" name=""/>
+        <p:cNvGrpSpPr/>
+        <p:nvPr/>
+      </p:nvGrpSpPr>
+      <p:grpSpPr>
+        <a:xfrm>
+          <a:off x="0" y="0"/>
+          <a:ext cx="0" cy="0"/>
+          <a:chOff x="0" y="0"/>
+          <a:chExt cx="0" cy="0"/>
+        </a:xfrm>
+      </p:grpSpPr>
+      <p:sp>
+        <p:nvSpPr>
+          <p:cNvPr id="2" name="Title 1"/>
+          <p:cNvSpPr>
+            <a:spLocks noGrp="1"/>
+          </p:cNvSpPr>
+          <p:nvPr>
+            <p:ph type="title"/>
+          </p:nvPr>
+        </p:nvSpPr>
+        <p:spPr/>
+        <p:txBody>
+          <a:bodyPr/>
+          <a:lstStyle/>
+          <a:p>
+            <a:r>
+              <a:rPr lang="en-US" dirty="0" smtClean="0"/>
+              <a:t>Lambda syntax in Python	</a:t>
+            </a:r>
+            <a:endParaRPr lang="en-US" dirty="0"/>
+          </a:p>
+        </p:txBody>
+      </p:sp>
+      <p:sp>
+        <p:nvSpPr>
+          <p:cNvPr id="3" name="Content Placeholder 2"/>
+          <p:cNvSpPr>
+            <a:spLocks noGrp="1"/>
+          </p:cNvSpPr>
+          <p:nvPr>
+            <p:ph idx="1"/>
+          </p:nvPr>
+        </p:nvSpPr>
+        <p:spPr/>
+        <p:txBody>
+          <a:bodyPr/>
+          <a:lstStyle/>
+          <a:p>
+            <a:r>
+              <a:rPr lang="en-US" dirty="0" smtClean="0"/>
+              <a:t>Simply:</a:t>
+            </a:r>
+          </a:p>
+          <a:p>
+            <a:endParaRPr lang="en-US" dirty="0"/>
+          </a:p>
+          <a:p>
+            <a:pPr marL="457200" lvl="1" indent="0">
+              <a:buNone/>
+            </a:pPr>
+            <a:r>
+              <a:rPr lang="en-US" dirty="0" smtClean="0"/>
+              <a:t>lambda x: </a:t>
+            </a:r>
+            <a:r>
+              <a:rPr lang="en-US" dirty="0" err="1" smtClean="0"/>
+              <a:t>x.split</a:t>
+            </a:r>
+            <a:r>
+              <a:rPr lang="en-US" dirty="0" smtClean="0"/>
+              <a:t>()</a:t>
+            </a:r>
+          </a:p>
+          <a:p>
+            <a:pPr marL="457200" lvl="1" indent="0">
+              <a:buNone/>
+            </a:pPr>
+            <a:r>
+              <a:rPr lang="en-US" dirty="0" smtClean="0"/>
+              <a:t>lambda </a:t>
+            </a:r>
+            <a:r>
+              <a:rPr lang="en-US" dirty="0" err="1" smtClean="0"/>
+              <a:t>x,y</a:t>
+            </a:r>
+            <a:r>
+              <a:rPr lang="en-US" dirty="0" smtClean="0"/>
+              <a:t>: </a:t>
+            </a:r>
+            <a:r>
+              <a:rPr lang="en-US" dirty="0" err="1" smtClean="0"/>
+              <a:t>x+y</a:t>
+            </a:r>
+            <a:endParaRPr lang="en-US" dirty="0"/>
+          </a:p>
+        </p:txBody>
+      </p:sp>
+    </p:spTree>
+    <p:extLst>
+      <p:ext uri="{BB962C8B-B14F-4D97-AF65-F5344CB8AC3E}">
+        <p14:creationId xmlns:p14="http://schemas.microsoft.com/office/powerpoint/2010/main" val="4275047535"/>
+      </p:ext>
+    </p:extLst>
+  </p:cSld>
+  <p:clrMapOvr>
+    <a:masterClrMapping/>
+  </p:clrMapOvr>
+</p:sld>
+</file>
+
+<file path=ppt/slides/slide14.xml><?xml version="1.0" encoding="utf-8"?>
+<p:sld xmlns:a="http://schemas.openxmlformats.org/drawingml/2006/main" xmlns:r="http://schemas.openxmlformats.org/officeDocument/2006/relationships" xmlns:p="http://schemas.openxmlformats.org/presentationml/2006/main">
+  <p:cSld>
+    <p:spTree>
+      <p:nvGrpSpPr>
+        <p:cNvPr id="1" name=""/>
+        <p:cNvGrpSpPr/>
+        <p:nvPr/>
+      </p:nvGrpSpPr>
+      <p:grpSpPr>
+        <a:xfrm>
+          <a:off x="0" y="0"/>
+          <a:ext cx="0" cy="0"/>
+          <a:chOff x="0" y="0"/>
+          <a:chExt cx="0" cy="0"/>
+        </a:xfrm>
+      </p:grpSpPr>
+      <p:sp>
+        <p:nvSpPr>
+          <p:cNvPr id="2" name="Title 1"/>
+          <p:cNvSpPr>
+            <a:spLocks noGrp="1"/>
+          </p:cNvSpPr>
+          <p:nvPr>
+            <p:ph type="title"/>
+          </p:nvPr>
+        </p:nvSpPr>
+        <p:spPr/>
+        <p:txBody>
+          <a:bodyPr/>
+          <a:lstStyle/>
+          <a:p>
+            <a:r>
+              <a:rPr lang="en-US" dirty="0" smtClean="0"/>
+              <a:t>Example</a:t>
+            </a:r>
+            <a:endParaRPr lang="en-US" dirty="0"/>
+          </a:p>
+        </p:txBody>
+      </p:sp>
+      <p:sp>
+        <p:nvSpPr>
+          <p:cNvPr id="3" name="Content Placeholder 2"/>
+          <p:cNvSpPr>
+            <a:spLocks noGrp="1"/>
+          </p:cNvSpPr>
+          <p:nvPr>
+            <p:ph idx="1"/>
+          </p:nvPr>
+        </p:nvSpPr>
+        <p:spPr/>
+        <p:txBody>
+          <a:bodyPr>
+            <a:normAutofit/>
+          </a:bodyPr>
+          <a:lstStyle/>
+          <a:p>
+            <a:pPr marL="0" indent="0">
+              <a:buNone/>
+            </a:pPr>
+            <a:r>
+              <a:rPr lang="en-US" sz="2000" dirty="0" err="1" smtClean="0"/>
+              <a:t>sc</a:t>
+            </a:r>
+            <a:r>
+              <a:rPr lang="en-US" sz="2000" dirty="0" smtClean="0"/>
+              <a:t> = </a:t>
+            </a:r>
+            <a:r>
+              <a:rPr lang="en-US" sz="2000" dirty="0" err="1" smtClean="0"/>
+              <a:t>SparkContext</a:t>
+            </a:r>
+            <a:r>
+              <a:rPr lang="en-US" sz="2000" dirty="0" smtClean="0"/>
+              <a:t>() </a:t>
+            </a:r>
+          </a:p>
+          <a:p>
+            <a:pPr marL="0" indent="0">
+              <a:buNone/>
+            </a:pPr>
+            <a:endParaRPr lang="en-US" sz="2000" dirty="0"/>
+          </a:p>
+          <a:p>
+            <a:pPr marL="0" indent="0">
+              <a:buNone/>
+            </a:pPr>
+            <a:r>
+              <a:rPr lang="en-US" sz="2000" dirty="0" smtClean="0"/>
+              <a:t>books </a:t>
+            </a:r>
+            <a:r>
+              <a:rPr lang="en-US" sz="2000" dirty="0"/>
+              <a:t>= </a:t>
+            </a:r>
+            <a:r>
+              <a:rPr lang="en-US" sz="2000" dirty="0" err="1"/>
+              <a:t>sc.textFile</a:t>
+            </a:r>
+            <a:r>
+              <a:rPr lang="en-US" sz="2000" dirty="0" smtClean="0"/>
+              <a:t>(“books/*”)</a:t>
+            </a:r>
+            <a:endParaRPr lang="en-US" sz="2000" dirty="0"/>
+          </a:p>
+          <a:p>
+            <a:pPr marL="0" indent="0">
+              <a:buNone/>
+            </a:pPr>
+            <a:r>
+              <a:rPr lang="en-US" sz="2000" dirty="0"/>
+              <a:t>split = </a:t>
+            </a:r>
+            <a:r>
+              <a:rPr lang="en-US" sz="2000" dirty="0" err="1"/>
+              <a:t>books.flatMap</a:t>
+            </a:r>
+            <a:r>
+              <a:rPr lang="en-US" sz="2000" dirty="0"/>
+              <a:t>(lambda line: </a:t>
+            </a:r>
+            <a:r>
+              <a:rPr lang="en-US" sz="2000" dirty="0" err="1"/>
+              <a:t>line.split</a:t>
+            </a:r>
+            <a:r>
+              <a:rPr lang="en-US" sz="2000" dirty="0"/>
+              <a:t>())</a:t>
+            </a:r>
+          </a:p>
+          <a:p>
+            <a:pPr marL="0" indent="0">
+              <a:buNone/>
+            </a:pPr>
+            <a:r>
+              <a:rPr lang="en-US" sz="2000" dirty="0" smtClean="0"/>
+              <a:t>numbered </a:t>
+            </a:r>
+            <a:r>
+              <a:rPr lang="en-US" sz="2000" dirty="0"/>
+              <a:t>= </a:t>
+            </a:r>
+            <a:r>
+              <a:rPr lang="en-US" sz="2000" dirty="0" err="1" smtClean="0"/>
+              <a:t>split.map</a:t>
+            </a:r>
+            <a:r>
+              <a:rPr lang="en-US" sz="2000" dirty="0"/>
+              <a:t>(lambda word: (word, 1))</a:t>
+            </a:r>
+          </a:p>
+          <a:p>
+            <a:pPr marL="0" indent="0">
+              <a:buNone/>
+            </a:pPr>
+            <a:r>
+              <a:rPr lang="en-US" sz="2000" dirty="0" err="1"/>
+              <a:t>wordcount</a:t>
+            </a:r>
+            <a:r>
+              <a:rPr lang="en-US" sz="2000" dirty="0"/>
+              <a:t> = </a:t>
+            </a:r>
+            <a:r>
+              <a:rPr lang="en-US" sz="2000" dirty="0" err="1"/>
+              <a:t>numbered.reduceByKey</a:t>
+            </a:r>
+            <a:r>
+              <a:rPr lang="en-US" sz="2000" dirty="0"/>
+              <a:t>(lambda </a:t>
+            </a:r>
+            <a:r>
+              <a:rPr lang="en-US" sz="2000" dirty="0" err="1"/>
+              <a:t>a,b</a:t>
+            </a:r>
+            <a:r>
+              <a:rPr lang="en-US" sz="2000" dirty="0"/>
+              <a:t>: </a:t>
+            </a:r>
+            <a:r>
+              <a:rPr lang="en-US" sz="2000" dirty="0" err="1"/>
+              <a:t>a+b</a:t>
+            </a:r>
+            <a:r>
+              <a:rPr lang="en-US" sz="2000" dirty="0" smtClean="0"/>
+              <a:t>)</a:t>
+            </a:r>
+          </a:p>
+          <a:p>
+            <a:pPr marL="0" indent="0">
+              <a:buNone/>
+            </a:pPr>
+            <a:endParaRPr lang="en-US" sz="2000" dirty="0" smtClean="0"/>
+          </a:p>
+          <a:p>
+            <a:pPr marL="0" indent="0">
+              <a:buNone/>
+            </a:pPr>
+            <a:r>
+              <a:rPr lang="en-US" sz="2000" dirty="0"/>
+              <a:t>for </a:t>
+            </a:r>
+            <a:r>
+              <a:rPr lang="en-US" sz="2000" dirty="0" err="1"/>
+              <a:t>k,v</a:t>
+            </a:r>
+            <a:r>
+              <a:rPr lang="en-US" sz="2000" dirty="0"/>
+              <a:t> in </a:t>
+            </a:r>
+            <a:r>
+              <a:rPr lang="en-US" sz="2000" dirty="0" err="1"/>
+              <a:t>wordcount.collect</a:t>
+            </a:r>
+            <a:r>
+              <a:rPr lang="en-US" sz="2000" dirty="0"/>
+              <a:t>():</a:t>
+            </a:r>
+          </a:p>
+          <a:p>
+            <a:pPr marL="0" indent="0">
+              <a:buNone/>
+            </a:pPr>
+            <a:r>
+              <a:rPr lang="en-US" sz="2000" dirty="0"/>
+              <a:t>  print </a:t>
+            </a:r>
+            <a:r>
+              <a:rPr lang="en-US" sz="2000" dirty="0" err="1"/>
+              <a:t>k,v</a:t>
+            </a:r>
+            <a:endParaRPr lang="en-US" sz="2000" dirty="0"/>
+          </a:p>
+          <a:p>
+            <a:pPr marL="0" indent="0">
+              <a:buNone/>
+            </a:pPr>
+            <a:endParaRPr lang="en-US" sz="2000" dirty="0"/>
+          </a:p>
+          <a:p>
+            <a:pPr marL="0" indent="0">
+              <a:buNone/>
+            </a:pPr>
+            <a:r>
+              <a:rPr lang="en-US" sz="2000" dirty="0" err="1"/>
+              <a:t>sc.stop</a:t>
+            </a:r>
+            <a:r>
+              <a:rPr lang="en-US" sz="2000" dirty="0"/>
+              <a:t>()</a:t>
+            </a:r>
+          </a:p>
+        </p:txBody>
+      </p:sp>
+    </p:spTree>
+    <p:extLst>
+      <p:ext uri="{BB962C8B-B14F-4D97-AF65-F5344CB8AC3E}">
+        <p14:creationId xmlns:p14="http://schemas.microsoft.com/office/powerpoint/2010/main" val="1260108180"/>
+      </p:ext>
+    </p:extLst>
+  </p:cSld>
+  <p:clrMapOvr>
+    <a:masterClrMapping/>
+  </p:clrMapOvr>
+</p:sld>
+</file>
+
+<file path=ppt/slides/slide15.xml><?xml version="1.0" encoding="utf-8"?>
+<p:sld xmlns:a="http://schemas.openxmlformats.org/drawingml/2006/main" xmlns:r="http://schemas.openxmlformats.org/officeDocument/2006/relationships" xmlns:p="http://schemas.openxmlformats.org/presentationml/2006/main">
+  <p:cSld>
+    <p:spTree>
+      <p:nvGrpSpPr>
+        <p:cNvPr id="1" name=""/>
+        <p:cNvGrpSpPr/>
+        <p:nvPr/>
+      </p:nvGrpSpPr>
+      <p:grpSpPr>
+        <a:xfrm>
+          <a:off x="0" y="0"/>
+          <a:ext cx="0" cy="0"/>
+          <a:chOff x="0" y="0"/>
+          <a:chExt cx="0" cy="0"/>
+        </a:xfrm>
+      </p:grpSpPr>
+      <p:sp>
+        <p:nvSpPr>
+          <p:cNvPr id="2" name="Title 1"/>
+          <p:cNvSpPr>
+            <a:spLocks noGrp="1"/>
+          </p:cNvSpPr>
+          <p:nvPr>
+            <p:ph type="title"/>
+          </p:nvPr>
+        </p:nvSpPr>
+        <p:spPr/>
+        <p:txBody>
+          <a:bodyPr>
+            <a:normAutofit fontScale="90000"/>
+          </a:bodyPr>
+          <a:lstStyle/>
+          <a:p>
+            <a:r>
+              <a:rPr lang="en-US" dirty="0" smtClean="0"/>
+              <a:t>What doesn’t work </a:t>
+            </a:r>
+            <a:r>
+              <a:rPr lang="en-US" dirty="0">
+                <a:sym typeface="Wingdings"/>
+              </a:rPr>
+              <a:t/>
+            </a:r>
+            <a:br>
+              <a:rPr lang="en-US" dirty="0">
+                <a:sym typeface="Wingdings"/>
+              </a:rPr>
+            </a:br>
+            <a:r>
+              <a:rPr lang="en-US" dirty="0" smtClean="0">
+                <a:sym typeface="Wingdings"/>
+              </a:rPr>
+              <a:t>in a cluster</a:t>
+            </a:r>
+            <a:endParaRPr lang="en-US" dirty="0"/>
+          </a:p>
+        </p:txBody>
+      </p:sp>
+      <p:sp>
+        <p:nvSpPr>
+          <p:cNvPr id="3" name="Content Placeholder 2"/>
+          <p:cNvSpPr>
+            <a:spLocks noGrp="1"/>
+          </p:cNvSpPr>
+          <p:nvPr>
+            <p:ph idx="1"/>
+          </p:nvPr>
+        </p:nvSpPr>
+        <p:spPr/>
+        <p:txBody>
+          <a:bodyPr>
+            <a:normAutofit/>
+          </a:bodyPr>
+          <a:lstStyle/>
+          <a:p>
+            <a:pPr marL="0" indent="0">
+              <a:buNone/>
+            </a:pPr>
+            <a:r>
+              <a:rPr lang="en-US" sz="2800" dirty="0">
+                <a:latin typeface="Lucida Console"/>
+                <a:cs typeface="Lucida Console"/>
+              </a:rPr>
+              <a:t>counter = 0</a:t>
+            </a:r>
+          </a:p>
+          <a:p>
+            <a:pPr marL="0" indent="0">
+              <a:buNone/>
+            </a:pPr>
+            <a:r>
+              <a:rPr lang="en-US" sz="2800" dirty="0" err="1">
+                <a:latin typeface="Lucida Console"/>
+                <a:cs typeface="Lucida Console"/>
+              </a:rPr>
+              <a:t>rdd</a:t>
+            </a:r>
+            <a:r>
+              <a:rPr lang="en-US" sz="2800" dirty="0">
+                <a:latin typeface="Lucida Console"/>
+                <a:cs typeface="Lucida Console"/>
+              </a:rPr>
+              <a:t> = </a:t>
+            </a:r>
+            <a:r>
+              <a:rPr lang="en-US" sz="2800" dirty="0" err="1">
+                <a:latin typeface="Lucida Console"/>
+                <a:cs typeface="Lucida Console"/>
+              </a:rPr>
+              <a:t>sc.parallelize</a:t>
+            </a:r>
+            <a:r>
+              <a:rPr lang="en-US" sz="2800" dirty="0">
+                <a:latin typeface="Lucida Console"/>
+                <a:cs typeface="Lucida Console"/>
+              </a:rPr>
+              <a:t>(data)</a:t>
+            </a:r>
+          </a:p>
+          <a:p>
+            <a:pPr marL="0" indent="0">
+              <a:buNone/>
+            </a:pPr>
+            <a:endParaRPr lang="en-US" sz="2800" dirty="0">
+              <a:latin typeface="Lucida Console"/>
+              <a:cs typeface="Lucida Console"/>
+            </a:endParaRPr>
+          </a:p>
+          <a:p>
+            <a:pPr marL="0" indent="0">
+              <a:buNone/>
+            </a:pPr>
+            <a:r>
+              <a:rPr lang="en-US" sz="2800" dirty="0">
+                <a:latin typeface="Lucida Console"/>
+                <a:cs typeface="Lucida Console"/>
+              </a:rPr>
+              <a:t># Wrong: Don't do this!!</a:t>
+            </a:r>
+          </a:p>
+          <a:p>
+            <a:pPr marL="0" indent="0">
+              <a:buNone/>
+            </a:pPr>
+            <a:r>
+              <a:rPr lang="en-US" sz="2800" dirty="0" err="1">
+                <a:latin typeface="Lucida Console"/>
+                <a:cs typeface="Lucida Console"/>
+              </a:rPr>
+              <a:t>rdd.foreach</a:t>
+            </a:r>
+            <a:r>
+              <a:rPr lang="en-US" sz="2800" dirty="0">
+                <a:latin typeface="Lucida Console"/>
+                <a:cs typeface="Lucida Console"/>
+              </a:rPr>
+              <a:t>(lambda x: counter += x)</a:t>
+            </a:r>
+          </a:p>
+          <a:p>
+            <a:pPr marL="0" indent="0">
+              <a:buNone/>
+            </a:pPr>
+            <a:endParaRPr lang="en-US" sz="2800" dirty="0">
+              <a:latin typeface="Lucida Console"/>
+              <a:cs typeface="Lucida Console"/>
+            </a:endParaRPr>
+          </a:p>
+          <a:p>
+            <a:pPr marL="0" indent="0">
+              <a:buNone/>
+            </a:pPr>
+            <a:r>
+              <a:rPr lang="en-US" sz="2800" dirty="0">
+                <a:latin typeface="Lucida Console"/>
+                <a:cs typeface="Lucida Console"/>
+              </a:rPr>
+              <a:t>print("Counter value: " + counter)</a:t>
+            </a:r>
+          </a:p>
+        </p:txBody>
+      </p:sp>
+    </p:spTree>
+    <p:extLst>
+      <p:ext uri="{BB962C8B-B14F-4D97-AF65-F5344CB8AC3E}">
+        <p14:creationId xmlns:p14="http://schemas.microsoft.com/office/powerpoint/2010/main" val="965116268"/>
+      </p:ext>
+    </p:extLst>
+  </p:cSld>
+  <p:clrMapOvr>
+    <a:masterClrMapping/>
+  </p:clrMapOvr>
+</p:sld>
+</file>
+
+<file path=ppt/slides/slide16.xml><?xml version="1.0" encoding="utf-8"?>
+<p:sld xmlns:a="http://schemas.openxmlformats.org/drawingml/2006/main" xmlns:r="http://schemas.openxmlformats.org/officeDocument/2006/relationships" xmlns:p="http://schemas.openxmlformats.org/presentationml/2006/main">
+  <p:cSld>
+    <p:spTree>
+      <p:nvGrpSpPr>
+        <p:cNvPr id="1" name=""/>
+        <p:cNvGrpSpPr/>
+        <p:nvPr/>
+      </p:nvGrpSpPr>
+      <p:grpSpPr>
+        <a:xfrm>
+          <a:off x="0" y="0"/>
+          <a:ext cx="0" cy="0"/>
+          <a:chOff x="0" y="0"/>
+          <a:chExt cx="0" cy="0"/>
+        </a:xfrm>
+      </p:grpSpPr>
+      <p:sp>
+        <p:nvSpPr>
+          <p:cNvPr id="2" name="Title 1"/>
+          <p:cNvSpPr>
+            <a:spLocks noGrp="1"/>
+          </p:cNvSpPr>
+          <p:nvPr>
+            <p:ph type="title"/>
+          </p:nvPr>
+        </p:nvSpPr>
+        <p:spPr/>
+        <p:txBody>
+          <a:bodyPr>
+            <a:normAutofit fontScale="90000"/>
+          </a:bodyPr>
+          <a:lstStyle/>
+          <a:p>
+            <a:r>
+              <a:rPr lang="en-US" dirty="0" smtClean="0"/>
+              <a:t>How to count across a cluster?</a:t>
+            </a:r>
+            <a:endParaRPr lang="en-US" dirty="0"/>
+          </a:p>
+        </p:txBody>
+      </p:sp>
+      <p:sp>
+        <p:nvSpPr>
+          <p:cNvPr id="3" name="Content Placeholder 2"/>
+          <p:cNvSpPr>
+            <a:spLocks noGrp="1"/>
+          </p:cNvSpPr>
+          <p:nvPr>
+            <p:ph idx="1"/>
+          </p:nvPr>
+        </p:nvSpPr>
+        <p:spPr/>
+        <p:txBody>
+          <a:bodyPr>
+            <a:normAutofit/>
+          </a:bodyPr>
+          <a:lstStyle/>
+          <a:p>
+            <a:r>
+              <a:rPr lang="en-US" sz="2800" dirty="0" smtClean="0"/>
+              <a:t>Accumulators</a:t>
+            </a:r>
+          </a:p>
+          <a:p>
+            <a:endParaRPr lang="en-US" sz="2800" dirty="0" smtClean="0"/>
+          </a:p>
+          <a:p>
+            <a:pPr marL="0" indent="0">
+              <a:buNone/>
+            </a:pPr>
+            <a:r>
+              <a:rPr lang="en-US" sz="2800" dirty="0" smtClean="0"/>
+              <a:t>	</a:t>
+            </a:r>
+            <a:r>
+              <a:rPr lang="en-US" sz="2800" dirty="0" err="1" smtClean="0">
+                <a:latin typeface="Lucida Console"/>
+                <a:cs typeface="Lucida Console"/>
+              </a:rPr>
+              <a:t>acc</a:t>
+            </a:r>
+            <a:r>
+              <a:rPr lang="en-US" sz="2800" dirty="0" smtClean="0">
+                <a:latin typeface="Lucida Console"/>
+                <a:cs typeface="Lucida Console"/>
+              </a:rPr>
+              <a:t> = </a:t>
+            </a:r>
+            <a:r>
+              <a:rPr lang="en-US" sz="2800" dirty="0" err="1" smtClean="0">
+                <a:latin typeface="Lucida Console"/>
+                <a:cs typeface="Lucida Console"/>
+              </a:rPr>
+              <a:t>sc.accumulator</a:t>
+            </a:r>
+            <a:r>
+              <a:rPr lang="en-US" sz="2800" dirty="0" smtClean="0">
+                <a:latin typeface="Lucida Console"/>
+                <a:cs typeface="Lucida Console"/>
+              </a:rPr>
+              <a:t>()</a:t>
+            </a:r>
+          </a:p>
+          <a:p>
+            <a:pPr marL="0" indent="0">
+              <a:buNone/>
+            </a:pPr>
+            <a:r>
+              <a:rPr lang="en-US" sz="2800" dirty="0" smtClean="0">
+                <a:latin typeface="Lucida Console"/>
+                <a:cs typeface="Lucida Console"/>
+              </a:rPr>
+              <a:t>	</a:t>
+            </a:r>
+            <a:r>
+              <a:rPr lang="en-US" sz="2800" dirty="0" err="1" smtClean="0">
+                <a:latin typeface="Lucida Console"/>
+                <a:cs typeface="Lucida Console"/>
+              </a:rPr>
+              <a:t>rdd</a:t>
+            </a:r>
+            <a:r>
+              <a:rPr lang="en-US" sz="2800" dirty="0" smtClean="0">
+                <a:latin typeface="Lucida Console"/>
+                <a:cs typeface="Lucida Console"/>
+              </a:rPr>
+              <a:t> </a:t>
+            </a:r>
+            <a:r>
+              <a:rPr lang="en-US" sz="2800" dirty="0">
+                <a:latin typeface="Lucida Console"/>
+                <a:cs typeface="Lucida Console"/>
+              </a:rPr>
+              <a:t>= </a:t>
+            </a:r>
+            <a:r>
+              <a:rPr lang="en-US" sz="2800" dirty="0" err="1">
+                <a:latin typeface="Lucida Console"/>
+                <a:cs typeface="Lucida Console"/>
+              </a:rPr>
+              <a:t>sc.parallelize</a:t>
+            </a:r>
+            <a:r>
+              <a:rPr lang="en-US" sz="2800" dirty="0">
+                <a:latin typeface="Lucida Console"/>
+                <a:cs typeface="Lucida Console"/>
+              </a:rPr>
+              <a:t>(data</a:t>
+            </a:r>
+            <a:r>
+              <a:rPr lang="en-US" sz="2800" dirty="0" smtClean="0">
+                <a:latin typeface="Lucida Console"/>
+                <a:cs typeface="Lucida Console"/>
+              </a:rPr>
+              <a:t>)</a:t>
+            </a:r>
+            <a:br>
+              <a:rPr lang="en-US" sz="2800" dirty="0" smtClean="0">
+                <a:latin typeface="Lucida Console"/>
+                <a:cs typeface="Lucida Console"/>
+              </a:rPr>
+            </a:br>
+            <a:r>
+              <a:rPr lang="en-US" sz="2800" dirty="0" smtClean="0">
+                <a:latin typeface="Lucida Console"/>
+                <a:cs typeface="Lucida Console"/>
+              </a:rPr>
+              <a:t>	</a:t>
+            </a:r>
+            <a:r>
+              <a:rPr lang="en-US" sz="2800" dirty="0" err="1" smtClean="0">
+                <a:latin typeface="Lucida Console"/>
+                <a:cs typeface="Lucida Console"/>
+              </a:rPr>
+              <a:t>rdd.foreach</a:t>
+            </a:r>
+            <a:r>
+              <a:rPr lang="en-US" sz="2800" dirty="0" smtClean="0">
+                <a:latin typeface="Lucida Console"/>
+                <a:cs typeface="Lucida Console"/>
+              </a:rPr>
+              <a:t>(lambda x: </a:t>
+            </a:r>
+            <a:r>
+              <a:rPr lang="en-US" sz="2800" dirty="0" err="1" smtClean="0">
+                <a:latin typeface="Lucida Console"/>
+                <a:cs typeface="Lucida Console"/>
+              </a:rPr>
+              <a:t>acc.add</a:t>
+            </a:r>
+            <a:r>
+              <a:rPr lang="en-US" sz="2800" dirty="0" smtClean="0">
+                <a:latin typeface="Lucida Console"/>
+                <a:cs typeface="Lucida Console"/>
+              </a:rPr>
+              <a:t>(x))</a:t>
+            </a:r>
+            <a:endParaRPr lang="en-US" sz="2800" dirty="0">
+              <a:latin typeface="Lucida Console"/>
+              <a:cs typeface="Lucida Console"/>
+            </a:endParaRPr>
+          </a:p>
+          <a:p>
+            <a:pPr marL="0" indent="0">
+              <a:buNone/>
+            </a:pPr>
+            <a:endParaRPr lang="en-US" sz="2800" dirty="0"/>
+          </a:p>
+        </p:txBody>
+      </p:sp>
+    </p:spTree>
+    <p:extLst>
+      <p:ext uri="{BB962C8B-B14F-4D97-AF65-F5344CB8AC3E}">
+        <p14:creationId xmlns:p14="http://schemas.microsoft.com/office/powerpoint/2010/main" val="1340352141"/>
+      </p:ext>
+    </p:extLst>
+  </p:cSld>
+  <p:clrMapOvr>
+    <a:masterClrMapping/>
+  </p:clrMapOvr>
+</p:sld>
+</file>
+
+<file path=ppt/slides/slide17.xml><?xml version="1.0" encoding="utf-8"?>
+<p:sld xmlns:a="http://schemas.openxmlformats.org/drawingml/2006/main" xmlns:r="http://schemas.openxmlformats.org/officeDocument/2006/relationships" xmlns:p="http://schemas.openxmlformats.org/presentationml/2006/main">
+  <p:cSld>
+    <p:spTree>
+      <p:nvGrpSpPr>
+        <p:cNvPr id="1" name=""/>
+        <p:cNvGrpSpPr/>
+        <p:nvPr/>
+      </p:nvGrpSpPr>
+      <p:grpSpPr>
+        <a:xfrm>
+          <a:off x="0" y="0"/>
+          <a:ext cx="0" cy="0"/>
+          <a:chOff x="0" y="0"/>
+          <a:chExt cx="0" cy="0"/>
+        </a:xfrm>
+      </p:grpSpPr>
+      <p:sp>
+        <p:nvSpPr>
+          <p:cNvPr id="2" name="Title 1"/>
+          <p:cNvSpPr>
+            <a:spLocks noGrp="1"/>
+          </p:cNvSpPr>
+          <p:nvPr>
+            <p:ph type="title"/>
+          </p:nvPr>
+        </p:nvSpPr>
+        <p:spPr/>
+        <p:txBody>
+          <a:bodyPr/>
+          <a:lstStyle/>
+          <a:p>
+            <a:r>
+              <a:rPr lang="en-US" dirty="0" smtClean="0"/>
+              <a:t>What also doesn’t work</a:t>
+            </a:r>
+            <a:endParaRPr lang="en-US" dirty="0"/>
+          </a:p>
+        </p:txBody>
+      </p:sp>
+      <p:sp>
+        <p:nvSpPr>
+          <p:cNvPr id="3" name="Content Placeholder 2"/>
+          <p:cNvSpPr>
+            <a:spLocks noGrp="1"/>
+          </p:cNvSpPr>
+          <p:nvPr>
+            <p:ph idx="1"/>
+          </p:nvPr>
+        </p:nvSpPr>
+        <p:spPr/>
+        <p:txBody>
+          <a:bodyPr/>
+          <a:lstStyle/>
+          <a:p>
+            <a:r>
+              <a:rPr lang="en-US" dirty="0" err="1"/>
+              <a:t>rdd.foreach</a:t>
+            </a:r>
+            <a:r>
+              <a:rPr lang="en-US" dirty="0"/>
+              <a:t>(</a:t>
+            </a:r>
+            <a:r>
+              <a:rPr lang="en-US" dirty="0" err="1"/>
+              <a:t>println</a:t>
+            </a:r>
+            <a:r>
+              <a:rPr lang="en-US" dirty="0" smtClean="0"/>
+              <a:t>)</a:t>
+            </a:r>
+          </a:p>
+          <a:p>
+            <a:endParaRPr lang="en-US" dirty="0"/>
+          </a:p>
+          <a:p>
+            <a:r>
+              <a:rPr lang="en-US" dirty="0" smtClean="0"/>
+              <a:t>Of course this </a:t>
+            </a:r>
+            <a:r>
+              <a:rPr lang="en-US" i="1" dirty="0" smtClean="0"/>
+              <a:t>will</a:t>
+            </a:r>
+            <a:r>
+              <a:rPr lang="en-US" dirty="0" smtClean="0"/>
+              <a:t> work when you test in local mode</a:t>
+            </a:r>
+            <a:endParaRPr lang="en-US" dirty="0"/>
+          </a:p>
+        </p:txBody>
+      </p:sp>
+    </p:spTree>
+    <p:extLst>
+      <p:ext uri="{BB962C8B-B14F-4D97-AF65-F5344CB8AC3E}">
+        <p14:creationId xmlns:p14="http://schemas.microsoft.com/office/powerpoint/2010/main" val="2238802243"/>
+      </p:ext>
+    </p:extLst>
+  </p:cSld>
+  <p:clrMapOvr>
+    <a:masterClrMapping/>
+  </p:clrMapOvr>
+</p:sld>
+</file>
+
+<file path=ppt/slides/slide18.xml><?xml version="1.0" encoding="utf-8"?>
+<p:sld xmlns:a="http://schemas.openxmlformats.org/drawingml/2006/main" xmlns:r="http://schemas.openxmlformats.org/officeDocument/2006/relationships" xmlns:p="http://schemas.openxmlformats.org/presentationml/2006/main">
+  <p:cSld>
+    <p:spTree>
+      <p:nvGrpSpPr>
+        <p:cNvPr id="1" name=""/>
+        <p:cNvGrpSpPr/>
+        <p:nvPr/>
+      </p:nvGrpSpPr>
+      <p:grpSpPr>
+        <a:xfrm>
+          <a:off x="0" y="0"/>
+          <a:ext cx="0" cy="0"/>
+          <a:chOff x="0" y="0"/>
+          <a:chExt cx="0" cy="0"/>
+        </a:xfrm>
+      </p:grpSpPr>
+      <p:sp>
+        <p:nvSpPr>
+          <p:cNvPr id="2" name="Title 1"/>
+          <p:cNvSpPr>
+            <a:spLocks noGrp="1"/>
+          </p:cNvSpPr>
+          <p:nvPr>
+            <p:ph type="title"/>
+          </p:nvPr>
+        </p:nvSpPr>
+        <p:spPr/>
+        <p:txBody>
+          <a:bodyPr>
+            <a:normAutofit/>
+          </a:bodyPr>
+          <a:lstStyle/>
+          <a:p>
+            <a:r>
+              <a:rPr lang="en-US" dirty="0" smtClean="0"/>
+              <a:t>Spark packages</a:t>
+            </a:r>
+            <a:endParaRPr lang="en-US" dirty="0"/>
+          </a:p>
+        </p:txBody>
+      </p:sp>
+      <p:sp>
+        <p:nvSpPr>
+          <p:cNvPr id="3" name="Content Placeholder 2"/>
+          <p:cNvSpPr>
+            <a:spLocks noGrp="1"/>
+          </p:cNvSpPr>
+          <p:nvPr>
+            <p:ph idx="1"/>
+          </p:nvPr>
+        </p:nvSpPr>
+        <p:spPr/>
+        <p:txBody>
+          <a:bodyPr/>
+          <a:lstStyle/>
+          <a:p>
+            <a:r>
+              <a:rPr lang="en-US" dirty="0" smtClean="0"/>
+              <a:t>A wide set of plugins </a:t>
+            </a:r>
+            <a:endParaRPr lang="en-US" dirty="0"/>
+          </a:p>
+        </p:txBody>
+      </p:sp>
+    </p:spTree>
+    <p:extLst>
+      <p:ext uri="{BB962C8B-B14F-4D97-AF65-F5344CB8AC3E}">
+        <p14:creationId xmlns:p14="http://schemas.microsoft.com/office/powerpoint/2010/main" val="2454011762"/>
+      </p:ext>
+    </p:extLst>
+  </p:cSld>
+  <p:clrMapOvr>
+    <a:masterClrMapping/>
+  </p:clrMapOvr>
+</p:sld>
+</file>
+
+<file path=ppt/slides/slide19.xml><?xml version="1.0" encoding="utf-8"?>
+<p:sld xmlns:a="http://schemas.openxmlformats.org/drawingml/2006/main" xmlns:r="http://schemas.openxmlformats.org/officeDocument/2006/relationships" xmlns:p="http://schemas.openxmlformats.org/presentationml/2006/main">
+  <p:cSld>
+    <p:spTree>
+      <p:nvGrpSpPr>
+        <p:cNvPr id="1" name=""/>
+        <p:cNvGrpSpPr/>
+        <p:nvPr/>
+      </p:nvGrpSpPr>
+      <p:grpSpPr>
+        <a:xfrm>
+          <a:off x="0" y="0"/>
+          <a:ext cx="0" cy="0"/>
+          <a:chOff x="0" y="0"/>
+          <a:chExt cx="0" cy="0"/>
+        </a:xfrm>
+      </p:grpSpPr>
+      <p:sp>
+        <p:nvSpPr>
+          <p:cNvPr id="2" name="Title 1"/>
+          <p:cNvSpPr>
+            <a:spLocks noGrp="1"/>
+          </p:cNvSpPr>
+          <p:nvPr>
+            <p:ph type="title"/>
+          </p:nvPr>
+        </p:nvSpPr>
+        <p:spPr/>
+        <p:txBody>
+          <a:bodyPr/>
+          <a:lstStyle/>
+          <a:p>
+            <a:r>
+              <a:rPr lang="en-US" dirty="0" smtClean="0"/>
+              <a:t>Time for a lab!</a:t>
+            </a:r>
+            <a:endParaRPr lang="en-US" dirty="0"/>
+          </a:p>
+        </p:txBody>
+      </p:sp>
+    </p:spTree>
+    <p:extLst>
+      <p:ext uri="{BB962C8B-B14F-4D97-AF65-F5344CB8AC3E}">
+        <p14:creationId xmlns:p14="http://schemas.microsoft.com/office/powerpoint/2010/main" val="816383995"/>
+      </p:ext>
+    </p:extLst>
+  </p:cSld>
+  <p:clrMapOvr>
+    <a:masterClrMapping/>
+  </p:clrMapOvr>
+</p:sld>
+</file>
+
 <file path=ppt/slides/slide2.xml><?xml version="1.0" encoding="utf-8"?>
 <p:sld xmlns:a="http://schemas.openxmlformats.org/drawingml/2006/main" xmlns:r="http://schemas.openxmlformats.org/officeDocument/2006/relationships" xmlns:p="http://schemas.openxmlformats.org/presentationml/2006/main">
   <p:cSld>
@@ -4121,6 +5499,112 @@
           <a:lstStyle/>
           <a:p>
             <a:pPr eaLnBrk="1" hangingPunct="1"/>
+            <a:r>
+              <a:rPr lang="en-US" dirty="0" smtClean="0">
+                <a:ea typeface="ヒラギノ角ゴ ProN W3" charset="0"/>
+                <a:cs typeface="ヒラギノ角ゴ ProN W3" charset="0"/>
+              </a:rPr>
+              <a:t>What is wrong with </a:t>
+            </a:r>
+            <a:r>
+              <a:rPr lang="en-US" dirty="0" err="1" smtClean="0">
+                <a:ea typeface="ヒラギノ角ゴ ProN W3" charset="0"/>
+                <a:cs typeface="ヒラギノ角ゴ ProN W3" charset="0"/>
+              </a:rPr>
+              <a:t>Hadoop</a:t>
+            </a:r>
+            <a:r>
+              <a:rPr lang="en-US" dirty="0" smtClean="0">
+                <a:ea typeface="ヒラギノ角ゴ ProN W3" charset="0"/>
+                <a:cs typeface="ヒラギノ角ゴ ProN W3" charset="0"/>
+              </a:rPr>
+              <a:t>?</a:t>
+            </a:r>
+          </a:p>
+          <a:p>
+            <a:pPr eaLnBrk="1" hangingPunct="1"/>
+            <a:r>
+              <a:rPr lang="en-US" dirty="0" smtClean="0">
+                <a:ea typeface="ヒラギノ角ゴ ProN W3" charset="0"/>
+                <a:cs typeface="ヒラギノ角ゴ ProN W3" charset="0"/>
+              </a:rPr>
+              <a:t>Apache Spark</a:t>
+            </a:r>
+          </a:p>
+          <a:p>
+            <a:pPr eaLnBrk="1" hangingPunct="1"/>
+            <a:r>
+              <a:rPr lang="en-US" dirty="0" err="1" smtClean="0">
+                <a:ea typeface="ヒラギノ角ゴ ProN W3" charset="0"/>
+                <a:cs typeface="ヒラギノ角ゴ ProN W3" charset="0"/>
+              </a:rPr>
+              <a:t>PySpark</a:t>
+            </a:r>
+            <a:r>
+              <a:rPr lang="en-US" dirty="0" smtClean="0">
+                <a:ea typeface="ヒラギノ角ゴ ProN W3" charset="0"/>
+                <a:cs typeface="ヒラギノ角ゴ ProN W3" charset="0"/>
+              </a:rPr>
+              <a:t> / Python</a:t>
+            </a:r>
+          </a:p>
+          <a:p>
+            <a:pPr eaLnBrk="1" hangingPunct="1"/>
+            <a:r>
+              <a:rPr lang="en-US" dirty="0" err="1" smtClean="0">
+                <a:ea typeface="ヒラギノ角ゴ ProN W3" charset="0"/>
+                <a:cs typeface="ヒラギノ角ゴ ProN W3" charset="0"/>
+              </a:rPr>
+              <a:t>SparkSQL</a:t>
+            </a:r>
+            <a:r>
+              <a:rPr lang="en-US" dirty="0" smtClean="0">
+                <a:ea typeface="ヒラギノ角ゴ ProN W3" charset="0"/>
+                <a:cs typeface="ヒラギノ角ゴ ProN W3" charset="0"/>
+              </a:rPr>
+              <a:t> and Hive</a:t>
+            </a:r>
+          </a:p>
+          <a:p>
+            <a:pPr eaLnBrk="1" hangingPunct="1"/>
+            <a:r>
+              <a:rPr lang="en-US" dirty="0" err="1" smtClean="0">
+                <a:ea typeface="ヒラギノ角ゴ ProN W3" charset="0"/>
+                <a:cs typeface="ヒラギノ角ゴ ProN W3" charset="0"/>
+              </a:rPr>
+              <a:t>SparkR</a:t>
+            </a:r>
+            <a:endParaRPr lang="en-US" dirty="0" smtClean="0">
+              <a:ea typeface="ヒラギノ角ゴ ProN W3" charset="0"/>
+              <a:cs typeface="ヒラギノ角ゴ ProN W3" charset="0"/>
+            </a:endParaRPr>
+          </a:p>
+          <a:p>
+            <a:pPr eaLnBrk="1" hangingPunct="1"/>
+            <a:r>
+              <a:rPr lang="en-US" dirty="0" smtClean="0">
+                <a:ea typeface="ヒラギノ角ゴ ProN W3" charset="0"/>
+                <a:cs typeface="ヒラギノ角ゴ ProN W3" charset="0"/>
+              </a:rPr>
+              <a:t>Spark and Yarn</a:t>
+            </a:r>
+          </a:p>
+          <a:p>
+            <a:pPr eaLnBrk="1" hangingPunct="1"/>
+            <a:r>
+              <a:rPr lang="en-US" dirty="0" smtClean="0">
+                <a:ea typeface="ヒラギノ角ゴ ProN W3" charset="0"/>
+                <a:cs typeface="ヒラギノ角ゴ ProN W3" charset="0"/>
+              </a:rPr>
+              <a:t>Spark and </a:t>
+            </a:r>
+            <a:r>
+              <a:rPr lang="en-US" dirty="0" err="1" smtClean="0">
+                <a:ea typeface="ヒラギノ角ゴ ProN W3" charset="0"/>
+                <a:cs typeface="ヒラギノ角ゴ ProN W3" charset="0"/>
+              </a:rPr>
+              <a:t>Mesos</a:t>
+            </a:r>
             <a:endParaRPr lang="en-US" dirty="0" smtClean="0">
               <a:ea typeface="ヒラギノ角ゴ ProN W3" charset="0"/>
               <a:cs typeface="ヒラギノ角ゴ ProN W3" charset="0"/>
@@ -4190,7 +5674,11 @@
           <a:p>
             <a:r>
               <a:rPr lang="en-US" dirty="0" smtClean="0"/>
-              <a:t>Apache Pig</a:t>
+              <a:t>Issues with </a:t>
+            </a:r>
+            <a:r>
+              <a:rPr lang="en-US" dirty="0" err="1" smtClean="0"/>
+              <a:t>Hadoop</a:t>
             </a:r>
             <a:endParaRPr lang="en-US" dirty="0"/>
           </a:p>
@@ -4208,10 +5696,50 @@
         </p:nvSpPr>
         <p:spPr/>
         <p:txBody>
-          <a:bodyPr/>
-          <a:lstStyle/>
-          <a:p>
-            <a:endParaRPr lang="en-US"/>
+          <a:bodyPr>
+            <a:normAutofit lnSpcReduction="10000"/>
+          </a:bodyPr>
+          <a:lstStyle/>
+          <a:p>
+            <a:r>
+              <a:rPr lang="en-US" dirty="0" err="1" smtClean="0"/>
+              <a:t>Hadoop</a:t>
+            </a:r>
+            <a:r>
+              <a:rPr lang="en-US" dirty="0" smtClean="0"/>
+              <a:t> is fundamentally all about Map Reduce</a:t>
+            </a:r>
+          </a:p>
+          <a:p>
+            <a:pPr lvl="1"/>
+            <a:r>
+              <a:rPr lang="en-US" dirty="0" smtClean="0"/>
+              <a:t>Though v2 did allow for other approaches</a:t>
+            </a:r>
+          </a:p>
+          <a:p>
+            <a:r>
+              <a:rPr lang="en-US" dirty="0" smtClean="0"/>
+              <a:t>Based on cheap commodity hardware</a:t>
+            </a:r>
+            <a:endParaRPr lang="en-US" dirty="0"/>
+          </a:p>
+          <a:p>
+            <a:r>
+              <a:rPr lang="en-US" dirty="0" smtClean="0"/>
+              <a:t>But</a:t>
+            </a:r>
+            <a:r>
+              <a:rPr lang="is-IS" dirty="0" smtClean="0"/>
+              <a:t>….</a:t>
+            </a:r>
+          </a:p>
+          <a:p>
+            <a:pPr lvl="1"/>
+            <a:r>
+              <a:rPr lang="is-IS" dirty="0" smtClean="0"/>
+              <a:t>Not based on cheap commodity hardware with lots of memory!</a:t>
+            </a:r>
           </a:p>
         </p:txBody>
       </p:sp>
@@ -4261,8 +5789,12 @@
           <a:lstStyle/>
           <a:p>
             <a:r>
-              <a:rPr lang="en-US" dirty="0" smtClean="0"/>
-              <a:t>Apache Hive</a:t>
+              <a:rPr lang="en-US" dirty="0" err="1" smtClean="0"/>
+              <a:t>Hadoop</a:t>
+            </a:r>
+            <a:r>
+              <a:rPr lang="en-US" dirty="0" smtClean="0"/>
+              <a:t> and Disk</a:t>
             </a:r>
             <a:endParaRPr lang="en-US" dirty="0"/>
           </a:p>
@@ -4283,14 +5815,49 @@
           <a:bodyPr/>
           <a:lstStyle/>
           <a:p>
-            <a:endParaRPr lang="en-US"/>
+            <a:r>
+              <a:rPr lang="en-US" dirty="0" err="1" smtClean="0"/>
+              <a:t>Hadoop</a:t>
+            </a:r>
+            <a:r>
+              <a:rPr lang="en-US" dirty="0" smtClean="0"/>
+              <a:t> does everything via replicated disk images</a:t>
+            </a:r>
+          </a:p>
+          <a:p>
+            <a:r>
+              <a:rPr lang="en-US" dirty="0" smtClean="0"/>
+              <a:t>Intermediate results are stored on disk</a:t>
+            </a:r>
+          </a:p>
+          <a:p>
+            <a:pPr lvl="1"/>
+            <a:r>
+              <a:rPr lang="en-US" dirty="0" smtClean="0"/>
+              <a:t>Slow for many operations</a:t>
+            </a:r>
+          </a:p>
+          <a:p>
+            <a:pPr lvl="1"/>
+            <a:r>
+              <a:rPr lang="en-US" dirty="0" smtClean="0"/>
+              <a:t>Including Machine Learning</a:t>
+            </a:r>
+          </a:p>
+          <a:p>
+            <a:pPr lvl="1"/>
+            <a:r>
+              <a:rPr lang="en-US" dirty="0" smtClean="0"/>
+              <a:t>No support for interactive processing</a:t>
+            </a:r>
+            <a:endParaRPr lang="en-US" dirty="0"/>
           </a:p>
         </p:txBody>
       </p:sp>
     </p:spTree>
     <p:extLst>
       <p:ext uri="{BB962C8B-B14F-4D97-AF65-F5344CB8AC3E}">
-        <p14:creationId xmlns:p14="http://schemas.microsoft.com/office/powerpoint/2010/main" val="722359811"/>
+        <p14:creationId xmlns:p14="http://schemas.microsoft.com/office/powerpoint/2010/main" val="2317227993"/>
       </p:ext>
     </p:extLst>
   </p:cSld>
@@ -4334,11 +5901,7 @@
           <a:p>
             <a:r>
               <a:rPr lang="en-US" dirty="0" smtClean="0"/>
-              <a:t>Apache </a:t>
-            </a:r>
-            <a:r>
-              <a:rPr lang="en-US" dirty="0" err="1" smtClean="0"/>
-              <a:t>HBase</a:t>
+              <a:t>Improved Approach</a:t>
             </a:r>
             <a:endParaRPr lang="en-US" dirty="0"/>
           </a:p>
@@ -4359,14 +5922,27 @@
           <a:bodyPr/>
           <a:lstStyle/>
           <a:p>
-            <a:endParaRPr lang="en-US"/>
+            <a:r>
+              <a:rPr lang="en-US" dirty="0" smtClean="0"/>
+              <a:t>A new model based on memory</a:t>
+            </a:r>
+          </a:p>
+          <a:p>
+            <a:endParaRPr lang="en-US" dirty="0"/>
+          </a:p>
+          <a:p>
+            <a:r>
+              <a:rPr lang="en-US" dirty="0" smtClean="0"/>
+              <a:t>But what about reliability?!</a:t>
+            </a:r>
+            <a:endParaRPr lang="en-US" dirty="0"/>
           </a:p>
         </p:txBody>
       </p:sp>
     </p:spTree>
     <p:extLst>
       <p:ext uri="{BB962C8B-B14F-4D97-AF65-F5344CB8AC3E}">
-        <p14:creationId xmlns:p14="http://schemas.microsoft.com/office/powerpoint/2010/main" val="363812753"/>
+        <p14:creationId xmlns:p14="http://schemas.microsoft.com/office/powerpoint/2010/main" val="4205857097"/>
       </p:ext>
     </p:extLst>
   </p:cSld>
@@ -4410,7 +5986,7 @@
           <a:p>
             <a:r>
               <a:rPr lang="en-US" dirty="0" smtClean="0"/>
-              <a:t>Other related projects</a:t>
+              <a:t>Apache Spark</a:t>
             </a:r>
             <a:endParaRPr lang="en-US" dirty="0"/>
           </a:p>
@@ -4428,17 +6004,125 @@
         </p:nvSpPr>
         <p:spPr/>
         <p:txBody>
-          <a:bodyPr/>
-          <a:lstStyle/>
-          <a:p>
-            <a:endParaRPr lang="en-US"/>
+          <a:bodyPr>
+            <a:normAutofit fontScale="77500" lnSpcReduction="20000"/>
+          </a:bodyPr>
+          <a:lstStyle/>
+          <a:p>
+            <a:r>
+              <a:rPr lang="en-US" dirty="0" smtClean="0"/>
+              <a:t>Started in 2009 at UC Berkeley</a:t>
+            </a:r>
+          </a:p>
+          <a:p>
+            <a:r>
+              <a:rPr lang="en-US" dirty="0" smtClean="0"/>
+              <a:t>Donated to Apache in 2013</a:t>
+            </a:r>
+          </a:p>
+          <a:p>
+            <a:r>
+              <a:rPr lang="en-US" dirty="0" smtClean="0"/>
+              <a:t>Written on top of JVM mainly in </a:t>
+            </a:r>
+            <a:r>
+              <a:rPr lang="en-US" dirty="0" err="1" smtClean="0"/>
+              <a:t>Scala</a:t>
+            </a:r>
+            <a:endParaRPr lang="en-US" dirty="0" smtClean="0"/>
+          </a:p>
+          <a:p>
+            <a:r>
+              <a:rPr lang="en-US" dirty="0" smtClean="0"/>
+              <a:t>10x-100x faster than </a:t>
+            </a:r>
+            <a:r>
+              <a:rPr lang="en-US" dirty="0" err="1" smtClean="0"/>
+              <a:t>Hadoop</a:t>
+            </a:r>
+            <a:endParaRPr lang="en-US" dirty="0" smtClean="0"/>
+          </a:p>
+          <a:p>
+            <a:r>
+              <a:rPr lang="en-US" dirty="0" smtClean="0"/>
+              <a:t>Supports coding in:</a:t>
+            </a:r>
+          </a:p>
+          <a:p>
+            <a:pPr lvl="1"/>
+            <a:r>
+              <a:rPr lang="en-US" dirty="0" err="1" smtClean="0"/>
+              <a:t>Scala</a:t>
+            </a:r>
+            <a:endParaRPr lang="en-US" dirty="0" smtClean="0"/>
+          </a:p>
+          <a:p>
+            <a:pPr lvl="1"/>
+            <a:r>
+              <a:rPr lang="en-US" dirty="0" smtClean="0"/>
+              <a:t>Java</a:t>
+            </a:r>
+          </a:p>
+          <a:p>
+            <a:pPr lvl="1"/>
+            <a:r>
+              <a:rPr lang="en-US" dirty="0" smtClean="0"/>
+              <a:t>Python</a:t>
+            </a:r>
+          </a:p>
+          <a:p>
+            <a:pPr lvl="1"/>
+            <a:r>
+              <a:rPr lang="en-US" dirty="0" smtClean="0"/>
+              <a:t>R</a:t>
+            </a:r>
+          </a:p>
+          <a:p>
+            <a:r>
+              <a:rPr lang="en-US" dirty="0" smtClean="0"/>
+              <a:t>Supports an interactive shell</a:t>
+            </a:r>
+          </a:p>
+          <a:p>
+            <a:r>
+              <a:rPr lang="en-US" dirty="0" smtClean="0"/>
+              <a:t>More details in this paper:</a:t>
+            </a:r>
+          </a:p>
+          <a:p>
+            <a:pPr lvl="1"/>
+            <a:r>
+              <a:rPr lang="en-US" sz="1900" dirty="0"/>
+              <a:t>http://</a:t>
+            </a:r>
+            <a:r>
+              <a:rPr lang="en-US" sz="1900" dirty="0" err="1"/>
+              <a:t>www.cs.berkeley.edu</a:t>
+            </a:r>
+            <a:r>
+              <a:rPr lang="en-US" sz="1900" dirty="0"/>
+              <a:t>/~</a:t>
+            </a:r>
+            <a:r>
+              <a:rPr lang="en-US" sz="1900" dirty="0" err="1"/>
+              <a:t>matei</a:t>
+            </a:r>
+            <a:r>
+              <a:rPr lang="en-US" sz="1900" dirty="0"/>
+              <a:t>/papers/2012/</a:t>
+            </a:r>
+            <a:r>
+              <a:rPr lang="en-US" sz="1900" dirty="0" err="1"/>
+              <a:t>nsdi_spark.pdf</a:t>
+            </a:r>
+            <a:endParaRPr lang="en-US" sz="1900" dirty="0" smtClean="0"/>
           </a:p>
         </p:txBody>
       </p:sp>
     </p:spTree>
     <p:extLst>
       <p:ext uri="{BB962C8B-B14F-4D97-AF65-F5344CB8AC3E}">
-        <p14:creationId xmlns:p14="http://schemas.microsoft.com/office/powerpoint/2010/main" val="1496414552"/>
+        <p14:creationId xmlns:p14="http://schemas.microsoft.com/office/powerpoint/2010/main" val="956763747"/>
       </p:ext>
     </p:extLst>
   </p:cSld>
@@ -4477,36 +6161,257 @@
         </p:nvSpPr>
         <p:spPr/>
         <p:txBody>
+          <a:bodyPr>
+            <a:normAutofit fontScale="90000"/>
+          </a:bodyPr>
+          <a:lstStyle/>
+          <a:p>
+            <a:r>
+              <a:rPr lang="en-US" dirty="0" smtClean="0"/>
+              <a:t>Resilient Distributed Datasets</a:t>
+            </a:r>
+            <a:endParaRPr lang="en-US" dirty="0"/>
+          </a:p>
+        </p:txBody>
+      </p:sp>
+      <p:sp>
+        <p:nvSpPr>
+          <p:cNvPr id="3" name="Content Placeholder 2"/>
+          <p:cNvSpPr>
+            <a:spLocks noGrp="1"/>
+          </p:cNvSpPr>
+          <p:nvPr>
+            <p:ph idx="1"/>
+          </p:nvPr>
+        </p:nvSpPr>
+        <p:spPr/>
+        <p:txBody>
           <a:bodyPr/>
           <a:lstStyle/>
           <a:p>
-            <a:endParaRPr lang="en-US"/>
-          </a:p>
-        </p:txBody>
-      </p:sp>
-      <p:sp>
-        <p:nvSpPr>
-          <p:cNvPr id="3" name="Content Placeholder 2"/>
-          <p:cNvSpPr>
-            <a:spLocks noGrp="1"/>
-          </p:cNvSpPr>
-          <p:nvPr>
-            <p:ph idx="1"/>
-          </p:nvPr>
-        </p:nvSpPr>
-        <p:spPr/>
-        <p:txBody>
-          <a:bodyPr/>
-          <a:lstStyle/>
-          <a:p>
-            <a:endParaRPr lang="en-US"/>
+            <a:r>
+              <a:rPr lang="en-US" dirty="0" smtClean="0"/>
+              <a:t>A logical collection of data </a:t>
+            </a:r>
+          </a:p>
+          <a:p>
+            <a:pPr lvl="1"/>
+            <a:r>
+              <a:rPr lang="en-US" dirty="0" smtClean="0"/>
+              <a:t>Partitioned across multiple machines</a:t>
+            </a:r>
+          </a:p>
+          <a:p>
+            <a:r>
+              <a:rPr lang="en-US" dirty="0" smtClean="0"/>
+              <a:t>Logs the lineage of the current data</a:t>
+            </a:r>
+          </a:p>
+          <a:p>
+            <a:pPr lvl="1"/>
+            <a:r>
+              <a:rPr lang="en-US" dirty="0" smtClean="0"/>
+              <a:t>If there is a failure, recreate the data</a:t>
+            </a:r>
+          </a:p>
+          <a:p>
+            <a:r>
+              <a:rPr lang="en-US" dirty="0" smtClean="0"/>
+              <a:t>Developers can specify the </a:t>
+            </a:r>
+            <a:r>
+              <a:rPr lang="en-US" i="1" dirty="0" smtClean="0"/>
+              <a:t>persistence</a:t>
+            </a:r>
+            <a:r>
+              <a:rPr lang="en-US" dirty="0" smtClean="0"/>
+              <a:t> and </a:t>
+            </a:r>
+            <a:r>
+              <a:rPr lang="en-US" i="1" dirty="0" smtClean="0"/>
+              <a:t>partitioning</a:t>
+            </a:r>
+            <a:r>
+              <a:rPr lang="en-US" dirty="0" smtClean="0"/>
+              <a:t> of RDDs</a:t>
+            </a:r>
+          </a:p>
+          <a:p>
+            <a:pPr lvl="1"/>
+            <a:endParaRPr lang="en-US" dirty="0"/>
           </a:p>
         </p:txBody>
       </p:sp>
     </p:spTree>
     <p:extLst>
       <p:ext uri="{BB962C8B-B14F-4D97-AF65-F5344CB8AC3E}">
-        <p14:creationId xmlns:p14="http://schemas.microsoft.com/office/powerpoint/2010/main" val="1801667116"/>
+        <p14:creationId xmlns:p14="http://schemas.microsoft.com/office/powerpoint/2010/main" val="1721564547"/>
+      </p:ext>
+    </p:extLst>
+  </p:cSld>
+  <p:clrMapOvr>
+    <a:masterClrMapping/>
+  </p:clrMapOvr>
+</p:sld>
+</file>
+
+<file path=ppt/slides/slide8.xml><?xml version="1.0" encoding="utf-8"?>
+<p:sld xmlns:a="http://schemas.openxmlformats.org/drawingml/2006/main" xmlns:r="http://schemas.openxmlformats.org/officeDocument/2006/relationships" xmlns:p="http://schemas.openxmlformats.org/presentationml/2006/main">
+  <p:cSld>
+    <p:spTree>
+      <p:nvGrpSpPr>
+        <p:cNvPr id="1" name=""/>
+        <p:cNvGrpSpPr/>
+        <p:nvPr/>
+      </p:nvGrpSpPr>
+      <p:grpSpPr>
+        <a:xfrm>
+          <a:off x="0" y="0"/>
+          <a:ext cx="0" cy="0"/>
+          <a:chOff x="0" y="0"/>
+          <a:chExt cx="0" cy="0"/>
+        </a:xfrm>
+      </p:grpSpPr>
+      <p:sp>
+        <p:nvSpPr>
+          <p:cNvPr id="2" name="Title 1"/>
+          <p:cNvSpPr>
+            <a:spLocks noGrp="1"/>
+          </p:cNvSpPr>
+          <p:nvPr>
+            <p:ph type="title"/>
+          </p:nvPr>
+        </p:nvSpPr>
+        <p:spPr/>
+        <p:txBody>
+          <a:bodyPr/>
+          <a:lstStyle/>
+          <a:p>
+            <a:r>
+              <a:rPr lang="en-US" dirty="0" err="1" smtClean="0"/>
+              <a:t>Hadoop</a:t>
+            </a:r>
+            <a:r>
+              <a:rPr lang="en-US" dirty="0" smtClean="0"/>
+              <a:t> </a:t>
+            </a:r>
+            <a:r>
+              <a:rPr lang="en-US" dirty="0" err="1" smtClean="0"/>
+              <a:t>vs</a:t>
+            </a:r>
+            <a:r>
+              <a:rPr lang="en-US" dirty="0" smtClean="0"/>
+              <a:t> Spark sorting</a:t>
+            </a:r>
+            <a:endParaRPr lang="en-US" dirty="0"/>
+          </a:p>
+        </p:txBody>
+      </p:sp>
+      <p:pic>
+        <p:nvPicPr>
+          <p:cNvPr id="4" name="Picture 3"/>
+          <p:cNvPicPr>
+            <a:picLocks noChangeAspect="1"/>
+          </p:cNvPicPr>
+          <p:nvPr/>
+        </p:nvPicPr>
+        <p:blipFill>
+          <a:blip r:embed="rId2"/>
+          <a:stretch>
+            <a:fillRect/>
+          </a:stretch>
+        </p:blipFill>
+        <p:spPr>
+          <a:xfrm>
+            <a:off x="190500" y="1296811"/>
+            <a:ext cx="8750300" cy="4800600"/>
+          </a:xfrm>
+          <a:prstGeom prst="rect">
+            <a:avLst/>
+          </a:prstGeom>
+        </p:spPr>
+      </p:pic>
+    </p:spTree>
+    <p:extLst>
+      <p:ext uri="{BB962C8B-B14F-4D97-AF65-F5344CB8AC3E}">
+        <p14:creationId xmlns:p14="http://schemas.microsoft.com/office/powerpoint/2010/main" val="4035115852"/>
+      </p:ext>
+    </p:extLst>
+  </p:cSld>
+  <p:clrMapOvr>
+    <a:masterClrMapping/>
+  </p:clrMapOvr>
+</p:sld>
+</file>
+
+<file path=ppt/slides/slide9.xml><?xml version="1.0" encoding="utf-8"?>
+<p:sld xmlns:a="http://schemas.openxmlformats.org/drawingml/2006/main" xmlns:r="http://schemas.openxmlformats.org/officeDocument/2006/relationships" xmlns:p="http://schemas.openxmlformats.org/presentationml/2006/main">
+  <p:cSld>
+    <p:spTree>
+      <p:nvGrpSpPr>
+        <p:cNvPr id="1" name=""/>
+        <p:cNvGrpSpPr/>
+        <p:nvPr/>
+      </p:nvGrpSpPr>
+      <p:grpSpPr>
+        <a:xfrm>
+          <a:off x="0" y="0"/>
+          <a:ext cx="0" cy="0"/>
+          <a:chOff x="0" y="0"/>
+          <a:chExt cx="0" cy="0"/>
+        </a:xfrm>
+      </p:grpSpPr>
+      <p:sp>
+        <p:nvSpPr>
+          <p:cNvPr id="2" name="Title 1"/>
+          <p:cNvSpPr>
+            <a:spLocks noGrp="1"/>
+          </p:cNvSpPr>
+          <p:nvPr>
+            <p:ph type="title"/>
+          </p:nvPr>
+        </p:nvSpPr>
+        <p:spPr/>
+        <p:txBody>
+          <a:bodyPr/>
+          <a:lstStyle/>
+          <a:p>
+            <a:r>
+              <a:rPr lang="en-US" dirty="0" smtClean="0"/>
+              <a:t>Apache Spark cluster model</a:t>
+            </a:r>
+            <a:endParaRPr lang="en-US" dirty="0"/>
+          </a:p>
+        </p:txBody>
+      </p:sp>
+      <p:pic>
+        <p:nvPicPr>
+          <p:cNvPr id="4" name="Picture 3"/>
+          <p:cNvPicPr>
+            <a:picLocks noChangeAspect="1"/>
+          </p:cNvPicPr>
+          <p:nvPr/>
+        </p:nvPicPr>
+        <p:blipFill>
+          <a:blip r:embed="rId2"/>
+          <a:stretch>
+            <a:fillRect/>
+          </a:stretch>
+        </p:blipFill>
+        <p:spPr>
+          <a:xfrm>
+            <a:off x="787400" y="1612900"/>
+            <a:ext cx="7569200" cy="3632200"/>
+          </a:xfrm>
+          <a:prstGeom prst="rect">
+            <a:avLst/>
+          </a:prstGeom>
+        </p:spPr>
+      </p:pic>
+    </p:spTree>
+    <p:extLst>
+      <p:ext uri="{BB962C8B-B14F-4D97-AF65-F5344CB8AC3E}">
+        <p14:creationId xmlns:p14="http://schemas.microsoft.com/office/powerpoint/2010/main" val="428450362"/>
       </p:ext>
     </p:extLst>
   </p:cSld>

--- a/pres-source/06-spark-and-adjuncts.pptx
+++ b/pres-source/06-spark-and-adjuncts.pptx
@@ -5,7 +5,7 @@
     <p:sldMasterId id="2147483648" r:id="rId1"/>
   </p:sldMasterIdLst>
   <p:notesMasterIdLst>
-    <p:notesMasterId r:id="rId21"/>
+    <p:notesMasterId r:id="rId37"/>
   </p:notesMasterIdLst>
   <p:sldIdLst>
     <p:sldId id="256" r:id="rId2"/>
@@ -13,20 +13,36 @@
     <p:sldId id="260" r:id="rId4"/>
     <p:sldId id="264" r:id="rId5"/>
     <p:sldId id="265" r:id="rId6"/>
-    <p:sldId id="266" r:id="rId7"/>
-    <p:sldId id="273" r:id="rId8"/>
-    <p:sldId id="272" r:id="rId9"/>
-    <p:sldId id="280" r:id="rId10"/>
-    <p:sldId id="267" r:id="rId11"/>
-    <p:sldId id="282" r:id="rId12"/>
-    <p:sldId id="278" r:id="rId13"/>
-    <p:sldId id="279" r:id="rId14"/>
-    <p:sldId id="276" r:id="rId15"/>
-    <p:sldId id="268" r:id="rId16"/>
-    <p:sldId id="277" r:id="rId17"/>
-    <p:sldId id="274" r:id="rId18"/>
-    <p:sldId id="281" r:id="rId19"/>
-    <p:sldId id="275" r:id="rId20"/>
+    <p:sldId id="295" r:id="rId7"/>
+    <p:sldId id="266" r:id="rId8"/>
+    <p:sldId id="273" r:id="rId9"/>
+    <p:sldId id="296" r:id="rId10"/>
+    <p:sldId id="297" r:id="rId11"/>
+    <p:sldId id="272" r:id="rId12"/>
+    <p:sldId id="280" r:id="rId13"/>
+    <p:sldId id="267" r:id="rId14"/>
+    <p:sldId id="282" r:id="rId15"/>
+    <p:sldId id="278" r:id="rId16"/>
+    <p:sldId id="279" r:id="rId17"/>
+    <p:sldId id="276" r:id="rId18"/>
+    <p:sldId id="268" r:id="rId19"/>
+    <p:sldId id="283" r:id="rId20"/>
+    <p:sldId id="277" r:id="rId21"/>
+    <p:sldId id="274" r:id="rId22"/>
+    <p:sldId id="281" r:id="rId23"/>
+    <p:sldId id="284" r:id="rId24"/>
+    <p:sldId id="275" r:id="rId25"/>
+    <p:sldId id="298" r:id="rId26"/>
+    <p:sldId id="294" r:id="rId27"/>
+    <p:sldId id="288" r:id="rId28"/>
+    <p:sldId id="285" r:id="rId29"/>
+    <p:sldId id="286" r:id="rId30"/>
+    <p:sldId id="287" r:id="rId31"/>
+    <p:sldId id="289" r:id="rId32"/>
+    <p:sldId id="290" r:id="rId33"/>
+    <p:sldId id="292" r:id="rId34"/>
+    <p:sldId id="291" r:id="rId35"/>
+    <p:sldId id="293" r:id="rId36"/>
   </p:sldIdLst>
   <p:sldSz cx="9144000" cy="6858000" type="screen4x3"/>
   <p:notesSz cx="6858000" cy="9144000"/>
@@ -215,7 +231,7 @@
             <a:fld id="{7307762F-A706-E543-A832-3C298AA3103F}" type="datetimeFigureOut">
               <a:rPr lang="en-US" smtClean="0"/>
               <a:pPr/>
-              <a:t>02/11/15</a:t>
+              <a:t>12/11/15</a:t>
             </a:fld>
             <a:endParaRPr lang="en-US" dirty="0"/>
           </a:p>
@@ -778,13 +794,20 @@
         </p:spPr>
         <p:txBody>
           <a:bodyPr/>
-          <a:lstStyle/>
+          <a:lstStyle>
+            <a:lvl1pPr>
+              <a:defRPr>
+                <a:latin typeface="Montserrat"/>
+              </a:defRPr>
+            </a:lvl1pPr>
+          </a:lstStyle>
           <a:p>
             <a:fld id="{875CF0EB-321F-0749-B37A-89BBA859503C}" type="datetimeFigureOut">
               <a:rPr lang="en-US" smtClean="0"/>
-              <a:t>02/11/15</a:t>
+              <a:pPr/>
+              <a:t>12/11/15</a:t>
             </a:fld>
-            <a:endParaRPr lang="en-US"/>
+            <a:endParaRPr lang="en-US" dirty="0"/>
           </a:p>
         </p:txBody>
       </p:sp>
@@ -809,9 +832,15 @@
         </p:spPr>
         <p:txBody>
           <a:bodyPr/>
-          <a:lstStyle/>
-          <a:p>
-            <a:endParaRPr lang="en-US"/>
+          <a:lstStyle>
+            <a:lvl1pPr>
+              <a:defRPr>
+                <a:latin typeface="Montserrat"/>
+              </a:defRPr>
+            </a:lvl1pPr>
+          </a:lstStyle>
+          <a:p>
+            <a:endParaRPr lang="en-US" dirty="0"/>
           </a:p>
         </p:txBody>
       </p:sp>
@@ -836,13 +865,20 @@
         </p:spPr>
         <p:txBody>
           <a:bodyPr/>
-          <a:lstStyle/>
+          <a:lstStyle>
+            <a:lvl1pPr>
+              <a:defRPr>
+                <a:latin typeface="Montserrat"/>
+              </a:defRPr>
+            </a:lvl1pPr>
+          </a:lstStyle>
           <a:p>
             <a:fld id="{D8EC77E0-7A07-2D42-83D7-B97B1315E5F9}" type="slidenum">
               <a:rPr lang="en-US" smtClean="0"/>
+              <a:pPr/>
               <a:t>‹#›</a:t>
             </a:fld>
-            <a:endParaRPr lang="en-US"/>
+            <a:endParaRPr lang="en-US" dirty="0"/>
           </a:p>
         </p:txBody>
       </p:sp>
@@ -982,13 +1018,20 @@
         </p:spPr>
         <p:txBody>
           <a:bodyPr/>
-          <a:lstStyle/>
+          <a:lstStyle>
+            <a:lvl1pPr>
+              <a:defRPr>
+                <a:latin typeface="Montserrat"/>
+              </a:defRPr>
+            </a:lvl1pPr>
+          </a:lstStyle>
           <a:p>
             <a:fld id="{875CF0EB-321F-0749-B37A-89BBA859503C}" type="datetimeFigureOut">
               <a:rPr lang="en-US" smtClean="0"/>
-              <a:t>02/11/15</a:t>
+              <a:pPr/>
+              <a:t>12/11/15</a:t>
             </a:fld>
-            <a:endParaRPr lang="en-US"/>
+            <a:endParaRPr lang="en-US" dirty="0"/>
           </a:p>
         </p:txBody>
       </p:sp>
@@ -1013,9 +1056,15 @@
         </p:spPr>
         <p:txBody>
           <a:bodyPr/>
-          <a:lstStyle/>
-          <a:p>
-            <a:endParaRPr lang="en-US"/>
+          <a:lstStyle>
+            <a:lvl1pPr>
+              <a:defRPr>
+                <a:latin typeface="Montserrat"/>
+              </a:defRPr>
+            </a:lvl1pPr>
+          </a:lstStyle>
+          <a:p>
+            <a:endParaRPr lang="en-US" dirty="0"/>
           </a:p>
         </p:txBody>
       </p:sp>
@@ -1040,13 +1089,20 @@
         </p:spPr>
         <p:txBody>
           <a:bodyPr/>
-          <a:lstStyle/>
+          <a:lstStyle>
+            <a:lvl1pPr>
+              <a:defRPr>
+                <a:latin typeface="Montserrat"/>
+              </a:defRPr>
+            </a:lvl1pPr>
+          </a:lstStyle>
           <a:p>
             <a:fld id="{D8EC77E0-7A07-2D42-83D7-B97B1315E5F9}" type="slidenum">
               <a:rPr lang="en-US" smtClean="0"/>
+              <a:pPr/>
               <a:t>‹#›</a:t>
             </a:fld>
-            <a:endParaRPr lang="en-US"/>
+            <a:endParaRPr lang="en-US" dirty="0"/>
           </a:p>
         </p:txBody>
       </p:sp>
@@ -1176,13 +1232,20 @@
         </p:spPr>
         <p:txBody>
           <a:bodyPr/>
-          <a:lstStyle/>
+          <a:lstStyle>
+            <a:lvl1pPr>
+              <a:defRPr>
+                <a:latin typeface="Montserrat"/>
+              </a:defRPr>
+            </a:lvl1pPr>
+          </a:lstStyle>
           <a:p>
             <a:fld id="{875CF0EB-321F-0749-B37A-89BBA859503C}" type="datetimeFigureOut">
               <a:rPr lang="en-US" smtClean="0"/>
-              <a:t>02/11/15</a:t>
+              <a:pPr/>
+              <a:t>12/11/15</a:t>
             </a:fld>
-            <a:endParaRPr lang="en-US"/>
+            <a:endParaRPr lang="en-US" dirty="0"/>
           </a:p>
         </p:txBody>
       </p:sp>
@@ -1207,9 +1270,15 @@
         </p:spPr>
         <p:txBody>
           <a:bodyPr/>
-          <a:lstStyle/>
-          <a:p>
-            <a:endParaRPr lang="en-US"/>
+          <a:lstStyle>
+            <a:lvl1pPr>
+              <a:defRPr>
+                <a:latin typeface="Montserrat"/>
+              </a:defRPr>
+            </a:lvl1pPr>
+          </a:lstStyle>
+          <a:p>
+            <a:endParaRPr lang="en-US" dirty="0"/>
           </a:p>
         </p:txBody>
       </p:sp>
@@ -1234,13 +1303,20 @@
         </p:spPr>
         <p:txBody>
           <a:bodyPr/>
-          <a:lstStyle/>
+          <a:lstStyle>
+            <a:lvl1pPr>
+              <a:defRPr>
+                <a:latin typeface="Montserrat"/>
+              </a:defRPr>
+            </a:lvl1pPr>
+          </a:lstStyle>
           <a:p>
             <a:fld id="{D8EC77E0-7A07-2D42-83D7-B97B1315E5F9}" type="slidenum">
               <a:rPr lang="en-US" smtClean="0"/>
+              <a:pPr/>
               <a:t>‹#›</a:t>
             </a:fld>
-            <a:endParaRPr lang="en-US"/>
+            <a:endParaRPr lang="en-US" dirty="0"/>
           </a:p>
         </p:txBody>
       </p:sp>
@@ -1446,13 +1522,20 @@
         </p:spPr>
         <p:txBody>
           <a:bodyPr/>
-          <a:lstStyle/>
+          <a:lstStyle>
+            <a:lvl1pPr>
+              <a:defRPr>
+                <a:latin typeface="Montserrat"/>
+              </a:defRPr>
+            </a:lvl1pPr>
+          </a:lstStyle>
           <a:p>
             <a:fld id="{875CF0EB-321F-0749-B37A-89BBA859503C}" type="datetimeFigureOut">
               <a:rPr lang="en-US" smtClean="0"/>
-              <a:t>02/11/15</a:t>
+              <a:pPr/>
+              <a:t>12/11/15</a:t>
             </a:fld>
-            <a:endParaRPr lang="en-US"/>
+            <a:endParaRPr lang="en-US" dirty="0"/>
           </a:p>
         </p:txBody>
       </p:sp>
@@ -1477,9 +1560,15 @@
         </p:spPr>
         <p:txBody>
           <a:bodyPr/>
-          <a:lstStyle/>
-          <a:p>
-            <a:endParaRPr lang="en-US"/>
+          <a:lstStyle>
+            <a:lvl1pPr>
+              <a:defRPr>
+                <a:latin typeface="Montserrat"/>
+              </a:defRPr>
+            </a:lvl1pPr>
+          </a:lstStyle>
+          <a:p>
+            <a:endParaRPr lang="en-US" dirty="0"/>
           </a:p>
         </p:txBody>
       </p:sp>
@@ -1504,13 +1593,20 @@
         </p:spPr>
         <p:txBody>
           <a:bodyPr/>
-          <a:lstStyle/>
+          <a:lstStyle>
+            <a:lvl1pPr>
+              <a:defRPr>
+                <a:latin typeface="Montserrat"/>
+              </a:defRPr>
+            </a:lvl1pPr>
+          </a:lstStyle>
           <a:p>
             <a:fld id="{D8EC77E0-7A07-2D42-83D7-B97B1315E5F9}" type="slidenum">
               <a:rPr lang="en-US" smtClean="0"/>
+              <a:pPr/>
               <a:t>‹#›</a:t>
             </a:fld>
-            <a:endParaRPr lang="en-US"/>
+            <a:endParaRPr lang="en-US" dirty="0"/>
           </a:p>
         </p:txBody>
       </p:sp>
@@ -1758,13 +1854,20 @@
         </p:spPr>
         <p:txBody>
           <a:bodyPr/>
-          <a:lstStyle/>
+          <a:lstStyle>
+            <a:lvl1pPr>
+              <a:defRPr>
+                <a:latin typeface="Montserrat"/>
+              </a:defRPr>
+            </a:lvl1pPr>
+          </a:lstStyle>
           <a:p>
             <a:fld id="{875CF0EB-321F-0749-B37A-89BBA859503C}" type="datetimeFigureOut">
               <a:rPr lang="en-US" smtClean="0"/>
-              <a:t>02/11/15</a:t>
+              <a:pPr/>
+              <a:t>12/11/15</a:t>
             </a:fld>
-            <a:endParaRPr lang="en-US"/>
+            <a:endParaRPr lang="en-US" dirty="0"/>
           </a:p>
         </p:txBody>
       </p:sp>
@@ -1789,9 +1892,15 @@
         </p:spPr>
         <p:txBody>
           <a:bodyPr/>
-          <a:lstStyle/>
-          <a:p>
-            <a:endParaRPr lang="en-US"/>
+          <a:lstStyle>
+            <a:lvl1pPr>
+              <a:defRPr>
+                <a:latin typeface="Montserrat"/>
+              </a:defRPr>
+            </a:lvl1pPr>
+          </a:lstStyle>
+          <a:p>
+            <a:endParaRPr lang="en-US" dirty="0"/>
           </a:p>
         </p:txBody>
       </p:sp>
@@ -1816,13 +1925,20 @@
         </p:spPr>
         <p:txBody>
           <a:bodyPr/>
-          <a:lstStyle/>
+          <a:lstStyle>
+            <a:lvl1pPr>
+              <a:defRPr>
+                <a:latin typeface="Montserrat"/>
+              </a:defRPr>
+            </a:lvl1pPr>
+          </a:lstStyle>
           <a:p>
             <a:fld id="{D8EC77E0-7A07-2D42-83D7-B97B1315E5F9}" type="slidenum">
               <a:rPr lang="en-US" smtClean="0"/>
+              <a:pPr/>
               <a:t>‹#›</a:t>
             </a:fld>
-            <a:endParaRPr lang="en-US"/>
+            <a:endParaRPr lang="en-US" dirty="0"/>
           </a:p>
         </p:txBody>
       </p:sp>
@@ -2204,13 +2320,20 @@
         </p:spPr>
         <p:txBody>
           <a:bodyPr/>
-          <a:lstStyle/>
+          <a:lstStyle>
+            <a:lvl1pPr>
+              <a:defRPr>
+                <a:latin typeface="Montserrat"/>
+              </a:defRPr>
+            </a:lvl1pPr>
+          </a:lstStyle>
           <a:p>
             <a:fld id="{875CF0EB-321F-0749-B37A-89BBA859503C}" type="datetimeFigureOut">
               <a:rPr lang="en-US" smtClean="0"/>
-              <a:t>02/11/15</a:t>
+              <a:pPr/>
+              <a:t>12/11/15</a:t>
             </a:fld>
-            <a:endParaRPr lang="en-US"/>
+            <a:endParaRPr lang="en-US" dirty="0"/>
           </a:p>
         </p:txBody>
       </p:sp>
@@ -2235,9 +2358,15 @@
         </p:spPr>
         <p:txBody>
           <a:bodyPr/>
-          <a:lstStyle/>
-          <a:p>
-            <a:endParaRPr lang="en-US"/>
+          <a:lstStyle>
+            <a:lvl1pPr>
+              <a:defRPr>
+                <a:latin typeface="Montserrat"/>
+              </a:defRPr>
+            </a:lvl1pPr>
+          </a:lstStyle>
+          <a:p>
+            <a:endParaRPr lang="en-US" dirty="0"/>
           </a:p>
         </p:txBody>
       </p:sp>
@@ -2262,13 +2391,20 @@
         </p:spPr>
         <p:txBody>
           <a:bodyPr/>
-          <a:lstStyle/>
+          <a:lstStyle>
+            <a:lvl1pPr>
+              <a:defRPr>
+                <a:latin typeface="Montserrat"/>
+              </a:defRPr>
+            </a:lvl1pPr>
+          </a:lstStyle>
           <a:p>
             <a:fld id="{D8EC77E0-7A07-2D42-83D7-B97B1315E5F9}" type="slidenum">
               <a:rPr lang="en-US" smtClean="0"/>
+              <a:pPr/>
               <a:t>‹#›</a:t>
             </a:fld>
-            <a:endParaRPr lang="en-US"/>
+            <a:endParaRPr lang="en-US" dirty="0"/>
           </a:p>
         </p:txBody>
       </p:sp>
@@ -2346,13 +2482,20 @@
         </p:spPr>
         <p:txBody>
           <a:bodyPr/>
-          <a:lstStyle/>
+          <a:lstStyle>
+            <a:lvl1pPr>
+              <a:defRPr>
+                <a:latin typeface="Montserrat"/>
+              </a:defRPr>
+            </a:lvl1pPr>
+          </a:lstStyle>
           <a:p>
             <a:fld id="{875CF0EB-321F-0749-B37A-89BBA859503C}" type="datetimeFigureOut">
               <a:rPr lang="en-US" smtClean="0"/>
-              <a:t>02/11/15</a:t>
+              <a:pPr/>
+              <a:t>12/11/15</a:t>
             </a:fld>
-            <a:endParaRPr lang="en-US"/>
+            <a:endParaRPr lang="en-US" dirty="0"/>
           </a:p>
         </p:txBody>
       </p:sp>
@@ -2377,9 +2520,15 @@
         </p:spPr>
         <p:txBody>
           <a:bodyPr/>
-          <a:lstStyle/>
-          <a:p>
-            <a:endParaRPr lang="en-US"/>
+          <a:lstStyle>
+            <a:lvl1pPr>
+              <a:defRPr>
+                <a:latin typeface="Montserrat"/>
+              </a:defRPr>
+            </a:lvl1pPr>
+          </a:lstStyle>
+          <a:p>
+            <a:endParaRPr lang="en-US" dirty="0"/>
           </a:p>
         </p:txBody>
       </p:sp>
@@ -2404,13 +2553,20 @@
         </p:spPr>
         <p:txBody>
           <a:bodyPr/>
-          <a:lstStyle/>
+          <a:lstStyle>
+            <a:lvl1pPr>
+              <a:defRPr>
+                <a:latin typeface="Montserrat"/>
+              </a:defRPr>
+            </a:lvl1pPr>
+          </a:lstStyle>
           <a:p>
             <a:fld id="{D8EC77E0-7A07-2D42-83D7-B97B1315E5F9}" type="slidenum">
               <a:rPr lang="en-US" smtClean="0"/>
+              <a:pPr/>
               <a:t>‹#›</a:t>
             </a:fld>
-            <a:endParaRPr lang="en-US"/>
+            <a:endParaRPr lang="en-US" dirty="0"/>
           </a:p>
         </p:txBody>
       </p:sp>
@@ -2465,13 +2621,20 @@
         </p:spPr>
         <p:txBody>
           <a:bodyPr/>
-          <a:lstStyle/>
+          <a:lstStyle>
+            <a:lvl1pPr>
+              <a:defRPr>
+                <a:latin typeface="Montserrat"/>
+              </a:defRPr>
+            </a:lvl1pPr>
+          </a:lstStyle>
           <a:p>
             <a:fld id="{875CF0EB-321F-0749-B37A-89BBA859503C}" type="datetimeFigureOut">
               <a:rPr lang="en-US" smtClean="0"/>
-              <a:t>02/11/15</a:t>
+              <a:pPr/>
+              <a:t>12/11/15</a:t>
             </a:fld>
-            <a:endParaRPr lang="en-US"/>
+            <a:endParaRPr lang="en-US" dirty="0"/>
           </a:p>
         </p:txBody>
       </p:sp>
@@ -2496,9 +2659,15 @@
         </p:spPr>
         <p:txBody>
           <a:bodyPr/>
-          <a:lstStyle/>
-          <a:p>
-            <a:endParaRPr lang="en-US"/>
+          <a:lstStyle>
+            <a:lvl1pPr>
+              <a:defRPr>
+                <a:latin typeface="Montserrat"/>
+              </a:defRPr>
+            </a:lvl1pPr>
+          </a:lstStyle>
+          <a:p>
+            <a:endParaRPr lang="en-US" dirty="0"/>
           </a:p>
         </p:txBody>
       </p:sp>
@@ -2523,13 +2692,20 @@
         </p:spPr>
         <p:txBody>
           <a:bodyPr/>
-          <a:lstStyle/>
+          <a:lstStyle>
+            <a:lvl1pPr>
+              <a:defRPr>
+                <a:latin typeface="Montserrat"/>
+              </a:defRPr>
+            </a:lvl1pPr>
+          </a:lstStyle>
           <a:p>
             <a:fld id="{D8EC77E0-7A07-2D42-83D7-B97B1315E5F9}" type="slidenum">
               <a:rPr lang="en-US" smtClean="0"/>
+              <a:pPr/>
               <a:t>‹#›</a:t>
             </a:fld>
-            <a:endParaRPr lang="en-US"/>
+            <a:endParaRPr lang="en-US" dirty="0"/>
           </a:p>
         </p:txBody>
       </p:sp>
@@ -2766,13 +2942,20 @@
         </p:spPr>
         <p:txBody>
           <a:bodyPr/>
-          <a:lstStyle/>
+          <a:lstStyle>
+            <a:lvl1pPr>
+              <a:defRPr>
+                <a:latin typeface="Montserrat"/>
+              </a:defRPr>
+            </a:lvl1pPr>
+          </a:lstStyle>
           <a:p>
             <a:fld id="{875CF0EB-321F-0749-B37A-89BBA859503C}" type="datetimeFigureOut">
               <a:rPr lang="en-US" smtClean="0"/>
-              <a:t>02/11/15</a:t>
+              <a:pPr/>
+              <a:t>12/11/15</a:t>
             </a:fld>
-            <a:endParaRPr lang="en-US"/>
+            <a:endParaRPr lang="en-US" dirty="0"/>
           </a:p>
         </p:txBody>
       </p:sp>
@@ -2797,9 +2980,15 @@
         </p:spPr>
         <p:txBody>
           <a:bodyPr/>
-          <a:lstStyle/>
-          <a:p>
-            <a:endParaRPr lang="en-US"/>
+          <a:lstStyle>
+            <a:lvl1pPr>
+              <a:defRPr>
+                <a:latin typeface="Montserrat"/>
+              </a:defRPr>
+            </a:lvl1pPr>
+          </a:lstStyle>
+          <a:p>
+            <a:endParaRPr lang="en-US" dirty="0"/>
           </a:p>
         </p:txBody>
       </p:sp>
@@ -2824,13 +3013,20 @@
         </p:spPr>
         <p:txBody>
           <a:bodyPr/>
-          <a:lstStyle/>
+          <a:lstStyle>
+            <a:lvl1pPr>
+              <a:defRPr>
+                <a:latin typeface="Montserrat"/>
+              </a:defRPr>
+            </a:lvl1pPr>
+          </a:lstStyle>
           <a:p>
             <a:fld id="{D8EC77E0-7A07-2D42-83D7-B97B1315E5F9}" type="slidenum">
               <a:rPr lang="en-US" smtClean="0"/>
+              <a:pPr/>
               <a:t>‹#›</a:t>
             </a:fld>
-            <a:endParaRPr lang="en-US"/>
+            <a:endParaRPr lang="en-US" dirty="0"/>
           </a:p>
         </p:txBody>
       </p:sp>
@@ -3043,13 +3239,20 @@
         </p:spPr>
         <p:txBody>
           <a:bodyPr/>
-          <a:lstStyle/>
+          <a:lstStyle>
+            <a:lvl1pPr>
+              <a:defRPr>
+                <a:latin typeface="Montserrat"/>
+              </a:defRPr>
+            </a:lvl1pPr>
+          </a:lstStyle>
           <a:p>
             <a:fld id="{875CF0EB-321F-0749-B37A-89BBA859503C}" type="datetimeFigureOut">
               <a:rPr lang="en-US" smtClean="0"/>
-              <a:t>02/11/15</a:t>
+              <a:pPr/>
+              <a:t>12/11/15</a:t>
             </a:fld>
-            <a:endParaRPr lang="en-US"/>
+            <a:endParaRPr lang="en-US" dirty="0"/>
           </a:p>
         </p:txBody>
       </p:sp>
@@ -3074,9 +3277,15 @@
         </p:spPr>
         <p:txBody>
           <a:bodyPr/>
-          <a:lstStyle/>
-          <a:p>
-            <a:endParaRPr lang="en-US"/>
+          <a:lstStyle>
+            <a:lvl1pPr>
+              <a:defRPr>
+                <a:latin typeface="Montserrat"/>
+              </a:defRPr>
+            </a:lvl1pPr>
+          </a:lstStyle>
+          <a:p>
+            <a:endParaRPr lang="en-US" dirty="0"/>
           </a:p>
         </p:txBody>
       </p:sp>
@@ -3101,13 +3310,20 @@
         </p:spPr>
         <p:txBody>
           <a:bodyPr/>
-          <a:lstStyle/>
+          <a:lstStyle>
+            <a:lvl1pPr>
+              <a:defRPr>
+                <a:latin typeface="Montserrat"/>
+              </a:defRPr>
+            </a:lvl1pPr>
+          </a:lstStyle>
           <a:p>
             <a:fld id="{D8EC77E0-7A07-2D42-83D7-B97B1315E5F9}" type="slidenum">
               <a:rPr lang="en-US" smtClean="0"/>
+              <a:pPr/>
               <a:t>‹#›</a:t>
             </a:fld>
-            <a:endParaRPr lang="en-US"/>
+            <a:endParaRPr lang="en-US" dirty="0"/>
           </a:p>
         </p:txBody>
       </p:sp>
@@ -4048,12 +4264,469 @@
         </p:nvSpPr>
         <p:spPr/>
         <p:txBody>
+          <a:bodyPr>
+            <a:normAutofit fontScale="90000"/>
+          </a:bodyPr>
+          <a:lstStyle/>
+          <a:p>
+            <a:r>
+              <a:rPr lang="en-US" sz="4000" dirty="0" smtClean="0"/>
+              <a:t>How Spark computes jobs</a:t>
+            </a:r>
+            <a:br>
+              <a:rPr lang="en-US" sz="4000" dirty="0" smtClean="0"/>
+            </a:br>
+            <a:endParaRPr lang="en-US" sz="4000" dirty="0"/>
+          </a:p>
+        </p:txBody>
+      </p:sp>
+      <p:pic>
+        <p:nvPicPr>
+          <p:cNvPr id="4" name="Picture 3"/>
+          <p:cNvPicPr>
+            <a:picLocks noChangeAspect="1"/>
+          </p:cNvPicPr>
+          <p:nvPr/>
+        </p:nvPicPr>
+        <p:blipFill>
+          <a:blip r:embed="rId2"/>
+          <a:stretch>
+            <a:fillRect/>
+          </a:stretch>
+        </p:blipFill>
+        <p:spPr>
+          <a:xfrm>
+            <a:off x="321486" y="953379"/>
+            <a:ext cx="5384391" cy="3675515"/>
+          </a:xfrm>
+          <a:prstGeom prst="rect">
+            <a:avLst/>
+          </a:prstGeom>
+        </p:spPr>
+      </p:pic>
+      <p:sp>
+        <p:nvSpPr>
+          <p:cNvPr id="5" name="TextBox 4"/>
+          <p:cNvSpPr txBox="1"/>
+          <p:nvPr/>
+        </p:nvSpPr>
+        <p:spPr>
+          <a:xfrm>
+            <a:off x="2143898" y="6464773"/>
+            <a:ext cx="7096815" cy="369332"/>
+          </a:xfrm>
+          <a:prstGeom prst="rect">
+            <a:avLst/>
+          </a:prstGeom>
+          <a:noFill/>
+        </p:spPr>
+        <p:txBody>
+          <a:bodyPr wrap="none" rtlCol="0">
+            <a:spAutoFit/>
+          </a:bodyPr>
+          <a:lstStyle/>
+          <a:p>
+            <a:r>
+              <a:rPr lang="en-US" dirty="0"/>
+              <a:t>Source: </a:t>
+            </a:r>
+            <a:r>
+              <a:rPr lang="en-US" dirty="0">
+                <a:hlinkClick r:id="rId3"/>
+              </a:rPr>
+              <a:t>http://www.cs.berkeley.edu/~matei/papers/2012/</a:t>
+            </a:r>
+            <a:r>
+              <a:rPr lang="en-US" dirty="0" smtClean="0">
+                <a:hlinkClick r:id="rId3"/>
+              </a:rPr>
+              <a:t>nsdi_spark.pdf</a:t>
+            </a:r>
+            <a:r>
+              <a:rPr lang="en-US" dirty="0" smtClean="0"/>
+              <a:t> </a:t>
+            </a:r>
+            <a:endParaRPr lang="en-US" dirty="0"/>
+          </a:p>
+        </p:txBody>
+      </p:sp>
+      <p:sp>
+        <p:nvSpPr>
+          <p:cNvPr id="7" name="Rectangle 6"/>
+          <p:cNvSpPr/>
+          <p:nvPr/>
+        </p:nvSpPr>
+        <p:spPr>
+          <a:xfrm>
+            <a:off x="5705877" y="1226595"/>
+            <a:ext cx="3066918" cy="4247317"/>
+          </a:xfrm>
+          <a:prstGeom prst="rect">
+            <a:avLst/>
+          </a:prstGeom>
+        </p:spPr>
+        <p:txBody>
+          <a:bodyPr wrap="square">
+            <a:spAutoFit/>
+          </a:bodyPr>
+          <a:lstStyle/>
+          <a:p>
+            <a:r>
+              <a:rPr lang="en-US" dirty="0" smtClean="0"/>
+              <a:t>Boxes</a:t>
+            </a:r>
+            <a:r>
+              <a:rPr lang="en-US" b="1" dirty="0" smtClean="0"/>
+              <a:t> </a:t>
+            </a:r>
+            <a:r>
+              <a:rPr lang="en-US" dirty="0" smtClean="0"/>
+              <a:t>with </a:t>
+            </a:r>
+            <a:r>
+              <a:rPr lang="en-US" dirty="0"/>
+              <a:t>solid outlines are </a:t>
+            </a:r>
+            <a:r>
+              <a:rPr lang="en-US" b="1" dirty="0"/>
+              <a:t>RDDs.</a:t>
+            </a:r>
+            <a:r>
+              <a:rPr lang="en-US" dirty="0"/>
+              <a:t> </a:t>
+            </a:r>
+            <a:r>
+              <a:rPr lang="en-US" dirty="0" smtClean="0"/>
+              <a:t/>
+            </a:r>
+            <a:br>
+              <a:rPr lang="en-US" dirty="0" smtClean="0"/>
+            </a:br>
+            <a:r>
+              <a:rPr lang="en-US" b="1" dirty="0" smtClean="0"/>
+              <a:t>Partitions</a:t>
+            </a:r>
+            <a:r>
+              <a:rPr lang="en-US" dirty="0" smtClean="0"/>
+              <a:t> </a:t>
+            </a:r>
+            <a:r>
+              <a:rPr lang="en-US" dirty="0"/>
+              <a:t>are </a:t>
+            </a:r>
+            <a:r>
+              <a:rPr lang="en-US" dirty="0" smtClean="0"/>
+              <a:t>shaded rectangles, in </a:t>
+            </a:r>
+            <a:r>
+              <a:rPr lang="en-US" dirty="0"/>
+              <a:t>black if they are </a:t>
+            </a:r>
+            <a:r>
+              <a:rPr lang="en-US" b="1" dirty="0"/>
+              <a:t>already in memory</a:t>
+            </a:r>
+            <a:r>
+              <a:rPr lang="en-US" dirty="0"/>
+              <a:t>. </a:t>
+            </a:r>
+            <a:r>
+              <a:rPr lang="en-US" dirty="0" smtClean="0"/>
+              <a:t/>
+            </a:r>
+            <a:br>
+              <a:rPr lang="en-US" dirty="0" smtClean="0"/>
+            </a:br>
+            <a:endParaRPr lang="en-US" dirty="0" smtClean="0"/>
+          </a:p>
+          <a:p>
+            <a:r>
+              <a:rPr lang="en-US" dirty="0" smtClean="0"/>
+              <a:t>To </a:t>
+            </a:r>
+            <a:r>
+              <a:rPr lang="en-US" dirty="0"/>
+              <a:t>run an action on RDD</a:t>
+            </a:r>
+          </a:p>
+          <a:p>
+            <a:r>
+              <a:rPr lang="en-US" dirty="0"/>
+              <a:t>G, </a:t>
+            </a:r>
+            <a:r>
+              <a:rPr lang="en-US" dirty="0" smtClean="0"/>
+              <a:t>build </a:t>
+            </a:r>
+            <a:r>
+              <a:rPr lang="en-US" b="1" dirty="0"/>
+              <a:t>stages</a:t>
+            </a:r>
+            <a:r>
+              <a:rPr lang="en-US" dirty="0"/>
+              <a:t> at wide dependencies and </a:t>
+            </a:r>
+            <a:r>
+              <a:rPr lang="en-US" b="1" dirty="0"/>
+              <a:t>pipeline</a:t>
+            </a:r>
+            <a:r>
+              <a:rPr lang="en-US" dirty="0"/>
+              <a:t> </a:t>
+            </a:r>
+            <a:r>
+              <a:rPr lang="en-US" dirty="0" smtClean="0"/>
+              <a:t>narrow transformations </a:t>
+            </a:r>
+            <a:r>
+              <a:rPr lang="en-US" dirty="0"/>
+              <a:t>inside each stage. </a:t>
+            </a:r>
+            <a:r>
+              <a:rPr lang="en-US" dirty="0" smtClean="0"/>
+              <a:t/>
+            </a:r>
+            <a:br>
+              <a:rPr lang="en-US" dirty="0" smtClean="0"/>
+            </a:br>
+            <a:r>
+              <a:rPr lang="en-US" dirty="0" smtClean="0"/>
+              <a:t/>
+            </a:r>
+            <a:br>
+              <a:rPr lang="en-US" dirty="0" smtClean="0"/>
+            </a:br>
+            <a:r>
+              <a:rPr lang="en-US" dirty="0" smtClean="0"/>
+              <a:t>In </a:t>
+            </a:r>
+            <a:r>
+              <a:rPr lang="en-US" dirty="0"/>
+              <a:t>this case, stage 1’s</a:t>
+            </a:r>
+          </a:p>
+          <a:p>
+            <a:r>
+              <a:rPr lang="en-US" dirty="0"/>
+              <a:t>output RDD is already in RAM, so we run stage 2 and then 3.</a:t>
+            </a:r>
+          </a:p>
+        </p:txBody>
+      </p:sp>
+    </p:spTree>
+    <p:extLst>
+      <p:ext uri="{BB962C8B-B14F-4D97-AF65-F5344CB8AC3E}">
+        <p14:creationId xmlns:p14="http://schemas.microsoft.com/office/powerpoint/2010/main" val="2945501310"/>
+      </p:ext>
+    </p:extLst>
+  </p:cSld>
+  <p:clrMapOvr>
+    <a:masterClrMapping/>
+  </p:clrMapOvr>
+</p:sld>
+</file>
+
+<file path=ppt/slides/slide11.xml><?xml version="1.0" encoding="utf-8"?>
+<p:sld xmlns:a="http://schemas.openxmlformats.org/drawingml/2006/main" xmlns:r="http://schemas.openxmlformats.org/officeDocument/2006/relationships" xmlns:p="http://schemas.openxmlformats.org/presentationml/2006/main">
+  <p:cSld>
+    <p:spTree>
+      <p:nvGrpSpPr>
+        <p:cNvPr id="1" name=""/>
+        <p:cNvGrpSpPr/>
+        <p:nvPr/>
+      </p:nvGrpSpPr>
+      <p:grpSpPr>
+        <a:xfrm>
+          <a:off x="0" y="0"/>
+          <a:ext cx="0" cy="0"/>
+          <a:chOff x="0" y="0"/>
+          <a:chExt cx="0" cy="0"/>
+        </a:xfrm>
+      </p:grpSpPr>
+      <p:sp>
+        <p:nvSpPr>
+          <p:cNvPr id="2" name="Title 1"/>
+          <p:cNvSpPr>
+            <a:spLocks noGrp="1"/>
+          </p:cNvSpPr>
+          <p:nvPr>
+            <p:ph type="title"/>
+          </p:nvPr>
+        </p:nvSpPr>
+        <p:spPr/>
+        <p:txBody>
           <a:bodyPr/>
           <a:lstStyle/>
           <a:p>
             <a:r>
-              <a:rPr lang="en-US" dirty="0" smtClean="0"/>
-              <a:t>Apache Spark RDD</a:t>
+              <a:rPr lang="en-US" dirty="0" err="1" smtClean="0"/>
+              <a:t>Hadoop</a:t>
+            </a:r>
+            <a:r>
+              <a:rPr lang="en-US" dirty="0" smtClean="0"/>
+              <a:t> </a:t>
+            </a:r>
+            <a:r>
+              <a:rPr lang="en-US" dirty="0" err="1" smtClean="0"/>
+              <a:t>vs</a:t>
+            </a:r>
+            <a:r>
+              <a:rPr lang="en-US" dirty="0" smtClean="0"/>
+              <a:t> Spark sorting</a:t>
+            </a:r>
+            <a:endParaRPr lang="en-US" dirty="0"/>
+          </a:p>
+        </p:txBody>
+      </p:sp>
+      <p:pic>
+        <p:nvPicPr>
+          <p:cNvPr id="4" name="Picture 3"/>
+          <p:cNvPicPr>
+            <a:picLocks noChangeAspect="1"/>
+          </p:cNvPicPr>
+          <p:nvPr/>
+        </p:nvPicPr>
+        <p:blipFill>
+          <a:blip r:embed="rId2"/>
+          <a:stretch>
+            <a:fillRect/>
+          </a:stretch>
+        </p:blipFill>
+        <p:spPr>
+          <a:xfrm>
+            <a:off x="190500" y="1296811"/>
+            <a:ext cx="8750300" cy="4800600"/>
+          </a:xfrm>
+          <a:prstGeom prst="rect">
+            <a:avLst/>
+          </a:prstGeom>
+        </p:spPr>
+      </p:pic>
+    </p:spTree>
+    <p:extLst>
+      <p:ext uri="{BB962C8B-B14F-4D97-AF65-F5344CB8AC3E}">
+        <p14:creationId xmlns:p14="http://schemas.microsoft.com/office/powerpoint/2010/main" val="4035115852"/>
+      </p:ext>
+    </p:extLst>
+  </p:cSld>
+  <p:clrMapOvr>
+    <a:masterClrMapping/>
+  </p:clrMapOvr>
+</p:sld>
+</file>
+
+<file path=ppt/slides/slide12.xml><?xml version="1.0" encoding="utf-8"?>
+<p:sld xmlns:a="http://schemas.openxmlformats.org/drawingml/2006/main" xmlns:r="http://schemas.openxmlformats.org/officeDocument/2006/relationships" xmlns:p="http://schemas.openxmlformats.org/presentationml/2006/main">
+  <p:cSld>
+    <p:spTree>
+      <p:nvGrpSpPr>
+        <p:cNvPr id="1" name=""/>
+        <p:cNvGrpSpPr/>
+        <p:nvPr/>
+      </p:nvGrpSpPr>
+      <p:grpSpPr>
+        <a:xfrm>
+          <a:off x="0" y="0"/>
+          <a:ext cx="0" cy="0"/>
+          <a:chOff x="0" y="0"/>
+          <a:chExt cx="0" cy="0"/>
+        </a:xfrm>
+      </p:grpSpPr>
+      <p:sp>
+        <p:nvSpPr>
+          <p:cNvPr id="2" name="Title 1"/>
+          <p:cNvSpPr>
+            <a:spLocks noGrp="1"/>
+          </p:cNvSpPr>
+          <p:nvPr>
+            <p:ph type="title"/>
+          </p:nvPr>
+        </p:nvSpPr>
+        <p:spPr/>
+        <p:txBody>
+          <a:bodyPr/>
+          <a:lstStyle/>
+          <a:p>
+            <a:r>
+              <a:rPr lang="en-US" dirty="0" smtClean="0"/>
+              <a:t>Apache Spark cluster model</a:t>
+            </a:r>
+            <a:endParaRPr lang="en-US" dirty="0"/>
+          </a:p>
+        </p:txBody>
+      </p:sp>
+      <p:pic>
+        <p:nvPicPr>
+          <p:cNvPr id="4" name="Picture 3"/>
+          <p:cNvPicPr>
+            <a:picLocks noChangeAspect="1"/>
+          </p:cNvPicPr>
+          <p:nvPr/>
+        </p:nvPicPr>
+        <p:blipFill>
+          <a:blip r:embed="rId2"/>
+          <a:stretch>
+            <a:fillRect/>
+          </a:stretch>
+        </p:blipFill>
+        <p:spPr>
+          <a:xfrm>
+            <a:off x="787400" y="1612900"/>
+            <a:ext cx="7569200" cy="3632200"/>
+          </a:xfrm>
+          <a:prstGeom prst="rect">
+            <a:avLst/>
+          </a:prstGeom>
+        </p:spPr>
+      </p:pic>
+    </p:spTree>
+    <p:extLst>
+      <p:ext uri="{BB962C8B-B14F-4D97-AF65-F5344CB8AC3E}">
+        <p14:creationId xmlns:p14="http://schemas.microsoft.com/office/powerpoint/2010/main" val="428450362"/>
+      </p:ext>
+    </p:extLst>
+  </p:cSld>
+  <p:clrMapOvr>
+    <a:masterClrMapping/>
+  </p:clrMapOvr>
+</p:sld>
+</file>
+
+<file path=ppt/slides/slide13.xml><?xml version="1.0" encoding="utf-8"?>
+<p:sld xmlns:a="http://schemas.openxmlformats.org/drawingml/2006/main" xmlns:r="http://schemas.openxmlformats.org/officeDocument/2006/relationships" xmlns:p="http://schemas.openxmlformats.org/presentationml/2006/main">
+  <p:cSld>
+    <p:spTree>
+      <p:nvGrpSpPr>
+        <p:cNvPr id="1" name=""/>
+        <p:cNvGrpSpPr/>
+        <p:nvPr/>
+      </p:nvGrpSpPr>
+      <p:grpSpPr>
+        <a:xfrm>
+          <a:off x="0" y="0"/>
+          <a:ext cx="0" cy="0"/>
+          <a:chOff x="0" y="0"/>
+          <a:chExt cx="0" cy="0"/>
+        </a:xfrm>
+      </p:grpSpPr>
+      <p:sp>
+        <p:nvSpPr>
+          <p:cNvPr id="2" name="Title 1"/>
+          <p:cNvSpPr>
+            <a:spLocks noGrp="1"/>
+          </p:cNvSpPr>
+          <p:nvPr>
+            <p:ph type="title"/>
+          </p:nvPr>
+        </p:nvSpPr>
+        <p:spPr/>
+        <p:txBody>
+          <a:bodyPr/>
+          <a:lstStyle/>
+          <a:p>
+            <a:r>
+              <a:rPr lang="en-US" dirty="0" smtClean="0"/>
+              <a:t>Apache Spark RDD objects</a:t>
             </a:r>
             <a:endParaRPr lang="en-US" dirty="0"/>
           </a:p>
@@ -4178,7 +4851,7 @@
 </p:sld>
 </file>
 
-<file path=ppt/slides/slide11.xml><?xml version="1.0" encoding="utf-8"?>
+<file path=ppt/slides/slide14.xml><?xml version="1.0" encoding="utf-8"?>
 <p:sld xmlns:a="http://schemas.openxmlformats.org/drawingml/2006/main" xmlns:r="http://schemas.openxmlformats.org/officeDocument/2006/relationships" xmlns:p="http://schemas.openxmlformats.org/presentationml/2006/main">
   <p:cSld>
     <p:spTree>
@@ -4255,480 +4928,6 @@
 </p:sld>
 </file>
 
-<file path=ppt/slides/slide12.xml><?xml version="1.0" encoding="utf-8"?>
-<p:sld xmlns:a="http://schemas.openxmlformats.org/drawingml/2006/main" xmlns:r="http://schemas.openxmlformats.org/officeDocument/2006/relationships" xmlns:p="http://schemas.openxmlformats.org/presentationml/2006/main">
-  <p:cSld>
-    <p:spTree>
-      <p:nvGrpSpPr>
-        <p:cNvPr id="1" name=""/>
-        <p:cNvGrpSpPr/>
-        <p:nvPr/>
-      </p:nvGrpSpPr>
-      <p:grpSpPr>
-        <a:xfrm>
-          <a:off x="0" y="0"/>
-          <a:ext cx="0" cy="0"/>
-          <a:chOff x="0" y="0"/>
-          <a:chExt cx="0" cy="0"/>
-        </a:xfrm>
-      </p:grpSpPr>
-      <p:sp>
-        <p:nvSpPr>
-          <p:cNvPr id="2" name="Title 1"/>
-          <p:cNvSpPr>
-            <a:spLocks noGrp="1"/>
-          </p:cNvSpPr>
-          <p:nvPr>
-            <p:ph type="title"/>
-          </p:nvPr>
-        </p:nvSpPr>
-        <p:spPr/>
-        <p:txBody>
-          <a:bodyPr/>
-          <a:lstStyle/>
-          <a:p>
-            <a:r>
-              <a:rPr lang="en-US" dirty="0" smtClean="0"/>
-              <a:t>Lambda syntax</a:t>
-            </a:r>
-            <a:endParaRPr lang="en-US" dirty="0"/>
-          </a:p>
-        </p:txBody>
-      </p:sp>
-      <p:sp>
-        <p:nvSpPr>
-          <p:cNvPr id="3" name="Content Placeholder 2"/>
-          <p:cNvSpPr>
-            <a:spLocks noGrp="1"/>
-          </p:cNvSpPr>
-          <p:nvPr>
-            <p:ph idx="1"/>
-          </p:nvPr>
-        </p:nvSpPr>
-        <p:spPr/>
-        <p:txBody>
-          <a:bodyPr/>
-          <a:lstStyle/>
-          <a:p>
-            <a:r>
-              <a:rPr lang="en-US" dirty="0" smtClean="0"/>
-              <a:t>Lambda’s are unnamed functions</a:t>
-            </a:r>
-          </a:p>
-          <a:p>
-            <a:pPr lvl="1"/>
-            <a:r>
-              <a:rPr lang="en-US" dirty="0" smtClean="0"/>
-              <a:t>From Alonzo Church’s 1930s work on the Lambda Calculus</a:t>
-            </a:r>
-          </a:p>
-          <a:p>
-            <a:pPr lvl="1"/>
-            <a:r>
-              <a:rPr lang="en-US" dirty="0" smtClean="0"/>
-              <a:t>Recently added to Java</a:t>
-            </a:r>
-            <a:endParaRPr lang="en-US" dirty="0"/>
-          </a:p>
-        </p:txBody>
-      </p:sp>
-    </p:spTree>
-    <p:extLst>
-      <p:ext uri="{BB962C8B-B14F-4D97-AF65-F5344CB8AC3E}">
-        <p14:creationId xmlns:p14="http://schemas.microsoft.com/office/powerpoint/2010/main" val="2738737034"/>
-      </p:ext>
-    </p:extLst>
-  </p:cSld>
-  <p:clrMapOvr>
-    <a:masterClrMapping/>
-  </p:clrMapOvr>
-</p:sld>
-</file>
-
-<file path=ppt/slides/slide13.xml><?xml version="1.0" encoding="utf-8"?>
-<p:sld xmlns:a="http://schemas.openxmlformats.org/drawingml/2006/main" xmlns:r="http://schemas.openxmlformats.org/officeDocument/2006/relationships" xmlns:p="http://schemas.openxmlformats.org/presentationml/2006/main">
-  <p:cSld>
-    <p:spTree>
-      <p:nvGrpSpPr>
-        <p:cNvPr id="1" name=""/>
-        <p:cNvGrpSpPr/>
-        <p:nvPr/>
-      </p:nvGrpSpPr>
-      <p:grpSpPr>
-        <a:xfrm>
-          <a:off x="0" y="0"/>
-          <a:ext cx="0" cy="0"/>
-          <a:chOff x="0" y="0"/>
-          <a:chExt cx="0" cy="0"/>
-        </a:xfrm>
-      </p:grpSpPr>
-      <p:sp>
-        <p:nvSpPr>
-          <p:cNvPr id="2" name="Title 1"/>
-          <p:cNvSpPr>
-            <a:spLocks noGrp="1"/>
-          </p:cNvSpPr>
-          <p:nvPr>
-            <p:ph type="title"/>
-          </p:nvPr>
-        </p:nvSpPr>
-        <p:spPr/>
-        <p:txBody>
-          <a:bodyPr/>
-          <a:lstStyle/>
-          <a:p>
-            <a:r>
-              <a:rPr lang="en-US" dirty="0" smtClean="0"/>
-              <a:t>Lambda syntax in Python	</a:t>
-            </a:r>
-            <a:endParaRPr lang="en-US" dirty="0"/>
-          </a:p>
-        </p:txBody>
-      </p:sp>
-      <p:sp>
-        <p:nvSpPr>
-          <p:cNvPr id="3" name="Content Placeholder 2"/>
-          <p:cNvSpPr>
-            <a:spLocks noGrp="1"/>
-          </p:cNvSpPr>
-          <p:nvPr>
-            <p:ph idx="1"/>
-          </p:nvPr>
-        </p:nvSpPr>
-        <p:spPr/>
-        <p:txBody>
-          <a:bodyPr/>
-          <a:lstStyle/>
-          <a:p>
-            <a:r>
-              <a:rPr lang="en-US" dirty="0" smtClean="0"/>
-              <a:t>Simply:</a:t>
-            </a:r>
-          </a:p>
-          <a:p>
-            <a:endParaRPr lang="en-US" dirty="0"/>
-          </a:p>
-          <a:p>
-            <a:pPr marL="457200" lvl="1" indent="0">
-              <a:buNone/>
-            </a:pPr>
-            <a:r>
-              <a:rPr lang="en-US" dirty="0" smtClean="0"/>
-              <a:t>lambda x: </a:t>
-            </a:r>
-            <a:r>
-              <a:rPr lang="en-US" dirty="0" err="1" smtClean="0"/>
-              <a:t>x.split</a:t>
-            </a:r>
-            <a:r>
-              <a:rPr lang="en-US" dirty="0" smtClean="0"/>
-              <a:t>()</a:t>
-            </a:r>
-          </a:p>
-          <a:p>
-            <a:pPr marL="457200" lvl="1" indent="0">
-              <a:buNone/>
-            </a:pPr>
-            <a:r>
-              <a:rPr lang="en-US" dirty="0" smtClean="0"/>
-              <a:t>lambda </a:t>
-            </a:r>
-            <a:r>
-              <a:rPr lang="en-US" dirty="0" err="1" smtClean="0"/>
-              <a:t>x,y</a:t>
-            </a:r>
-            <a:r>
-              <a:rPr lang="en-US" dirty="0" smtClean="0"/>
-              <a:t>: </a:t>
-            </a:r>
-            <a:r>
-              <a:rPr lang="en-US" dirty="0" err="1" smtClean="0"/>
-              <a:t>x+y</a:t>
-            </a:r>
-            <a:endParaRPr lang="en-US" dirty="0"/>
-          </a:p>
-        </p:txBody>
-      </p:sp>
-    </p:spTree>
-    <p:extLst>
-      <p:ext uri="{BB962C8B-B14F-4D97-AF65-F5344CB8AC3E}">
-        <p14:creationId xmlns:p14="http://schemas.microsoft.com/office/powerpoint/2010/main" val="4275047535"/>
-      </p:ext>
-    </p:extLst>
-  </p:cSld>
-  <p:clrMapOvr>
-    <a:masterClrMapping/>
-  </p:clrMapOvr>
-</p:sld>
-</file>
-
-<file path=ppt/slides/slide14.xml><?xml version="1.0" encoding="utf-8"?>
-<p:sld xmlns:a="http://schemas.openxmlformats.org/drawingml/2006/main" xmlns:r="http://schemas.openxmlformats.org/officeDocument/2006/relationships" xmlns:p="http://schemas.openxmlformats.org/presentationml/2006/main">
-  <p:cSld>
-    <p:spTree>
-      <p:nvGrpSpPr>
-        <p:cNvPr id="1" name=""/>
-        <p:cNvGrpSpPr/>
-        <p:nvPr/>
-      </p:nvGrpSpPr>
-      <p:grpSpPr>
-        <a:xfrm>
-          <a:off x="0" y="0"/>
-          <a:ext cx="0" cy="0"/>
-          <a:chOff x="0" y="0"/>
-          <a:chExt cx="0" cy="0"/>
-        </a:xfrm>
-      </p:grpSpPr>
-      <p:sp>
-        <p:nvSpPr>
-          <p:cNvPr id="2" name="Title 1"/>
-          <p:cNvSpPr>
-            <a:spLocks noGrp="1"/>
-          </p:cNvSpPr>
-          <p:nvPr>
-            <p:ph type="title"/>
-          </p:nvPr>
-        </p:nvSpPr>
-        <p:spPr/>
-        <p:txBody>
-          <a:bodyPr/>
-          <a:lstStyle/>
-          <a:p>
-            <a:r>
-              <a:rPr lang="en-US" dirty="0" smtClean="0"/>
-              <a:t>Example</a:t>
-            </a:r>
-            <a:endParaRPr lang="en-US" dirty="0"/>
-          </a:p>
-        </p:txBody>
-      </p:sp>
-      <p:sp>
-        <p:nvSpPr>
-          <p:cNvPr id="3" name="Content Placeholder 2"/>
-          <p:cNvSpPr>
-            <a:spLocks noGrp="1"/>
-          </p:cNvSpPr>
-          <p:nvPr>
-            <p:ph idx="1"/>
-          </p:nvPr>
-        </p:nvSpPr>
-        <p:spPr/>
-        <p:txBody>
-          <a:bodyPr>
-            <a:normAutofit/>
-          </a:bodyPr>
-          <a:lstStyle/>
-          <a:p>
-            <a:pPr marL="0" indent="0">
-              <a:buNone/>
-            </a:pPr>
-            <a:r>
-              <a:rPr lang="en-US" sz="2000" dirty="0" err="1" smtClean="0"/>
-              <a:t>sc</a:t>
-            </a:r>
-            <a:r>
-              <a:rPr lang="en-US" sz="2000" dirty="0" smtClean="0"/>
-              <a:t> = </a:t>
-            </a:r>
-            <a:r>
-              <a:rPr lang="en-US" sz="2000" dirty="0" err="1" smtClean="0"/>
-              <a:t>SparkContext</a:t>
-            </a:r>
-            <a:r>
-              <a:rPr lang="en-US" sz="2000" dirty="0" smtClean="0"/>
-              <a:t>() </a:t>
-            </a:r>
-          </a:p>
-          <a:p>
-            <a:pPr marL="0" indent="0">
-              <a:buNone/>
-            </a:pPr>
-            <a:endParaRPr lang="en-US" sz="2000" dirty="0"/>
-          </a:p>
-          <a:p>
-            <a:pPr marL="0" indent="0">
-              <a:buNone/>
-            </a:pPr>
-            <a:r>
-              <a:rPr lang="en-US" sz="2000" dirty="0" smtClean="0"/>
-              <a:t>books </a:t>
-            </a:r>
-            <a:r>
-              <a:rPr lang="en-US" sz="2000" dirty="0"/>
-              <a:t>= </a:t>
-            </a:r>
-            <a:r>
-              <a:rPr lang="en-US" sz="2000" dirty="0" err="1"/>
-              <a:t>sc.textFile</a:t>
-            </a:r>
-            <a:r>
-              <a:rPr lang="en-US" sz="2000" dirty="0" smtClean="0"/>
-              <a:t>(“books/*”)</a:t>
-            </a:r>
-            <a:endParaRPr lang="en-US" sz="2000" dirty="0"/>
-          </a:p>
-          <a:p>
-            <a:pPr marL="0" indent="0">
-              <a:buNone/>
-            </a:pPr>
-            <a:r>
-              <a:rPr lang="en-US" sz="2000" dirty="0"/>
-              <a:t>split = </a:t>
-            </a:r>
-            <a:r>
-              <a:rPr lang="en-US" sz="2000" dirty="0" err="1"/>
-              <a:t>books.flatMap</a:t>
-            </a:r>
-            <a:r>
-              <a:rPr lang="en-US" sz="2000" dirty="0"/>
-              <a:t>(lambda line: </a:t>
-            </a:r>
-            <a:r>
-              <a:rPr lang="en-US" sz="2000" dirty="0" err="1"/>
-              <a:t>line.split</a:t>
-            </a:r>
-            <a:r>
-              <a:rPr lang="en-US" sz="2000" dirty="0"/>
-              <a:t>())</a:t>
-            </a:r>
-          </a:p>
-          <a:p>
-            <a:pPr marL="0" indent="0">
-              <a:buNone/>
-            </a:pPr>
-            <a:r>
-              <a:rPr lang="en-US" sz="2000" dirty="0" smtClean="0"/>
-              <a:t>numbered </a:t>
-            </a:r>
-            <a:r>
-              <a:rPr lang="en-US" sz="2000" dirty="0"/>
-              <a:t>= </a:t>
-            </a:r>
-            <a:r>
-              <a:rPr lang="en-US" sz="2000" dirty="0" err="1" smtClean="0"/>
-              <a:t>split.map</a:t>
-            </a:r>
-            <a:r>
-              <a:rPr lang="en-US" sz="2000" dirty="0"/>
-              <a:t>(lambda word: (word, 1))</a:t>
-            </a:r>
-          </a:p>
-          <a:p>
-            <a:pPr marL="0" indent="0">
-              <a:buNone/>
-            </a:pPr>
-            <a:r>
-              <a:rPr lang="en-US" sz="2000" dirty="0" err="1"/>
-              <a:t>wordcount</a:t>
-            </a:r>
-            <a:r>
-              <a:rPr lang="en-US" sz="2000" dirty="0"/>
-              <a:t> = </a:t>
-            </a:r>
-            <a:r>
-              <a:rPr lang="en-US" sz="2000" dirty="0" err="1"/>
-              <a:t>numbered.reduceByKey</a:t>
-            </a:r>
-            <a:r>
-              <a:rPr lang="en-US" sz="2000" dirty="0"/>
-              <a:t>(lambda </a:t>
-            </a:r>
-            <a:r>
-              <a:rPr lang="en-US" sz="2000" dirty="0" err="1"/>
-              <a:t>a,b</a:t>
-            </a:r>
-            <a:r>
-              <a:rPr lang="en-US" sz="2000" dirty="0"/>
-              <a:t>: </a:t>
-            </a:r>
-            <a:r>
-              <a:rPr lang="en-US" sz="2000" dirty="0" err="1"/>
-              <a:t>a+b</a:t>
-            </a:r>
-            <a:r>
-              <a:rPr lang="en-US" sz="2000" dirty="0" smtClean="0"/>
-              <a:t>)</a:t>
-            </a:r>
-          </a:p>
-          <a:p>
-            <a:pPr marL="0" indent="0">
-              <a:buNone/>
-            </a:pPr>
-            <a:endParaRPr lang="en-US" sz="2000" dirty="0" smtClean="0"/>
-          </a:p>
-          <a:p>
-            <a:pPr marL="0" indent="0">
-              <a:buNone/>
-            </a:pPr>
-            <a:r>
-              <a:rPr lang="en-US" sz="2000" dirty="0"/>
-              <a:t>for </a:t>
-            </a:r>
-            <a:r>
-              <a:rPr lang="en-US" sz="2000" dirty="0" err="1"/>
-              <a:t>k,v</a:t>
-            </a:r>
-            <a:r>
-              <a:rPr lang="en-US" sz="2000" dirty="0"/>
-              <a:t> in </a:t>
-            </a:r>
-            <a:r>
-              <a:rPr lang="en-US" sz="2000" dirty="0" err="1"/>
-              <a:t>wordcount.collect</a:t>
-            </a:r>
-            <a:r>
-              <a:rPr lang="en-US" sz="2000" dirty="0"/>
-              <a:t>():</a:t>
-            </a:r>
-          </a:p>
-          <a:p>
-            <a:pPr marL="0" indent="0">
-              <a:buNone/>
-            </a:pPr>
-            <a:r>
-              <a:rPr lang="en-US" sz="2000" dirty="0"/>
-              <a:t>  print </a:t>
-            </a:r>
-            <a:r>
-              <a:rPr lang="en-US" sz="2000" dirty="0" err="1"/>
-              <a:t>k,v</a:t>
-            </a:r>
-            <a:endParaRPr lang="en-US" sz="2000" dirty="0"/>
-          </a:p>
-          <a:p>
-            <a:pPr marL="0" indent="0">
-              <a:buNone/>
-            </a:pPr>
-            <a:endParaRPr lang="en-US" sz="2000" dirty="0"/>
-          </a:p>
-          <a:p>
-            <a:pPr marL="0" indent="0">
-              <a:buNone/>
-            </a:pPr>
-            <a:r>
-              <a:rPr lang="en-US" sz="2000" dirty="0" err="1"/>
-              <a:t>sc.stop</a:t>
-            </a:r>
-            <a:r>
-              <a:rPr lang="en-US" sz="2000" dirty="0"/>
-              <a:t>()</a:t>
-            </a:r>
-          </a:p>
-        </p:txBody>
-      </p:sp>
-    </p:spTree>
-    <p:extLst>
-      <p:ext uri="{BB962C8B-B14F-4D97-AF65-F5344CB8AC3E}">
-        <p14:creationId xmlns:p14="http://schemas.microsoft.com/office/powerpoint/2010/main" val="1260108180"/>
-      </p:ext>
-    </p:extLst>
-  </p:cSld>
-  <p:clrMapOvr>
-    <a:masterClrMapping/>
-  </p:clrMapOvr>
-</p:sld>
-</file>
-
 <file path=ppt/slides/slide15.xml><?xml version="1.0" encoding="utf-8"?>
 <p:sld xmlns:a="http://schemas.openxmlformats.org/drawingml/2006/main" xmlns:r="http://schemas.openxmlformats.org/officeDocument/2006/relationships" xmlns:p="http://schemas.openxmlformats.org/presentationml/2006/main">
   <p:cSld>
@@ -4758,31 +4957,12 @@
         </p:nvSpPr>
         <p:spPr/>
         <p:txBody>
-          <a:bodyPr>
-            <a:normAutofit fontScale="90000"/>
-          </a:bodyPr>
+          <a:bodyPr/>
           <a:lstStyle/>
           <a:p>
             <a:r>
               <a:rPr lang="en-US" dirty="0" smtClean="0"/>
-              <a:t>What doesn’t work </a:t>
-            </a:r>
-            <a:r>
-              <a:rPr lang="en-US" dirty="0">
-                <a:sym typeface="Wingdings"/>
-              </a:rPr>
-              <a:t/>
-            </a:r>
-            <a:br>
-              <a:rPr lang="en-US" dirty="0">
-                <a:sym typeface="Wingdings"/>
-              </a:rPr>
-            </a:br>
-            <a:r>
-              <a:rPr lang="en-US" dirty="0" smtClean="0">
-                <a:sym typeface="Wingdings"/>
-              </a:rPr>
-              <a:t>in a cluster</a:t>
+              <a:t>Lambda syntax</a:t>
             </a:r>
             <a:endParaRPr lang="en-US" dirty="0"/>
           </a:p>
@@ -4800,122 +4980,35 @@
         </p:nvSpPr>
         <p:spPr/>
         <p:txBody>
-          <a:bodyPr>
-            <a:normAutofit/>
-          </a:bodyPr>
+          <a:bodyPr/>
           <a:lstStyle/>
           <a:p>
-            <a:pPr marL="0" indent="0">
-              <a:buNone/>
-            </a:pPr>
-            <a:r>
-              <a:rPr lang="en-US" sz="2800" dirty="0">
-                <a:latin typeface="Lucida Console"/>
-                <a:cs typeface="Lucida Console"/>
-              </a:rPr>
-              <a:t>counter = 0</a:t>
-            </a:r>
-          </a:p>
-          <a:p>
-            <a:pPr marL="0" indent="0">
-              <a:buNone/>
-            </a:pPr>
-            <a:r>
-              <a:rPr lang="en-US" sz="2800" dirty="0" err="1">
-                <a:latin typeface="Lucida Console"/>
-                <a:cs typeface="Lucida Console"/>
-              </a:rPr>
-              <a:t>rdd</a:t>
-            </a:r>
-            <a:r>
-              <a:rPr lang="en-US" sz="2800" dirty="0">
-                <a:latin typeface="Lucida Console"/>
-                <a:cs typeface="Lucida Console"/>
-              </a:rPr>
-              <a:t> = </a:t>
-            </a:r>
-            <a:r>
-              <a:rPr lang="en-US" sz="2800" dirty="0" err="1">
-                <a:latin typeface="Lucida Console"/>
-                <a:cs typeface="Lucida Console"/>
-              </a:rPr>
-              <a:t>sc.parallelize</a:t>
-            </a:r>
-            <a:r>
-              <a:rPr lang="en-US" sz="2800" dirty="0">
-                <a:latin typeface="Lucida Console"/>
-                <a:cs typeface="Lucida Console"/>
-              </a:rPr>
-              <a:t>(data)</a:t>
-            </a:r>
-          </a:p>
-          <a:p>
-            <a:pPr marL="0" indent="0">
-              <a:buNone/>
-            </a:pPr>
-            <a:endParaRPr lang="en-US" sz="2800" dirty="0">
-              <a:latin typeface="Lucida Console"/>
-              <a:cs typeface="Lucida Console"/>
-            </a:endParaRPr>
-          </a:p>
-          <a:p>
-            <a:pPr marL="0" indent="0">
-              <a:buNone/>
-            </a:pPr>
-            <a:r>
-              <a:rPr lang="en-US" sz="2800" dirty="0">
-                <a:latin typeface="Lucida Console"/>
-                <a:cs typeface="Lucida Console"/>
-              </a:rPr>
-              <a:t># Wrong: Don't do this!!</a:t>
-            </a:r>
-          </a:p>
-          <a:p>
-            <a:pPr marL="0" indent="0">
-              <a:buNone/>
-            </a:pPr>
-            <a:r>
-              <a:rPr lang="en-US" sz="2800" dirty="0" err="1">
-                <a:latin typeface="Lucida Console"/>
-                <a:cs typeface="Lucida Console"/>
-              </a:rPr>
-              <a:t>rdd.foreach</a:t>
-            </a:r>
-            <a:r>
-              <a:rPr lang="en-US" sz="2800" dirty="0">
-                <a:latin typeface="Lucida Console"/>
-                <a:cs typeface="Lucida Console"/>
-              </a:rPr>
-              <a:t>(lambda x: counter += x)</a:t>
-            </a:r>
-          </a:p>
-          <a:p>
-            <a:pPr marL="0" indent="0">
-              <a:buNone/>
-            </a:pPr>
-            <a:endParaRPr lang="en-US" sz="2800" dirty="0">
-              <a:latin typeface="Lucida Console"/>
-              <a:cs typeface="Lucida Console"/>
-            </a:endParaRPr>
-          </a:p>
-          <a:p>
-            <a:pPr marL="0" indent="0">
-              <a:buNone/>
-            </a:pPr>
-            <a:r>
-              <a:rPr lang="en-US" sz="2800" dirty="0">
-                <a:latin typeface="Lucida Console"/>
-                <a:cs typeface="Lucida Console"/>
-              </a:rPr>
-              <a:t>print("Counter value: " + counter)</a:t>
-            </a:r>
+            <a:r>
+              <a:rPr lang="en-US" dirty="0" smtClean="0"/>
+              <a:t>Lambda’s are unnamed functions</a:t>
+            </a:r>
+          </a:p>
+          <a:p>
+            <a:pPr lvl="1"/>
+            <a:r>
+              <a:rPr lang="en-US" dirty="0" smtClean="0"/>
+              <a:t>From Alonzo Church’s 1930s work on the Lambda Calculus</a:t>
+            </a:r>
+          </a:p>
+          <a:p>
+            <a:pPr lvl="1"/>
+            <a:r>
+              <a:rPr lang="en-US" dirty="0" smtClean="0"/>
+              <a:t>Recently added to Java</a:t>
+            </a:r>
+            <a:endParaRPr lang="en-US" dirty="0"/>
           </a:p>
         </p:txBody>
       </p:sp>
     </p:spTree>
     <p:extLst>
       <p:ext uri="{BB962C8B-B14F-4D97-AF65-F5344CB8AC3E}">
-        <p14:creationId xmlns:p14="http://schemas.microsoft.com/office/powerpoint/2010/main" val="965116268"/>
+        <p14:creationId xmlns:p14="http://schemas.microsoft.com/office/powerpoint/2010/main" val="2738737034"/>
       </p:ext>
     </p:extLst>
   </p:cSld>
@@ -4954,14 +5047,12 @@
         </p:nvSpPr>
         <p:spPr/>
         <p:txBody>
-          <a:bodyPr>
-            <a:normAutofit fontScale="90000"/>
-          </a:bodyPr>
+          <a:bodyPr/>
           <a:lstStyle/>
           <a:p>
             <a:r>
               <a:rPr lang="en-US" dirty="0" smtClean="0"/>
-              <a:t>How to count across a cluster?</a:t>
+              <a:t>Lambda syntax in Python	</a:t>
             </a:r>
             <a:endParaRPr lang="en-US" dirty="0"/>
           </a:p>
@@ -4979,167 +5070,62 @@
         </p:nvSpPr>
         <p:spPr/>
         <p:txBody>
-          <a:bodyPr>
-            <a:normAutofit/>
-          </a:bodyPr>
+          <a:bodyPr/>
           <a:lstStyle/>
           <a:p>
             <a:r>
-              <a:rPr lang="en-US" sz="2800" dirty="0" smtClean="0"/>
-              <a:t>Accumulators</a:t>
-            </a:r>
-          </a:p>
-          <a:p>
-            <a:endParaRPr lang="en-US" sz="2800" dirty="0" smtClean="0"/>
-          </a:p>
-          <a:p>
-            <a:pPr marL="0" indent="0">
+              <a:rPr lang="en-US" dirty="0" smtClean="0"/>
+              <a:t>Simply:</a:t>
+            </a:r>
+          </a:p>
+          <a:p>
+            <a:endParaRPr lang="en-US" dirty="0"/>
+          </a:p>
+          <a:p>
+            <a:pPr marL="457200" lvl="1" indent="0">
               <a:buNone/>
             </a:pPr>
             <a:r>
-              <a:rPr lang="en-US" sz="2800" dirty="0" smtClean="0"/>
-              <a:t>	</a:t>
-            </a:r>
-            <a:r>
-              <a:rPr lang="en-US" sz="2800" dirty="0" err="1" smtClean="0">
-                <a:latin typeface="Lucida Console"/>
-                <a:cs typeface="Lucida Console"/>
-              </a:rPr>
-              <a:t>acc</a:t>
-            </a:r>
-            <a:r>
-              <a:rPr lang="en-US" sz="2800" dirty="0" smtClean="0">
-                <a:latin typeface="Lucida Console"/>
-                <a:cs typeface="Lucida Console"/>
-              </a:rPr>
-              <a:t> = </a:t>
-            </a:r>
-            <a:r>
-              <a:rPr lang="en-US" sz="2800" dirty="0" err="1" smtClean="0">
-                <a:latin typeface="Lucida Console"/>
-                <a:cs typeface="Lucida Console"/>
-              </a:rPr>
-              <a:t>sc.accumulator</a:t>
-            </a:r>
-            <a:r>
-              <a:rPr lang="en-US" sz="2800" dirty="0" smtClean="0">
-                <a:latin typeface="Lucida Console"/>
-                <a:cs typeface="Lucida Console"/>
-              </a:rPr>
+              <a:rPr lang="en-US" dirty="0" smtClean="0"/>
+              <a:t>lambda x: </a:t>
+            </a:r>
+            <a:r>
+              <a:rPr lang="en-US" dirty="0" err="1" smtClean="0"/>
+              <a:t>x.split</a:t>
+            </a:r>
+            <a:r>
+              <a:rPr lang="en-US" dirty="0" smtClean="0"/>
               <a:t>()</a:t>
             </a:r>
           </a:p>
           <a:p>
-            <a:pPr marL="0" indent="0">
+            <a:pPr marL="457200" lvl="1" indent="0">
               <a:buNone/>
             </a:pPr>
             <a:r>
-              <a:rPr lang="en-US" sz="2800" dirty="0" smtClean="0">
-                <a:latin typeface="Lucida Console"/>
-                <a:cs typeface="Lucida Console"/>
-              </a:rPr>
-              <a:t>	</a:t>
-            </a:r>
-            <a:r>
-              <a:rPr lang="en-US" sz="2800" dirty="0" err="1" smtClean="0">
-                <a:latin typeface="Lucida Console"/>
-                <a:cs typeface="Lucida Console"/>
-              </a:rPr>
-              <a:t>rdd</a:t>
-            </a:r>
-            <a:r>
-              <a:rPr lang="en-US" sz="2800" dirty="0" smtClean="0">
-                <a:latin typeface="Lucida Console"/>
-                <a:cs typeface="Lucida Console"/>
-              </a:rPr>
-              <a:t> </a:t>
-            </a:r>
-            <a:r>
-              <a:rPr lang="en-US" sz="2800" dirty="0">
-                <a:latin typeface="Lucida Console"/>
-                <a:cs typeface="Lucida Console"/>
-              </a:rPr>
-              <a:t>= </a:t>
-            </a:r>
-            <a:r>
-              <a:rPr lang="en-US" sz="2800" dirty="0" err="1">
-                <a:latin typeface="Lucida Console"/>
-                <a:cs typeface="Lucida Console"/>
-              </a:rPr>
-              <a:t>sc.parallelize</a:t>
-            </a:r>
-            <a:r>
-              <a:rPr lang="en-US" sz="2800" dirty="0">
-                <a:latin typeface="Lucida Console"/>
-                <a:cs typeface="Lucida Console"/>
-              </a:rPr>
-              <a:t>(data</a:t>
-            </a:r>
-            <a:r>
-              <a:rPr lang="en-US" sz="2800" dirty="0" smtClean="0">
-                <a:latin typeface="Lucida Console"/>
-                <a:cs typeface="Lucida Console"/>
-              </a:rPr>
-              <a:t>)</a:t>
-            </a:r>
-            <a:br>
-              <a:rPr lang="en-US" sz="2800" dirty="0" smtClean="0">
-                <a:latin typeface="Lucida Console"/>
-                <a:cs typeface="Lucida Console"/>
-              </a:rPr>
-            </a:br>
-            <a:r>
-              <a:rPr lang="en-US" sz="2800" dirty="0" smtClean="0">
-                <a:latin typeface="Lucida Console"/>
-                <a:cs typeface="Lucida Console"/>
-              </a:rPr>
-              <a:t>	</a:t>
-            </a:r>
-            <a:r>
-              <a:rPr lang="en-US" sz="2800" dirty="0" err="1" smtClean="0">
-                <a:latin typeface="Lucida Console"/>
-                <a:cs typeface="Lucida Console"/>
-              </a:rPr>
-              <a:t>rdd.foreach</a:t>
-            </a:r>
-            <a:r>
-              <a:rPr lang="en-US" sz="2800" dirty="0" smtClean="0">
-                <a:latin typeface="Lucida Console"/>
-                <a:cs typeface="Lucida Console"/>
-              </a:rPr>
-              <a:t>(lambda x: </a:t>
-            </a:r>
-            <a:r>
-              <a:rPr lang="en-US" sz="2800" dirty="0" err="1" smtClean="0">
-                <a:latin typeface="Lucida Console"/>
-                <a:cs typeface="Lucida Console"/>
-              </a:rPr>
-              <a:t>acc.add</a:t>
-            </a:r>
-            <a:r>
-              <a:rPr lang="en-US" sz="2800" dirty="0" smtClean="0">
-                <a:latin typeface="Lucida Console"/>
-                <a:cs typeface="Lucida Console"/>
-              </a:rPr>
-              <a:t>(x))</a:t>
-            </a:r>
-            <a:endParaRPr lang="en-US" sz="2800" dirty="0">
-              <a:latin typeface="Lucida Console"/>
-              <a:cs typeface="Lucida Console"/>
-            </a:endParaRPr>
-          </a:p>
-          <a:p>
-            <a:pPr marL="0" indent="0">
-              <a:buNone/>
-            </a:pPr>
-            <a:endParaRPr lang="en-US" sz="2800" dirty="0"/>
+              <a:rPr lang="en-US" dirty="0" smtClean="0"/>
+              <a:t>lambda </a:t>
+            </a:r>
+            <a:r>
+              <a:rPr lang="en-US" dirty="0" err="1" smtClean="0"/>
+              <a:t>x,y</a:t>
+            </a:r>
+            <a:r>
+              <a:rPr lang="en-US" dirty="0" smtClean="0"/>
+              <a:t>: </a:t>
+            </a:r>
+            <a:r>
+              <a:rPr lang="en-US" dirty="0" err="1" smtClean="0"/>
+              <a:t>x+y</a:t>
+            </a:r>
+            <a:endParaRPr lang="en-US" dirty="0"/>
           </a:p>
         </p:txBody>
       </p:sp>
     </p:spTree>
     <p:extLst>
       <p:ext uri="{BB962C8B-B14F-4D97-AF65-F5344CB8AC3E}">
-        <p14:creationId xmlns:p14="http://schemas.microsoft.com/office/powerpoint/2010/main" val="1340352141"/>
+        <p14:creationId xmlns:p14="http://schemas.microsoft.com/office/powerpoint/2010/main" val="4275047535"/>
       </p:ext>
     </p:extLst>
   </p:cSld>
@@ -5183,7 +5169,7 @@
           <a:p>
             <a:r>
               <a:rPr lang="en-US" dirty="0" smtClean="0"/>
-              <a:t>What also doesn’t work</a:t>
+              <a:t>Example</a:t>
             </a:r>
             <a:endParaRPr lang="en-US" dirty="0"/>
           </a:p>
@@ -5201,50 +5187,212 @@
         </p:nvSpPr>
         <p:spPr/>
         <p:txBody>
-          <a:bodyPr/>
+          <a:bodyPr>
+            <a:normAutofit/>
+          </a:bodyPr>
           <a:lstStyle/>
           <a:p>
-            <a:r>
-              <a:rPr lang="en-US" dirty="0" err="1"/>
-              <a:t>rdd.foreach</a:t>
-            </a:r>
-            <a:r>
-              <a:rPr lang="en-US" dirty="0"/>
-              <a:t>(</a:t>
-            </a:r>
-            <a:r>
-              <a:rPr lang="en-US" dirty="0" err="1"/>
-              <a:t>println</a:t>
-            </a:r>
-            <a:r>
-              <a:rPr lang="en-US" dirty="0" smtClean="0"/>
+            <a:pPr marL="0" indent="0">
+              <a:buNone/>
+            </a:pPr>
+            <a:r>
+              <a:rPr lang="en-US" sz="2000" dirty="0" err="1" smtClean="0"/>
+              <a:t>sc</a:t>
+            </a:r>
+            <a:r>
+              <a:rPr lang="en-US" sz="2000" dirty="0" smtClean="0"/>
+              <a:t> = </a:t>
+            </a:r>
+            <a:r>
+              <a:rPr lang="en-US" sz="2000" dirty="0" err="1" smtClean="0"/>
+              <a:t>SparkContext</a:t>
+            </a:r>
+            <a:r>
+              <a:rPr lang="en-US" sz="2000" dirty="0" smtClean="0"/>
+              <a:t>() </a:t>
+            </a:r>
+          </a:p>
+          <a:p>
+            <a:pPr marL="0" indent="0">
+              <a:buNone/>
+            </a:pPr>
+            <a:endParaRPr lang="en-US" sz="2000" dirty="0"/>
+          </a:p>
+          <a:p>
+            <a:pPr marL="0" indent="0">
+              <a:buNone/>
+            </a:pPr>
+            <a:r>
+              <a:rPr lang="en-US" sz="2000" dirty="0" smtClean="0"/>
+              <a:t>books </a:t>
+            </a:r>
+            <a:r>
+              <a:rPr lang="en-US" sz="2000" dirty="0"/>
+              <a:t>= </a:t>
+            </a:r>
+            <a:r>
+              <a:rPr lang="en-US" sz="2000" dirty="0" err="1"/>
+              <a:t>sc.textFile</a:t>
+            </a:r>
+            <a:r>
+              <a:rPr lang="en-US" sz="2000" dirty="0" smtClean="0"/>
+              <a:t>(“books/*”)</a:t>
+            </a:r>
+            <a:endParaRPr lang="en-US" sz="2000" dirty="0"/>
+          </a:p>
+          <a:p>
+            <a:pPr marL="0" indent="0">
+              <a:buNone/>
+            </a:pPr>
+            <a:r>
+              <a:rPr lang="en-US" sz="2000" dirty="0"/>
+              <a:t>split = </a:t>
+            </a:r>
+            <a:r>
+              <a:rPr lang="en-US" sz="2000" dirty="0" err="1"/>
+              <a:t>books.flatMap</a:t>
+            </a:r>
+            <a:r>
+              <a:rPr lang="en-US" sz="2000" dirty="0"/>
+              <a:t>(lambda line: </a:t>
+            </a:r>
+            <a:r>
+              <a:rPr lang="en-US" sz="2000" dirty="0" err="1"/>
+              <a:t>line.split</a:t>
+            </a:r>
+            <a:r>
+              <a:rPr lang="en-US" sz="2000" dirty="0"/>
+              <a:t>())</a:t>
+            </a:r>
+          </a:p>
+          <a:p>
+            <a:pPr marL="0" indent="0">
+              <a:buNone/>
+            </a:pPr>
+            <a:r>
+              <a:rPr lang="en-US" sz="2000" dirty="0" smtClean="0"/>
+              <a:t>numbered </a:t>
+            </a:r>
+            <a:r>
+              <a:rPr lang="en-US" sz="2000" dirty="0"/>
+              <a:t>= </a:t>
+            </a:r>
+            <a:r>
+              <a:rPr lang="en-US" sz="2000" dirty="0" err="1" smtClean="0"/>
+              <a:t>split.map</a:t>
+            </a:r>
+            <a:r>
+              <a:rPr lang="en-US" sz="2000" dirty="0"/>
+              <a:t>(lambda word: (word, 1))</a:t>
+            </a:r>
+          </a:p>
+          <a:p>
+            <a:pPr marL="0" indent="0">
+              <a:buNone/>
+            </a:pPr>
+            <a:r>
+              <a:rPr lang="en-US" sz="2000" dirty="0" err="1"/>
+              <a:t>wordcount</a:t>
+            </a:r>
+            <a:r>
+              <a:rPr lang="en-US" sz="2000" dirty="0"/>
+              <a:t> = </a:t>
+            </a:r>
+            <a:r>
+              <a:rPr lang="en-US" sz="2000" dirty="0" err="1"/>
+              <a:t>numbered.reduceByKey</a:t>
+            </a:r>
+            <a:r>
+              <a:rPr lang="en-US" sz="2000" dirty="0"/>
+              <a:t>(lambda </a:t>
+            </a:r>
+            <a:r>
+              <a:rPr lang="en-US" sz="2000" dirty="0" err="1"/>
+              <a:t>a,b</a:t>
+            </a:r>
+            <a:r>
+              <a:rPr lang="en-US" sz="2000" dirty="0"/>
+              <a:t>: </a:t>
+            </a:r>
+            <a:r>
+              <a:rPr lang="en-US" sz="2000" dirty="0" err="1"/>
+              <a:t>a+b</a:t>
+            </a:r>
+            <a:r>
+              <a:rPr lang="en-US" sz="2000" dirty="0" smtClean="0"/>
               <a:t>)</a:t>
             </a:r>
           </a:p>
           <a:p>
-            <a:endParaRPr lang="en-US" dirty="0"/>
-          </a:p>
-          <a:p>
-            <a:r>
-              <a:rPr lang="en-US" dirty="0" smtClean="0"/>
-              <a:t>Of course this </a:t>
-            </a:r>
-            <a:r>
-              <a:rPr lang="en-US" i="1" dirty="0" smtClean="0"/>
-              <a:t>will</a:t>
-            </a:r>
-            <a:r>
-              <a:rPr lang="en-US" dirty="0" smtClean="0"/>
-              <a:t> work when you test in local mode</a:t>
-            </a:r>
-            <a:endParaRPr lang="en-US" dirty="0"/>
+            <a:pPr marL="0" indent="0">
+              <a:buNone/>
+            </a:pPr>
+            <a:endParaRPr lang="en-US" sz="2000" dirty="0" smtClean="0"/>
+          </a:p>
+          <a:p>
+            <a:pPr marL="0" indent="0">
+              <a:buNone/>
+            </a:pPr>
+            <a:r>
+              <a:rPr lang="en-US" sz="2000" dirty="0"/>
+              <a:t>for </a:t>
+            </a:r>
+            <a:r>
+              <a:rPr lang="en-US" sz="2000" dirty="0" err="1"/>
+              <a:t>k,v</a:t>
+            </a:r>
+            <a:r>
+              <a:rPr lang="en-US" sz="2000" dirty="0"/>
+              <a:t> in </a:t>
+            </a:r>
+            <a:r>
+              <a:rPr lang="en-US" sz="2000" dirty="0" err="1"/>
+              <a:t>wordcount.collect</a:t>
+            </a:r>
+            <a:r>
+              <a:rPr lang="en-US" sz="2000" dirty="0"/>
+              <a:t>():</a:t>
+            </a:r>
+          </a:p>
+          <a:p>
+            <a:pPr marL="0" indent="0">
+              <a:buNone/>
+            </a:pPr>
+            <a:r>
+              <a:rPr lang="en-US" sz="2000" dirty="0"/>
+              <a:t>  print </a:t>
+            </a:r>
+            <a:r>
+              <a:rPr lang="en-US" sz="2000" dirty="0" err="1"/>
+              <a:t>k,v</a:t>
+            </a:r>
+            <a:endParaRPr lang="en-US" sz="2000" dirty="0"/>
+          </a:p>
+          <a:p>
+            <a:pPr marL="0" indent="0">
+              <a:buNone/>
+            </a:pPr>
+            <a:endParaRPr lang="en-US" sz="2000" dirty="0"/>
+          </a:p>
+          <a:p>
+            <a:pPr marL="0" indent="0">
+              <a:buNone/>
+            </a:pPr>
+            <a:r>
+              <a:rPr lang="en-US" sz="2000" dirty="0" err="1"/>
+              <a:t>sc.stop</a:t>
+            </a:r>
+            <a:r>
+              <a:rPr lang="en-US" sz="2000" dirty="0"/>
+              <a:t>()</a:t>
+            </a:r>
           </a:p>
         </p:txBody>
       </p:sp>
     </p:spTree>
     <p:extLst>
       <p:ext uri="{BB962C8B-B14F-4D97-AF65-F5344CB8AC3E}">
-        <p14:creationId xmlns:p14="http://schemas.microsoft.com/office/powerpoint/2010/main" val="2238802243"/>
+        <p14:creationId xmlns:p14="http://schemas.microsoft.com/office/powerpoint/2010/main" val="1260108180"/>
       </p:ext>
     </p:extLst>
   </p:cSld>
@@ -5284,45 +5432,163 @@
         <p:spPr/>
         <p:txBody>
           <a:bodyPr>
+            <a:normAutofit fontScale="90000"/>
+          </a:bodyPr>
+          <a:lstStyle/>
+          <a:p>
+            <a:r>
+              <a:rPr lang="en-US" dirty="0" smtClean="0"/>
+              <a:t>What doesn’t work </a:t>
+            </a:r>
+            <a:r>
+              <a:rPr lang="en-US" dirty="0">
+                <a:sym typeface="Wingdings"/>
+              </a:rPr>
+              <a:t/>
+            </a:r>
+            <a:br>
+              <a:rPr lang="en-US" dirty="0">
+                <a:sym typeface="Wingdings"/>
+              </a:rPr>
+            </a:br>
+            <a:r>
+              <a:rPr lang="en-US" dirty="0" smtClean="0">
+                <a:sym typeface="Wingdings"/>
+              </a:rPr>
+              <a:t>in a cluster</a:t>
+            </a:r>
+            <a:endParaRPr lang="en-US" dirty="0"/>
+          </a:p>
+        </p:txBody>
+      </p:sp>
+      <p:sp>
+        <p:nvSpPr>
+          <p:cNvPr id="3" name="Content Placeholder 2"/>
+          <p:cNvSpPr>
+            <a:spLocks noGrp="1"/>
+          </p:cNvSpPr>
+          <p:nvPr>
+            <p:ph idx="1"/>
+          </p:nvPr>
+        </p:nvSpPr>
+        <p:spPr/>
+        <p:txBody>
+          <a:bodyPr>
             <a:normAutofit/>
           </a:bodyPr>
           <a:lstStyle/>
           <a:p>
-            <a:r>
-              <a:rPr lang="en-US" dirty="0" smtClean="0"/>
-              <a:t>Spark packages</a:t>
-            </a:r>
-            <a:endParaRPr lang="en-US" dirty="0"/>
-          </a:p>
-        </p:txBody>
-      </p:sp>
-      <p:sp>
-        <p:nvSpPr>
-          <p:cNvPr id="3" name="Content Placeholder 2"/>
-          <p:cNvSpPr>
-            <a:spLocks noGrp="1"/>
-          </p:cNvSpPr>
-          <p:nvPr>
-            <p:ph idx="1"/>
-          </p:nvPr>
-        </p:nvSpPr>
-        <p:spPr/>
-        <p:txBody>
-          <a:bodyPr/>
-          <a:lstStyle/>
-          <a:p>
-            <a:r>
-              <a:rPr lang="en-US" dirty="0" smtClean="0"/>
-              <a:t>A wide set of plugins </a:t>
-            </a:r>
-            <a:endParaRPr lang="en-US" dirty="0"/>
+            <a:pPr marL="0" indent="0">
+              <a:buNone/>
+            </a:pPr>
+            <a:r>
+              <a:rPr lang="en-US" sz="2800" dirty="0">
+                <a:latin typeface="Lucida Console"/>
+                <a:cs typeface="Lucida Console"/>
+              </a:rPr>
+              <a:t>counter = 0</a:t>
+            </a:r>
+          </a:p>
+          <a:p>
+            <a:pPr marL="0" indent="0">
+              <a:buNone/>
+            </a:pPr>
+            <a:r>
+              <a:rPr lang="en-US" sz="2800" dirty="0" err="1">
+                <a:latin typeface="Lucida Console"/>
+                <a:cs typeface="Lucida Console"/>
+              </a:rPr>
+              <a:t>rdd</a:t>
+            </a:r>
+            <a:r>
+              <a:rPr lang="en-US" sz="2800" dirty="0">
+                <a:latin typeface="Lucida Console"/>
+                <a:cs typeface="Lucida Console"/>
+              </a:rPr>
+              <a:t> = </a:t>
+            </a:r>
+            <a:r>
+              <a:rPr lang="en-US" sz="2800" dirty="0" err="1">
+                <a:latin typeface="Lucida Console"/>
+                <a:cs typeface="Lucida Console"/>
+              </a:rPr>
+              <a:t>sc.parallelize</a:t>
+            </a:r>
+            <a:r>
+              <a:rPr lang="en-US" sz="2800" dirty="0">
+                <a:latin typeface="Lucida Console"/>
+                <a:cs typeface="Lucida Console"/>
+              </a:rPr>
+              <a:t>(data)</a:t>
+            </a:r>
+          </a:p>
+          <a:p>
+            <a:pPr marL="0" indent="0">
+              <a:buNone/>
+            </a:pPr>
+            <a:endParaRPr lang="en-US" sz="2800" dirty="0">
+              <a:latin typeface="Lucida Console"/>
+              <a:cs typeface="Lucida Console"/>
+            </a:endParaRPr>
+          </a:p>
+          <a:p>
+            <a:pPr marL="0" indent="0">
+              <a:buNone/>
+            </a:pPr>
+            <a:r>
+              <a:rPr lang="en-US" sz="2800" dirty="0">
+                <a:latin typeface="Lucida Console"/>
+                <a:cs typeface="Lucida Console"/>
+              </a:rPr>
+              <a:t># Wrong: Don't do this!!</a:t>
+            </a:r>
+          </a:p>
+          <a:p>
+            <a:pPr marL="0" indent="0">
+              <a:buNone/>
+            </a:pPr>
+            <a:r>
+              <a:rPr lang="en-US" sz="2800" dirty="0" err="1">
+                <a:latin typeface="Lucida Console"/>
+                <a:cs typeface="Lucida Console"/>
+              </a:rPr>
+              <a:t>rdd.foreach</a:t>
+            </a:r>
+            <a:r>
+              <a:rPr lang="en-US" sz="2800" dirty="0">
+                <a:latin typeface="Lucida Console"/>
+                <a:cs typeface="Lucida Console"/>
+              </a:rPr>
+              <a:t>(lambda x: counter += x)</a:t>
+            </a:r>
+          </a:p>
+          <a:p>
+            <a:pPr marL="0" indent="0">
+              <a:buNone/>
+            </a:pPr>
+            <a:endParaRPr lang="en-US" sz="2800" dirty="0">
+              <a:latin typeface="Lucida Console"/>
+              <a:cs typeface="Lucida Console"/>
+            </a:endParaRPr>
+          </a:p>
+          <a:p>
+            <a:pPr marL="0" indent="0">
+              <a:buNone/>
+            </a:pPr>
+            <a:r>
+              <a:rPr lang="en-US" sz="2800" dirty="0">
+                <a:latin typeface="Lucida Console"/>
+                <a:cs typeface="Lucida Console"/>
+              </a:rPr>
+              <a:t>print("Counter value: " + counter)</a:t>
+            </a:r>
           </a:p>
         </p:txBody>
       </p:sp>
     </p:spTree>
     <p:extLst>
       <p:ext uri="{BB962C8B-B14F-4D97-AF65-F5344CB8AC3E}">
-        <p14:creationId xmlns:p14="http://schemas.microsoft.com/office/powerpoint/2010/main" val="2454011762"/>
+        <p14:creationId xmlns:p14="http://schemas.microsoft.com/office/powerpoint/2010/main" val="965116268"/>
       </p:ext>
     </p:extLst>
   </p:cSld>
@@ -5366,16 +5632,40 @@
           <a:p>
             <a:r>
               <a:rPr lang="en-US" dirty="0" smtClean="0"/>
-              <a:t>Time for a lab!</a:t>
+              <a:t>Apache Spark cluster model</a:t>
             </a:r>
             <a:endParaRPr lang="en-US" dirty="0"/>
           </a:p>
         </p:txBody>
       </p:sp>
+      <p:pic>
+        <p:nvPicPr>
+          <p:cNvPr id="4" name="Picture 3"/>
+          <p:cNvPicPr>
+            <a:picLocks noChangeAspect="1"/>
+          </p:cNvPicPr>
+          <p:nvPr/>
+        </p:nvPicPr>
+        <p:blipFill>
+          <a:blip r:embed="rId2"/>
+          <a:stretch>
+            <a:fillRect/>
+          </a:stretch>
+        </p:blipFill>
+        <p:spPr>
+          <a:xfrm>
+            <a:off x="787400" y="1612900"/>
+            <a:ext cx="7569200" cy="3632200"/>
+          </a:xfrm>
+          <a:prstGeom prst="rect">
+            <a:avLst/>
+          </a:prstGeom>
+        </p:spPr>
+      </p:pic>
     </p:spTree>
     <p:extLst>
       <p:ext uri="{BB962C8B-B14F-4D97-AF65-F5344CB8AC3E}">
-        <p14:creationId xmlns:p14="http://schemas.microsoft.com/office/powerpoint/2010/main" val="816383995"/>
+        <p14:creationId xmlns:p14="http://schemas.microsoft.com/office/powerpoint/2010/main" val="1965524514"/>
       </p:ext>
     </p:extLst>
   </p:cSld>
@@ -5640,6 +5930,1877 @@
 </p:sld>
 </file>
 
+<file path=ppt/slides/slide20.xml><?xml version="1.0" encoding="utf-8"?>
+<p:sld xmlns:a="http://schemas.openxmlformats.org/drawingml/2006/main" xmlns:r="http://schemas.openxmlformats.org/officeDocument/2006/relationships" xmlns:p="http://schemas.openxmlformats.org/presentationml/2006/main">
+  <p:cSld>
+    <p:spTree>
+      <p:nvGrpSpPr>
+        <p:cNvPr id="1" name=""/>
+        <p:cNvGrpSpPr/>
+        <p:nvPr/>
+      </p:nvGrpSpPr>
+      <p:grpSpPr>
+        <a:xfrm>
+          <a:off x="0" y="0"/>
+          <a:ext cx="0" cy="0"/>
+          <a:chOff x="0" y="0"/>
+          <a:chExt cx="0" cy="0"/>
+        </a:xfrm>
+      </p:grpSpPr>
+      <p:sp>
+        <p:nvSpPr>
+          <p:cNvPr id="2" name="Title 1"/>
+          <p:cNvSpPr>
+            <a:spLocks noGrp="1"/>
+          </p:cNvSpPr>
+          <p:nvPr>
+            <p:ph type="title"/>
+          </p:nvPr>
+        </p:nvSpPr>
+        <p:spPr/>
+        <p:txBody>
+          <a:bodyPr>
+            <a:normAutofit fontScale="90000"/>
+          </a:bodyPr>
+          <a:lstStyle/>
+          <a:p>
+            <a:r>
+              <a:rPr lang="en-US" dirty="0" smtClean="0"/>
+              <a:t>How to count across a cluster?</a:t>
+            </a:r>
+            <a:endParaRPr lang="en-US" dirty="0"/>
+          </a:p>
+        </p:txBody>
+      </p:sp>
+      <p:sp>
+        <p:nvSpPr>
+          <p:cNvPr id="3" name="Content Placeholder 2"/>
+          <p:cNvSpPr>
+            <a:spLocks noGrp="1"/>
+          </p:cNvSpPr>
+          <p:nvPr>
+            <p:ph idx="1"/>
+          </p:nvPr>
+        </p:nvSpPr>
+        <p:spPr/>
+        <p:txBody>
+          <a:bodyPr>
+            <a:normAutofit/>
+          </a:bodyPr>
+          <a:lstStyle/>
+          <a:p>
+            <a:r>
+              <a:rPr lang="en-US" sz="2800" dirty="0" smtClean="0"/>
+              <a:t>Accumulators</a:t>
+            </a:r>
+          </a:p>
+          <a:p>
+            <a:endParaRPr lang="en-US" sz="2800" dirty="0" smtClean="0"/>
+          </a:p>
+          <a:p>
+            <a:pPr marL="0" indent="0">
+              <a:buNone/>
+            </a:pPr>
+            <a:r>
+              <a:rPr lang="en-US" sz="2800" dirty="0" smtClean="0"/>
+              <a:t>	</a:t>
+            </a:r>
+            <a:r>
+              <a:rPr lang="en-US" sz="2800" dirty="0" err="1" smtClean="0">
+                <a:latin typeface="Lucida Console"/>
+                <a:cs typeface="Lucida Console"/>
+              </a:rPr>
+              <a:t>acc</a:t>
+            </a:r>
+            <a:r>
+              <a:rPr lang="en-US" sz="2800" dirty="0" smtClean="0">
+                <a:latin typeface="Lucida Console"/>
+                <a:cs typeface="Lucida Console"/>
+              </a:rPr>
+              <a:t> = </a:t>
+            </a:r>
+            <a:r>
+              <a:rPr lang="en-US" sz="2800" dirty="0" err="1" smtClean="0">
+                <a:latin typeface="Lucida Console"/>
+                <a:cs typeface="Lucida Console"/>
+              </a:rPr>
+              <a:t>sc.accumulator</a:t>
+            </a:r>
+            <a:r>
+              <a:rPr lang="en-US" sz="2800" dirty="0" smtClean="0">
+                <a:latin typeface="Lucida Console"/>
+                <a:cs typeface="Lucida Console"/>
+              </a:rPr>
+              <a:t>()</a:t>
+            </a:r>
+          </a:p>
+          <a:p>
+            <a:pPr marL="0" indent="0">
+              <a:buNone/>
+            </a:pPr>
+            <a:r>
+              <a:rPr lang="en-US" sz="2800" dirty="0" smtClean="0">
+                <a:latin typeface="Lucida Console"/>
+                <a:cs typeface="Lucida Console"/>
+              </a:rPr>
+              <a:t>	</a:t>
+            </a:r>
+            <a:r>
+              <a:rPr lang="en-US" sz="2800" dirty="0" err="1" smtClean="0">
+                <a:latin typeface="Lucida Console"/>
+                <a:cs typeface="Lucida Console"/>
+              </a:rPr>
+              <a:t>rdd</a:t>
+            </a:r>
+            <a:r>
+              <a:rPr lang="en-US" sz="2800" dirty="0" smtClean="0">
+                <a:latin typeface="Lucida Console"/>
+                <a:cs typeface="Lucida Console"/>
+              </a:rPr>
+              <a:t> </a:t>
+            </a:r>
+            <a:r>
+              <a:rPr lang="en-US" sz="2800" dirty="0">
+                <a:latin typeface="Lucida Console"/>
+                <a:cs typeface="Lucida Console"/>
+              </a:rPr>
+              <a:t>= </a:t>
+            </a:r>
+            <a:r>
+              <a:rPr lang="en-US" sz="2800" dirty="0" err="1">
+                <a:latin typeface="Lucida Console"/>
+                <a:cs typeface="Lucida Console"/>
+              </a:rPr>
+              <a:t>sc.parallelize</a:t>
+            </a:r>
+            <a:r>
+              <a:rPr lang="en-US" sz="2800" dirty="0">
+                <a:latin typeface="Lucida Console"/>
+                <a:cs typeface="Lucida Console"/>
+              </a:rPr>
+              <a:t>(data</a:t>
+            </a:r>
+            <a:r>
+              <a:rPr lang="en-US" sz="2800" dirty="0" smtClean="0">
+                <a:latin typeface="Lucida Console"/>
+                <a:cs typeface="Lucida Console"/>
+              </a:rPr>
+              <a:t>)</a:t>
+            </a:r>
+            <a:br>
+              <a:rPr lang="en-US" sz="2800" dirty="0" smtClean="0">
+                <a:latin typeface="Lucida Console"/>
+                <a:cs typeface="Lucida Console"/>
+              </a:rPr>
+            </a:br>
+            <a:r>
+              <a:rPr lang="en-US" sz="2800" dirty="0" smtClean="0">
+                <a:latin typeface="Lucida Console"/>
+                <a:cs typeface="Lucida Console"/>
+              </a:rPr>
+              <a:t>	</a:t>
+            </a:r>
+            <a:r>
+              <a:rPr lang="en-US" sz="2800" dirty="0" err="1" smtClean="0">
+                <a:latin typeface="Lucida Console"/>
+                <a:cs typeface="Lucida Console"/>
+              </a:rPr>
+              <a:t>rdd.foreach</a:t>
+            </a:r>
+            <a:r>
+              <a:rPr lang="en-US" sz="2800" dirty="0" smtClean="0">
+                <a:latin typeface="Lucida Console"/>
+                <a:cs typeface="Lucida Console"/>
+              </a:rPr>
+              <a:t>(lambda x: </a:t>
+            </a:r>
+            <a:r>
+              <a:rPr lang="en-US" sz="2800" dirty="0" err="1" smtClean="0">
+                <a:latin typeface="Lucida Console"/>
+                <a:cs typeface="Lucida Console"/>
+              </a:rPr>
+              <a:t>acc.add</a:t>
+            </a:r>
+            <a:r>
+              <a:rPr lang="en-US" sz="2800" dirty="0" smtClean="0">
+                <a:latin typeface="Lucida Console"/>
+                <a:cs typeface="Lucida Console"/>
+              </a:rPr>
+              <a:t>(x))</a:t>
+            </a:r>
+            <a:endParaRPr lang="en-US" sz="2800" dirty="0">
+              <a:latin typeface="Lucida Console"/>
+              <a:cs typeface="Lucida Console"/>
+            </a:endParaRPr>
+          </a:p>
+          <a:p>
+            <a:pPr marL="0" indent="0">
+              <a:buNone/>
+            </a:pPr>
+            <a:endParaRPr lang="en-US" sz="2800" dirty="0"/>
+          </a:p>
+        </p:txBody>
+      </p:sp>
+    </p:spTree>
+    <p:extLst>
+      <p:ext uri="{BB962C8B-B14F-4D97-AF65-F5344CB8AC3E}">
+        <p14:creationId xmlns:p14="http://schemas.microsoft.com/office/powerpoint/2010/main" val="1340352141"/>
+      </p:ext>
+    </p:extLst>
+  </p:cSld>
+  <p:clrMapOvr>
+    <a:masterClrMapping/>
+  </p:clrMapOvr>
+</p:sld>
+</file>
+
+<file path=ppt/slides/slide21.xml><?xml version="1.0" encoding="utf-8"?>
+<p:sld xmlns:a="http://schemas.openxmlformats.org/drawingml/2006/main" xmlns:r="http://schemas.openxmlformats.org/officeDocument/2006/relationships" xmlns:p="http://schemas.openxmlformats.org/presentationml/2006/main">
+  <p:cSld>
+    <p:spTree>
+      <p:nvGrpSpPr>
+        <p:cNvPr id="1" name=""/>
+        <p:cNvGrpSpPr/>
+        <p:nvPr/>
+      </p:nvGrpSpPr>
+      <p:grpSpPr>
+        <a:xfrm>
+          <a:off x="0" y="0"/>
+          <a:ext cx="0" cy="0"/>
+          <a:chOff x="0" y="0"/>
+          <a:chExt cx="0" cy="0"/>
+        </a:xfrm>
+      </p:grpSpPr>
+      <p:sp>
+        <p:nvSpPr>
+          <p:cNvPr id="2" name="Title 1"/>
+          <p:cNvSpPr>
+            <a:spLocks noGrp="1"/>
+          </p:cNvSpPr>
+          <p:nvPr>
+            <p:ph type="title"/>
+          </p:nvPr>
+        </p:nvSpPr>
+        <p:spPr/>
+        <p:txBody>
+          <a:bodyPr/>
+          <a:lstStyle/>
+          <a:p>
+            <a:r>
+              <a:rPr lang="en-US" dirty="0" smtClean="0"/>
+              <a:t>What also doesn’t work</a:t>
+            </a:r>
+            <a:endParaRPr lang="en-US" dirty="0"/>
+          </a:p>
+        </p:txBody>
+      </p:sp>
+      <p:sp>
+        <p:nvSpPr>
+          <p:cNvPr id="3" name="Content Placeholder 2"/>
+          <p:cNvSpPr>
+            <a:spLocks noGrp="1"/>
+          </p:cNvSpPr>
+          <p:nvPr>
+            <p:ph idx="1"/>
+          </p:nvPr>
+        </p:nvSpPr>
+        <p:spPr/>
+        <p:txBody>
+          <a:bodyPr/>
+          <a:lstStyle/>
+          <a:p>
+            <a:r>
+              <a:rPr lang="en-US" dirty="0" err="1"/>
+              <a:t>rdd.foreach</a:t>
+            </a:r>
+            <a:r>
+              <a:rPr lang="en-US" dirty="0"/>
+              <a:t>(</a:t>
+            </a:r>
+            <a:r>
+              <a:rPr lang="en-US" dirty="0" err="1"/>
+              <a:t>println</a:t>
+            </a:r>
+            <a:r>
+              <a:rPr lang="en-US" dirty="0" smtClean="0"/>
+              <a:t>)</a:t>
+            </a:r>
+          </a:p>
+          <a:p>
+            <a:endParaRPr lang="en-US" dirty="0"/>
+          </a:p>
+          <a:p>
+            <a:r>
+              <a:rPr lang="en-US" dirty="0" smtClean="0"/>
+              <a:t>Of course this </a:t>
+            </a:r>
+            <a:r>
+              <a:rPr lang="en-US" i="1" dirty="0" smtClean="0"/>
+              <a:t>will</a:t>
+            </a:r>
+            <a:r>
+              <a:rPr lang="en-US" dirty="0" smtClean="0"/>
+              <a:t> work when you test in local mode</a:t>
+            </a:r>
+            <a:endParaRPr lang="en-US" dirty="0"/>
+          </a:p>
+        </p:txBody>
+      </p:sp>
+    </p:spTree>
+    <p:extLst>
+      <p:ext uri="{BB962C8B-B14F-4D97-AF65-F5344CB8AC3E}">
+        <p14:creationId xmlns:p14="http://schemas.microsoft.com/office/powerpoint/2010/main" val="2238802243"/>
+      </p:ext>
+    </p:extLst>
+  </p:cSld>
+  <p:clrMapOvr>
+    <a:masterClrMapping/>
+  </p:clrMapOvr>
+</p:sld>
+</file>
+
+<file path=ppt/slides/slide22.xml><?xml version="1.0" encoding="utf-8"?>
+<p:sld xmlns:a="http://schemas.openxmlformats.org/drawingml/2006/main" xmlns:r="http://schemas.openxmlformats.org/officeDocument/2006/relationships" xmlns:p="http://schemas.openxmlformats.org/presentationml/2006/main">
+  <p:cSld>
+    <p:spTree>
+      <p:nvGrpSpPr>
+        <p:cNvPr id="1" name=""/>
+        <p:cNvGrpSpPr/>
+        <p:nvPr/>
+      </p:nvGrpSpPr>
+      <p:grpSpPr>
+        <a:xfrm>
+          <a:off x="0" y="0"/>
+          <a:ext cx="0" cy="0"/>
+          <a:chOff x="0" y="0"/>
+          <a:chExt cx="0" cy="0"/>
+        </a:xfrm>
+      </p:grpSpPr>
+      <p:sp>
+        <p:nvSpPr>
+          <p:cNvPr id="2" name="Title 1"/>
+          <p:cNvSpPr>
+            <a:spLocks noGrp="1"/>
+          </p:cNvSpPr>
+          <p:nvPr>
+            <p:ph type="title"/>
+          </p:nvPr>
+        </p:nvSpPr>
+        <p:spPr/>
+        <p:txBody>
+          <a:bodyPr>
+            <a:normAutofit/>
+          </a:bodyPr>
+          <a:lstStyle/>
+          <a:p>
+            <a:r>
+              <a:rPr lang="en-US" dirty="0" smtClean="0"/>
+              <a:t>Spark packages</a:t>
+            </a:r>
+            <a:endParaRPr lang="en-US" dirty="0"/>
+          </a:p>
+        </p:txBody>
+      </p:sp>
+      <p:sp>
+        <p:nvSpPr>
+          <p:cNvPr id="3" name="Content Placeholder 2"/>
+          <p:cNvSpPr>
+            <a:spLocks noGrp="1"/>
+          </p:cNvSpPr>
+          <p:nvPr>
+            <p:ph idx="1"/>
+          </p:nvPr>
+        </p:nvSpPr>
+        <p:spPr/>
+        <p:txBody>
+          <a:bodyPr/>
+          <a:lstStyle/>
+          <a:p>
+            <a:r>
+              <a:rPr lang="en-US" dirty="0" smtClean="0"/>
+              <a:t>A wide set of plugins</a:t>
+            </a:r>
+          </a:p>
+          <a:p>
+            <a:pPr lvl="1"/>
+            <a:r>
+              <a:rPr lang="en-US" dirty="0" smtClean="0"/>
+              <a:t>Currently 148 community donated plugins</a:t>
+            </a:r>
+          </a:p>
+          <a:p>
+            <a:r>
+              <a:rPr lang="en-US" dirty="0" smtClean="0"/>
+              <a:t> Data connectors	</a:t>
+            </a:r>
+          </a:p>
+          <a:p>
+            <a:pPr lvl="1"/>
+            <a:r>
+              <a:rPr lang="en-US" dirty="0" smtClean="0"/>
+              <a:t>Cassandra, </a:t>
+            </a:r>
+            <a:r>
+              <a:rPr lang="en-US" dirty="0" err="1" smtClean="0"/>
+              <a:t>Couchbase</a:t>
+            </a:r>
+            <a:r>
+              <a:rPr lang="en-US" dirty="0" smtClean="0"/>
+              <a:t>, Mongo, CSV, </a:t>
+            </a:r>
+            <a:r>
+              <a:rPr lang="en-US" dirty="0" err="1" smtClean="0"/>
+              <a:t>etc</a:t>
+            </a:r>
+            <a:endParaRPr lang="en-US" dirty="0" smtClean="0"/>
+          </a:p>
+          <a:p>
+            <a:r>
+              <a:rPr lang="en-US" dirty="0" smtClean="0"/>
+              <a:t>Machine Learning, Neural networks</a:t>
+            </a:r>
+          </a:p>
+          <a:p>
+            <a:r>
+              <a:rPr lang="en-US" dirty="0" smtClean="0"/>
+              <a:t>Streaming</a:t>
+            </a:r>
+          </a:p>
+          <a:p>
+            <a:r>
+              <a:rPr lang="en-US" dirty="0" err="1" smtClean="0"/>
+              <a:t>etc</a:t>
+            </a:r>
+            <a:endParaRPr lang="en-US" dirty="0"/>
+          </a:p>
+        </p:txBody>
+      </p:sp>
+    </p:spTree>
+    <p:extLst>
+      <p:ext uri="{BB962C8B-B14F-4D97-AF65-F5344CB8AC3E}">
+        <p14:creationId xmlns:p14="http://schemas.microsoft.com/office/powerpoint/2010/main" val="2454011762"/>
+      </p:ext>
+    </p:extLst>
+  </p:cSld>
+  <p:clrMapOvr>
+    <a:masterClrMapping/>
+  </p:clrMapOvr>
+</p:sld>
+</file>
+
+<file path=ppt/slides/slide23.xml><?xml version="1.0" encoding="utf-8"?>
+<p:sld xmlns:a="http://schemas.openxmlformats.org/drawingml/2006/main" xmlns:r="http://schemas.openxmlformats.org/officeDocument/2006/relationships" xmlns:p="http://schemas.openxmlformats.org/presentationml/2006/main">
+  <p:cSld>
+    <p:spTree>
+      <p:nvGrpSpPr>
+        <p:cNvPr id="1" name=""/>
+        <p:cNvGrpSpPr/>
+        <p:nvPr/>
+      </p:nvGrpSpPr>
+      <p:grpSpPr>
+        <a:xfrm>
+          <a:off x="0" y="0"/>
+          <a:ext cx="0" cy="0"/>
+          <a:chOff x="0" y="0"/>
+          <a:chExt cx="0" cy="0"/>
+        </a:xfrm>
+      </p:grpSpPr>
+      <p:sp>
+        <p:nvSpPr>
+          <p:cNvPr id="2" name="Title 1"/>
+          <p:cNvSpPr>
+            <a:spLocks noGrp="1"/>
+          </p:cNvSpPr>
+          <p:nvPr>
+            <p:ph type="title"/>
+          </p:nvPr>
+        </p:nvSpPr>
+        <p:spPr/>
+        <p:txBody>
+          <a:bodyPr/>
+          <a:lstStyle/>
+          <a:p>
+            <a:r>
+              <a:rPr lang="en-US" dirty="0" smtClean="0"/>
+              <a:t>Using Spark Packages</a:t>
+            </a:r>
+            <a:endParaRPr lang="en-US" dirty="0"/>
+          </a:p>
+        </p:txBody>
+      </p:sp>
+      <p:sp>
+        <p:nvSpPr>
+          <p:cNvPr id="3" name="Content Placeholder 2"/>
+          <p:cNvSpPr>
+            <a:spLocks noGrp="1"/>
+          </p:cNvSpPr>
+          <p:nvPr>
+            <p:ph idx="1"/>
+          </p:nvPr>
+        </p:nvSpPr>
+        <p:spPr/>
+        <p:txBody>
+          <a:bodyPr/>
+          <a:lstStyle/>
+          <a:p>
+            <a:pPr marL="0" indent="0">
+              <a:buNone/>
+            </a:pPr>
+            <a:r>
+              <a:rPr lang="en-US" dirty="0" smtClean="0"/>
+              <a:t>Automatic download from the web:</a:t>
+            </a:r>
+          </a:p>
+          <a:p>
+            <a:pPr marL="0" indent="0">
+              <a:buNone/>
+            </a:pPr>
+            <a:endParaRPr lang="en-US" dirty="0"/>
+          </a:p>
+          <a:p>
+            <a:pPr marL="0" indent="0">
+              <a:buNone/>
+            </a:pPr>
+            <a:endParaRPr lang="en-US" dirty="0" smtClean="0"/>
+          </a:p>
+          <a:p>
+            <a:pPr marL="0" indent="0">
+              <a:buNone/>
+            </a:pPr>
+            <a:r>
+              <a:rPr lang="en-US" sz="2400" dirty="0" smtClean="0"/>
+              <a:t>bin</a:t>
+            </a:r>
+            <a:r>
+              <a:rPr lang="en-US" sz="2400" dirty="0"/>
+              <a:t>/spark-shell </a:t>
+            </a:r>
+            <a:endParaRPr lang="en-US" sz="2400" dirty="0" smtClean="0"/>
+          </a:p>
+          <a:p>
+            <a:pPr marL="457200" lvl="1" indent="0">
+              <a:buNone/>
+            </a:pPr>
+            <a:r>
+              <a:rPr lang="en-US" sz="2400" dirty="0" smtClean="0"/>
+              <a:t>-</a:t>
+            </a:r>
+            <a:r>
+              <a:rPr lang="en-US" sz="2400" dirty="0"/>
+              <a:t>-packages com.databricks:spark-csv_2.11:1.2.0</a:t>
+            </a:r>
+          </a:p>
+        </p:txBody>
+      </p:sp>
+    </p:spTree>
+    <p:extLst>
+      <p:ext uri="{BB962C8B-B14F-4D97-AF65-F5344CB8AC3E}">
+        <p14:creationId xmlns:p14="http://schemas.microsoft.com/office/powerpoint/2010/main" val="2390105459"/>
+      </p:ext>
+    </p:extLst>
+  </p:cSld>
+  <p:clrMapOvr>
+    <a:masterClrMapping/>
+  </p:clrMapOvr>
+</p:sld>
+</file>
+
+<file path=ppt/slides/slide24.xml><?xml version="1.0" encoding="utf-8"?>
+<p:sld xmlns:a="http://schemas.openxmlformats.org/drawingml/2006/main" xmlns:r="http://schemas.openxmlformats.org/officeDocument/2006/relationships" xmlns:p="http://schemas.openxmlformats.org/presentationml/2006/main">
+  <p:cSld>
+    <p:spTree>
+      <p:nvGrpSpPr>
+        <p:cNvPr id="1" name=""/>
+        <p:cNvGrpSpPr/>
+        <p:nvPr/>
+      </p:nvGrpSpPr>
+      <p:grpSpPr>
+        <a:xfrm>
+          <a:off x="0" y="0"/>
+          <a:ext cx="0" cy="0"/>
+          <a:chOff x="0" y="0"/>
+          <a:chExt cx="0" cy="0"/>
+        </a:xfrm>
+      </p:grpSpPr>
+      <p:sp>
+        <p:nvSpPr>
+          <p:cNvPr id="2" name="Title 1"/>
+          <p:cNvSpPr>
+            <a:spLocks noGrp="1"/>
+          </p:cNvSpPr>
+          <p:nvPr>
+            <p:ph type="title"/>
+          </p:nvPr>
+        </p:nvSpPr>
+        <p:spPr/>
+        <p:txBody>
+          <a:bodyPr/>
+          <a:lstStyle/>
+          <a:p>
+            <a:r>
+              <a:rPr lang="en-US" dirty="0" smtClean="0"/>
+              <a:t>Time for a lab!</a:t>
+            </a:r>
+            <a:endParaRPr lang="en-US" dirty="0"/>
+          </a:p>
+        </p:txBody>
+      </p:sp>
+    </p:spTree>
+    <p:extLst>
+      <p:ext uri="{BB962C8B-B14F-4D97-AF65-F5344CB8AC3E}">
+        <p14:creationId xmlns:p14="http://schemas.microsoft.com/office/powerpoint/2010/main" val="816383995"/>
+      </p:ext>
+    </p:extLst>
+  </p:cSld>
+  <p:clrMapOvr>
+    <a:masterClrMapping/>
+  </p:clrMapOvr>
+</p:sld>
+</file>
+
+<file path=ppt/slides/slide25.xml><?xml version="1.0" encoding="utf-8"?>
+<p:sld xmlns:a="http://schemas.openxmlformats.org/drawingml/2006/main" xmlns:r="http://schemas.openxmlformats.org/officeDocument/2006/relationships" xmlns:p="http://schemas.openxmlformats.org/presentationml/2006/main">
+  <p:cSld>
+    <p:spTree>
+      <p:nvGrpSpPr>
+        <p:cNvPr id="1" name=""/>
+        <p:cNvGrpSpPr/>
+        <p:nvPr/>
+      </p:nvGrpSpPr>
+      <p:grpSpPr>
+        <a:xfrm>
+          <a:off x="0" y="0"/>
+          <a:ext cx="0" cy="0"/>
+          <a:chOff x="0" y="0"/>
+          <a:chExt cx="0" cy="0"/>
+        </a:xfrm>
+      </p:grpSpPr>
+      <p:sp>
+        <p:nvSpPr>
+          <p:cNvPr id="2" name="Title 1"/>
+          <p:cNvSpPr>
+            <a:spLocks noGrp="1"/>
+          </p:cNvSpPr>
+          <p:nvPr>
+            <p:ph type="title"/>
+          </p:nvPr>
+        </p:nvSpPr>
+        <p:spPr/>
+        <p:txBody>
+          <a:bodyPr/>
+          <a:lstStyle/>
+          <a:p>
+            <a:r>
+              <a:rPr lang="en-US" dirty="0" smtClean="0"/>
+              <a:t>Locality</a:t>
+            </a:r>
+            <a:endParaRPr lang="en-US" dirty="0"/>
+          </a:p>
+        </p:txBody>
+      </p:sp>
+      <p:sp>
+        <p:nvSpPr>
+          <p:cNvPr id="3" name="Content Placeholder 2"/>
+          <p:cNvSpPr>
+            <a:spLocks noGrp="1"/>
+          </p:cNvSpPr>
+          <p:nvPr>
+            <p:ph idx="1"/>
+          </p:nvPr>
+        </p:nvSpPr>
+        <p:spPr/>
+        <p:txBody>
+          <a:bodyPr/>
+          <a:lstStyle/>
+          <a:p>
+            <a:r>
+              <a:rPr lang="en-US" dirty="0" smtClean="0"/>
+              <a:t>Spark understands the locality of data:</a:t>
+            </a:r>
+          </a:p>
+          <a:p>
+            <a:pPr lvl="1"/>
+            <a:r>
+              <a:rPr lang="en-US" dirty="0" smtClean="0"/>
+              <a:t>Already in memory</a:t>
+            </a:r>
+          </a:p>
+          <a:p>
+            <a:pPr lvl="1"/>
+            <a:r>
+              <a:rPr lang="en-US" dirty="0" smtClean="0"/>
+              <a:t>HDFS location</a:t>
+            </a:r>
+          </a:p>
+          <a:p>
+            <a:pPr lvl="1"/>
+            <a:r>
+              <a:rPr lang="en-US" dirty="0" smtClean="0"/>
+              <a:t>Cassandra location</a:t>
+            </a:r>
+            <a:endParaRPr lang="en-US" dirty="0"/>
+          </a:p>
+        </p:txBody>
+      </p:sp>
+    </p:spTree>
+    <p:extLst>
+      <p:ext uri="{BB962C8B-B14F-4D97-AF65-F5344CB8AC3E}">
+        <p14:creationId xmlns:p14="http://schemas.microsoft.com/office/powerpoint/2010/main" val="546616968"/>
+      </p:ext>
+    </p:extLst>
+  </p:cSld>
+  <p:clrMapOvr>
+    <a:masterClrMapping/>
+  </p:clrMapOvr>
+</p:sld>
+</file>
+
+<file path=ppt/slides/slide26.xml><?xml version="1.0" encoding="utf-8"?>
+<p:sld xmlns:a="http://schemas.openxmlformats.org/drawingml/2006/main" xmlns:r="http://schemas.openxmlformats.org/officeDocument/2006/relationships" xmlns:p="http://schemas.openxmlformats.org/presentationml/2006/main">
+  <p:cSld>
+    <p:spTree>
+      <p:nvGrpSpPr>
+        <p:cNvPr id="1" name=""/>
+        <p:cNvGrpSpPr/>
+        <p:nvPr/>
+      </p:nvGrpSpPr>
+      <p:grpSpPr>
+        <a:xfrm>
+          <a:off x="0" y="0"/>
+          <a:ext cx="0" cy="0"/>
+          <a:chOff x="0" y="0"/>
+          <a:chExt cx="0" cy="0"/>
+        </a:xfrm>
+      </p:grpSpPr>
+      <p:sp>
+        <p:nvSpPr>
+          <p:cNvPr id="2" name="Title 1"/>
+          <p:cNvSpPr>
+            <a:spLocks noGrp="1"/>
+          </p:cNvSpPr>
+          <p:nvPr>
+            <p:ph type="title"/>
+          </p:nvPr>
+        </p:nvSpPr>
+        <p:spPr/>
+        <p:txBody>
+          <a:bodyPr/>
+          <a:lstStyle/>
+          <a:p>
+            <a:r>
+              <a:rPr lang="en-US" dirty="0" smtClean="0"/>
+              <a:t>Spark Extras</a:t>
+            </a:r>
+            <a:endParaRPr lang="en-US" dirty="0"/>
+          </a:p>
+        </p:txBody>
+      </p:sp>
+      <p:sp>
+        <p:nvSpPr>
+          <p:cNvPr id="4" name="Rounded Rectangle 3"/>
+          <p:cNvSpPr/>
+          <p:nvPr/>
+        </p:nvSpPr>
+        <p:spPr>
+          <a:xfrm>
+            <a:off x="812800" y="4510708"/>
+            <a:ext cx="7467600" cy="1117600"/>
+          </a:xfrm>
+          <a:prstGeom prst="roundRect">
+            <a:avLst/>
+          </a:prstGeom>
+        </p:spPr>
+        <p:style>
+          <a:lnRef idx="1">
+            <a:schemeClr val="accent1"/>
+          </a:lnRef>
+          <a:fillRef idx="2">
+            <a:schemeClr val="accent1"/>
+          </a:fillRef>
+          <a:effectRef idx="1">
+            <a:schemeClr val="accent1"/>
+          </a:effectRef>
+          <a:fontRef idx="minor">
+            <a:schemeClr val="dk1"/>
+          </a:fontRef>
+        </p:style>
+        <p:txBody>
+          <a:bodyPr rtlCol="0" anchor="ctr"/>
+          <a:lstStyle/>
+          <a:p>
+            <a:pPr algn="ctr"/>
+            <a:r>
+              <a:rPr lang="en-US" sz="2800" dirty="0" smtClean="0">
+                <a:latin typeface="Montserrat"/>
+              </a:rPr>
+              <a:t>Spark Core</a:t>
+            </a:r>
+            <a:endParaRPr lang="en-US" sz="2800" dirty="0">
+              <a:latin typeface="Montserrat"/>
+            </a:endParaRPr>
+          </a:p>
+        </p:txBody>
+      </p:sp>
+      <p:sp>
+        <p:nvSpPr>
+          <p:cNvPr id="5" name="Rounded Rectangle 4"/>
+          <p:cNvSpPr/>
+          <p:nvPr/>
+        </p:nvSpPr>
+        <p:spPr>
+          <a:xfrm>
+            <a:off x="812800" y="1902148"/>
+            <a:ext cx="1371600" cy="2463800"/>
+          </a:xfrm>
+          <a:prstGeom prst="roundRect">
+            <a:avLst/>
+          </a:prstGeom>
+        </p:spPr>
+        <p:style>
+          <a:lnRef idx="1">
+            <a:schemeClr val="accent4"/>
+          </a:lnRef>
+          <a:fillRef idx="2">
+            <a:schemeClr val="accent4"/>
+          </a:fillRef>
+          <a:effectRef idx="1">
+            <a:schemeClr val="accent4"/>
+          </a:effectRef>
+          <a:fontRef idx="minor">
+            <a:schemeClr val="dk1"/>
+          </a:fontRef>
+        </p:style>
+        <p:txBody>
+          <a:bodyPr rtlCol="0" anchor="ctr"/>
+          <a:lstStyle/>
+          <a:p>
+            <a:pPr algn="ctr"/>
+            <a:r>
+              <a:rPr lang="en-US" sz="1400" dirty="0" smtClean="0">
+                <a:latin typeface="Montserrat"/>
+              </a:rPr>
+              <a:t>Spark </a:t>
+            </a:r>
+          </a:p>
+          <a:p>
+            <a:pPr algn="ctr"/>
+            <a:r>
+              <a:rPr lang="en-US" sz="1400" dirty="0" smtClean="0">
+                <a:latin typeface="Montserrat"/>
+              </a:rPr>
+              <a:t>SQL</a:t>
+            </a:r>
+            <a:endParaRPr lang="en-US" sz="1400" dirty="0">
+              <a:latin typeface="Montserrat"/>
+            </a:endParaRPr>
+          </a:p>
+        </p:txBody>
+      </p:sp>
+      <p:sp>
+        <p:nvSpPr>
+          <p:cNvPr id="6" name="Rounded Rectangle 5"/>
+          <p:cNvSpPr/>
+          <p:nvPr/>
+        </p:nvSpPr>
+        <p:spPr>
+          <a:xfrm>
+            <a:off x="2336800" y="1902148"/>
+            <a:ext cx="1371600" cy="2463800"/>
+          </a:xfrm>
+          <a:prstGeom prst="roundRect">
+            <a:avLst/>
+          </a:prstGeom>
+        </p:spPr>
+        <p:style>
+          <a:lnRef idx="1">
+            <a:schemeClr val="accent4"/>
+          </a:lnRef>
+          <a:fillRef idx="2">
+            <a:schemeClr val="accent4"/>
+          </a:fillRef>
+          <a:effectRef idx="1">
+            <a:schemeClr val="accent4"/>
+          </a:effectRef>
+          <a:fontRef idx="minor">
+            <a:schemeClr val="dk1"/>
+          </a:fontRef>
+        </p:style>
+        <p:txBody>
+          <a:bodyPr rtlCol="0" anchor="ctr"/>
+          <a:lstStyle/>
+          <a:p>
+            <a:pPr algn="ctr"/>
+            <a:r>
+              <a:rPr lang="en-US" sz="1400" dirty="0" smtClean="0">
+                <a:latin typeface="Montserrat"/>
+              </a:rPr>
+              <a:t>Spark Streaming</a:t>
+            </a:r>
+            <a:endParaRPr lang="en-US" sz="1400" dirty="0">
+              <a:latin typeface="Montserrat"/>
+            </a:endParaRPr>
+          </a:p>
+        </p:txBody>
+      </p:sp>
+      <p:sp>
+        <p:nvSpPr>
+          <p:cNvPr id="7" name="Rounded Rectangle 6"/>
+          <p:cNvSpPr/>
+          <p:nvPr/>
+        </p:nvSpPr>
+        <p:spPr>
+          <a:xfrm>
+            <a:off x="3860800" y="1902148"/>
+            <a:ext cx="1371600" cy="2463800"/>
+          </a:xfrm>
+          <a:prstGeom prst="roundRect">
+            <a:avLst/>
+          </a:prstGeom>
+        </p:spPr>
+        <p:style>
+          <a:lnRef idx="1">
+            <a:schemeClr val="accent4"/>
+          </a:lnRef>
+          <a:fillRef idx="2">
+            <a:schemeClr val="accent4"/>
+          </a:fillRef>
+          <a:effectRef idx="1">
+            <a:schemeClr val="accent4"/>
+          </a:effectRef>
+          <a:fontRef idx="minor">
+            <a:schemeClr val="dk1"/>
+          </a:fontRef>
+        </p:style>
+        <p:txBody>
+          <a:bodyPr rtlCol="0" anchor="ctr"/>
+          <a:lstStyle/>
+          <a:p>
+            <a:pPr algn="ctr"/>
+            <a:r>
+              <a:rPr lang="en-US" sz="1400" dirty="0" smtClean="0">
+                <a:latin typeface="Montserrat"/>
+              </a:rPr>
+              <a:t>Spark</a:t>
+            </a:r>
+          </a:p>
+          <a:p>
+            <a:pPr algn="ctr"/>
+            <a:r>
+              <a:rPr lang="en-US" sz="1400" dirty="0" smtClean="0">
+                <a:latin typeface="Montserrat"/>
+              </a:rPr>
+              <a:t>MLlib	</a:t>
+            </a:r>
+          </a:p>
+        </p:txBody>
+      </p:sp>
+      <p:sp>
+        <p:nvSpPr>
+          <p:cNvPr id="8" name="Rounded Rectangle 7"/>
+          <p:cNvSpPr/>
+          <p:nvPr/>
+        </p:nvSpPr>
+        <p:spPr>
+          <a:xfrm>
+            <a:off x="5384800" y="1902148"/>
+            <a:ext cx="1371600" cy="2463800"/>
+          </a:xfrm>
+          <a:prstGeom prst="roundRect">
+            <a:avLst/>
+          </a:prstGeom>
+        </p:spPr>
+        <p:style>
+          <a:lnRef idx="1">
+            <a:schemeClr val="accent4"/>
+          </a:lnRef>
+          <a:fillRef idx="2">
+            <a:schemeClr val="accent4"/>
+          </a:fillRef>
+          <a:effectRef idx="1">
+            <a:schemeClr val="accent4"/>
+          </a:effectRef>
+          <a:fontRef idx="minor">
+            <a:schemeClr val="dk1"/>
+          </a:fontRef>
+        </p:style>
+        <p:txBody>
+          <a:bodyPr rtlCol="0" anchor="ctr"/>
+          <a:lstStyle/>
+          <a:p>
+            <a:pPr algn="ctr"/>
+            <a:r>
+              <a:rPr lang="en-US" sz="1400" dirty="0" err="1" smtClean="0">
+                <a:latin typeface="Montserrat"/>
+              </a:rPr>
+              <a:t>SparkR</a:t>
+            </a:r>
+            <a:endParaRPr lang="en-US" sz="1400" dirty="0">
+              <a:latin typeface="Montserrat"/>
+            </a:endParaRPr>
+          </a:p>
+        </p:txBody>
+      </p:sp>
+      <p:sp>
+        <p:nvSpPr>
+          <p:cNvPr id="9" name="Rounded Rectangle 8"/>
+          <p:cNvSpPr/>
+          <p:nvPr/>
+        </p:nvSpPr>
+        <p:spPr>
+          <a:xfrm>
+            <a:off x="6908800" y="1902148"/>
+            <a:ext cx="1371600" cy="2463800"/>
+          </a:xfrm>
+          <a:prstGeom prst="roundRect">
+            <a:avLst/>
+          </a:prstGeom>
+        </p:spPr>
+        <p:style>
+          <a:lnRef idx="1">
+            <a:schemeClr val="accent4"/>
+          </a:lnRef>
+          <a:fillRef idx="2">
+            <a:schemeClr val="accent4"/>
+          </a:fillRef>
+          <a:effectRef idx="1">
+            <a:schemeClr val="accent4"/>
+          </a:effectRef>
+          <a:fontRef idx="minor">
+            <a:schemeClr val="dk1"/>
+          </a:fontRef>
+        </p:style>
+        <p:txBody>
+          <a:bodyPr rtlCol="0" anchor="ctr"/>
+          <a:lstStyle/>
+          <a:p>
+            <a:pPr algn="ctr"/>
+            <a:r>
+              <a:rPr lang="en-US" sz="1400" dirty="0" err="1" smtClean="0">
+                <a:latin typeface="Montserrat"/>
+              </a:rPr>
+              <a:t>GraphX</a:t>
+            </a:r>
+            <a:endParaRPr lang="en-US" sz="1400" dirty="0">
+              <a:latin typeface="Montserrat"/>
+            </a:endParaRPr>
+          </a:p>
+        </p:txBody>
+      </p:sp>
+    </p:spTree>
+    <p:extLst>
+      <p:ext uri="{BB962C8B-B14F-4D97-AF65-F5344CB8AC3E}">
+        <p14:creationId xmlns:p14="http://schemas.microsoft.com/office/powerpoint/2010/main" val="1179171226"/>
+      </p:ext>
+    </p:extLst>
+  </p:cSld>
+  <p:clrMapOvr>
+    <a:masterClrMapping/>
+  </p:clrMapOvr>
+</p:sld>
+</file>
+
+<file path=ppt/slides/slide27.xml><?xml version="1.0" encoding="utf-8"?>
+<p:sld xmlns:a="http://schemas.openxmlformats.org/drawingml/2006/main" xmlns:r="http://schemas.openxmlformats.org/officeDocument/2006/relationships" xmlns:p="http://schemas.openxmlformats.org/presentationml/2006/main">
+  <p:cSld>
+    <p:spTree>
+      <p:nvGrpSpPr>
+        <p:cNvPr id="1" name=""/>
+        <p:cNvGrpSpPr/>
+        <p:nvPr/>
+      </p:nvGrpSpPr>
+      <p:grpSpPr>
+        <a:xfrm>
+          <a:off x="0" y="0"/>
+          <a:ext cx="0" cy="0"/>
+          <a:chOff x="0" y="0"/>
+          <a:chExt cx="0" cy="0"/>
+        </a:xfrm>
+      </p:grpSpPr>
+      <p:sp>
+        <p:nvSpPr>
+          <p:cNvPr id="2" name="Title 1"/>
+          <p:cNvSpPr>
+            <a:spLocks noGrp="1"/>
+          </p:cNvSpPr>
+          <p:nvPr>
+            <p:ph type="title"/>
+          </p:nvPr>
+        </p:nvSpPr>
+        <p:spPr/>
+        <p:txBody>
+          <a:bodyPr/>
+          <a:lstStyle/>
+          <a:p>
+            <a:r>
+              <a:rPr lang="en-US" dirty="0" smtClean="0"/>
+              <a:t>Spark Extras</a:t>
+            </a:r>
+            <a:endParaRPr lang="en-US" dirty="0"/>
+          </a:p>
+        </p:txBody>
+      </p:sp>
+      <p:sp>
+        <p:nvSpPr>
+          <p:cNvPr id="3" name="Content Placeholder 2"/>
+          <p:cNvSpPr>
+            <a:spLocks noGrp="1"/>
+          </p:cNvSpPr>
+          <p:nvPr>
+            <p:ph idx="1"/>
+          </p:nvPr>
+        </p:nvSpPr>
+        <p:spPr/>
+        <p:txBody>
+          <a:bodyPr>
+            <a:normAutofit fontScale="92500" lnSpcReduction="20000"/>
+          </a:bodyPr>
+          <a:lstStyle/>
+          <a:p>
+            <a:r>
+              <a:rPr lang="en-US" dirty="0" smtClean="0"/>
+              <a:t>Spark SQL</a:t>
+            </a:r>
+          </a:p>
+          <a:p>
+            <a:pPr lvl="1"/>
+            <a:r>
+              <a:rPr lang="en-US" dirty="0" smtClean="0"/>
+              <a:t>Like Apache Hive – use SQL in Spark</a:t>
+            </a:r>
+          </a:p>
+          <a:p>
+            <a:r>
+              <a:rPr lang="en-US" dirty="0" smtClean="0"/>
+              <a:t>Spark Streaming	</a:t>
+            </a:r>
+          </a:p>
+          <a:p>
+            <a:pPr lvl="1"/>
+            <a:r>
+              <a:rPr lang="en-US" dirty="0" err="1" smtClean="0"/>
+              <a:t>Realtime</a:t>
+            </a:r>
+            <a:r>
+              <a:rPr lang="en-US" dirty="0" smtClean="0"/>
+              <a:t> analysis </a:t>
+            </a:r>
+            <a:r>
+              <a:rPr lang="en-US" smtClean="0"/>
+              <a:t>in Spark</a:t>
+            </a:r>
+            <a:endParaRPr lang="en-US" dirty="0" smtClean="0"/>
+          </a:p>
+          <a:p>
+            <a:r>
+              <a:rPr lang="en-US" dirty="0" smtClean="0"/>
+              <a:t>Spark </a:t>
+            </a:r>
+            <a:r>
+              <a:rPr lang="en-US" dirty="0" err="1" smtClean="0"/>
+              <a:t>MLLib</a:t>
+            </a:r>
+            <a:endParaRPr lang="en-US" dirty="0" smtClean="0"/>
+          </a:p>
+          <a:p>
+            <a:pPr lvl="1"/>
+            <a:r>
+              <a:rPr lang="en-US" dirty="0" smtClean="0"/>
+              <a:t>Like Mahout – Machine learning in Spark</a:t>
+            </a:r>
+          </a:p>
+          <a:p>
+            <a:r>
+              <a:rPr lang="en-US" dirty="0" err="1" smtClean="0"/>
+              <a:t>GraphX</a:t>
+            </a:r>
+            <a:endParaRPr lang="en-US" dirty="0" smtClean="0"/>
+          </a:p>
+          <a:p>
+            <a:pPr lvl="1"/>
+            <a:r>
+              <a:rPr lang="en-US" dirty="0" smtClean="0"/>
+              <a:t>Graph processing in Spark</a:t>
+            </a:r>
+          </a:p>
+          <a:p>
+            <a:r>
+              <a:rPr lang="en-US" dirty="0" err="1" smtClean="0"/>
+              <a:t>SparkR</a:t>
+            </a:r>
+            <a:endParaRPr lang="en-US" dirty="0" smtClean="0"/>
+          </a:p>
+          <a:p>
+            <a:pPr lvl="1"/>
+            <a:r>
+              <a:rPr lang="en-US" dirty="0" smtClean="0"/>
+              <a:t>R statistical analysis on Spark</a:t>
+            </a:r>
+            <a:endParaRPr lang="en-US" dirty="0"/>
+          </a:p>
+        </p:txBody>
+      </p:sp>
+    </p:spTree>
+    <p:extLst>
+      <p:ext uri="{BB962C8B-B14F-4D97-AF65-F5344CB8AC3E}">
+        <p14:creationId xmlns:p14="http://schemas.microsoft.com/office/powerpoint/2010/main" val="2973337137"/>
+      </p:ext>
+    </p:extLst>
+  </p:cSld>
+  <p:clrMapOvr>
+    <a:masterClrMapping/>
+  </p:clrMapOvr>
+</p:sld>
+</file>
+
+<file path=ppt/slides/slide28.xml><?xml version="1.0" encoding="utf-8"?>
+<p:sld xmlns:a="http://schemas.openxmlformats.org/drawingml/2006/main" xmlns:r="http://schemas.openxmlformats.org/officeDocument/2006/relationships" xmlns:p="http://schemas.openxmlformats.org/presentationml/2006/main">
+  <p:cSld>
+    <p:spTree>
+      <p:nvGrpSpPr>
+        <p:cNvPr id="1" name=""/>
+        <p:cNvGrpSpPr/>
+        <p:nvPr/>
+      </p:nvGrpSpPr>
+      <p:grpSpPr>
+        <a:xfrm>
+          <a:off x="0" y="0"/>
+          <a:ext cx="0" cy="0"/>
+          <a:chOff x="0" y="0"/>
+          <a:chExt cx="0" cy="0"/>
+        </a:xfrm>
+      </p:grpSpPr>
+      <p:sp>
+        <p:nvSpPr>
+          <p:cNvPr id="2" name="Title 1"/>
+          <p:cNvSpPr>
+            <a:spLocks noGrp="1"/>
+          </p:cNvSpPr>
+          <p:nvPr>
+            <p:ph type="title"/>
+          </p:nvPr>
+        </p:nvSpPr>
+        <p:spPr/>
+        <p:txBody>
+          <a:bodyPr/>
+          <a:lstStyle/>
+          <a:p>
+            <a:r>
+              <a:rPr lang="en-US" dirty="0" err="1" smtClean="0"/>
+              <a:t>SparkSQL</a:t>
+            </a:r>
+            <a:endParaRPr lang="en-US" dirty="0"/>
+          </a:p>
+        </p:txBody>
+      </p:sp>
+      <p:sp>
+        <p:nvSpPr>
+          <p:cNvPr id="3" name="Content Placeholder 2"/>
+          <p:cNvSpPr>
+            <a:spLocks noGrp="1"/>
+          </p:cNvSpPr>
+          <p:nvPr>
+            <p:ph idx="1"/>
+          </p:nvPr>
+        </p:nvSpPr>
+        <p:spPr/>
+        <p:txBody>
+          <a:bodyPr>
+            <a:normAutofit fontScale="92500" lnSpcReduction="10000"/>
+          </a:bodyPr>
+          <a:lstStyle/>
+          <a:p>
+            <a:r>
+              <a:rPr lang="en-US" dirty="0" smtClean="0"/>
+              <a:t>Integrates into existing Spark programs</a:t>
+            </a:r>
+          </a:p>
+          <a:p>
+            <a:pPr lvl="1"/>
+            <a:r>
+              <a:rPr lang="en-US" dirty="0" smtClean="0"/>
+              <a:t>Mixes SQL with Python, </a:t>
+            </a:r>
+            <a:r>
+              <a:rPr lang="en-US" dirty="0" err="1" smtClean="0"/>
+              <a:t>Scala</a:t>
+            </a:r>
+            <a:r>
+              <a:rPr lang="en-US" dirty="0" smtClean="0"/>
+              <a:t> or Java</a:t>
+            </a:r>
+          </a:p>
+          <a:p>
+            <a:r>
+              <a:rPr lang="en-US" dirty="0" smtClean="0"/>
+              <a:t>Integrates data from CSV, Avro, Parquet, JDBC, ODBC, JSON, </a:t>
+            </a:r>
+            <a:r>
+              <a:rPr lang="en-US" dirty="0" err="1" smtClean="0"/>
+              <a:t>etc</a:t>
+            </a:r>
+            <a:endParaRPr lang="en-US" dirty="0" smtClean="0"/>
+          </a:p>
+          <a:p>
+            <a:pPr lvl="1"/>
+            <a:r>
+              <a:rPr lang="en-US" dirty="0" smtClean="0"/>
+              <a:t>Including joins across them</a:t>
+            </a:r>
+          </a:p>
+          <a:p>
+            <a:r>
+              <a:rPr lang="en-US" dirty="0" smtClean="0"/>
+              <a:t>Fully supports Apache Hive</a:t>
+            </a:r>
+          </a:p>
+          <a:p>
+            <a:pPr lvl="1"/>
+            <a:r>
+              <a:rPr lang="en-US" i="1" dirty="0" smtClean="0"/>
+              <a:t>If you build it with Hive support</a:t>
+            </a:r>
+          </a:p>
+          <a:p>
+            <a:r>
+              <a:rPr lang="en-US" dirty="0" smtClean="0"/>
+              <a:t>Fits into the resilient scalable model of Spark</a:t>
+            </a:r>
+            <a:endParaRPr lang="en-US" dirty="0"/>
+          </a:p>
+        </p:txBody>
+      </p:sp>
+    </p:spTree>
+    <p:extLst>
+      <p:ext uri="{BB962C8B-B14F-4D97-AF65-F5344CB8AC3E}">
+        <p14:creationId xmlns:p14="http://schemas.microsoft.com/office/powerpoint/2010/main" val="2727632874"/>
+      </p:ext>
+    </p:extLst>
+  </p:cSld>
+  <p:clrMapOvr>
+    <a:masterClrMapping/>
+  </p:clrMapOvr>
+</p:sld>
+</file>
+
+<file path=ppt/slides/slide29.xml><?xml version="1.0" encoding="utf-8"?>
+<p:sld xmlns:a="http://schemas.openxmlformats.org/drawingml/2006/main" xmlns:r="http://schemas.openxmlformats.org/officeDocument/2006/relationships" xmlns:p="http://schemas.openxmlformats.org/presentationml/2006/main">
+  <p:cSld>
+    <p:spTree>
+      <p:nvGrpSpPr>
+        <p:cNvPr id="1" name=""/>
+        <p:cNvGrpSpPr/>
+        <p:nvPr/>
+      </p:nvGrpSpPr>
+      <p:grpSpPr>
+        <a:xfrm>
+          <a:off x="0" y="0"/>
+          <a:ext cx="0" cy="0"/>
+          <a:chOff x="0" y="0"/>
+          <a:chExt cx="0" cy="0"/>
+        </a:xfrm>
+      </p:grpSpPr>
+      <p:sp>
+        <p:nvSpPr>
+          <p:cNvPr id="2" name="Title 1"/>
+          <p:cNvSpPr>
+            <a:spLocks noGrp="1"/>
+          </p:cNvSpPr>
+          <p:nvPr>
+            <p:ph type="title"/>
+          </p:nvPr>
+        </p:nvSpPr>
+        <p:spPr/>
+        <p:txBody>
+          <a:bodyPr/>
+          <a:lstStyle/>
+          <a:p>
+            <a:r>
+              <a:rPr lang="en-US" dirty="0" smtClean="0"/>
+              <a:t>Spark SQL example</a:t>
+            </a:r>
+            <a:endParaRPr lang="en-US" dirty="0"/>
+          </a:p>
+        </p:txBody>
+      </p:sp>
+      <p:sp>
+        <p:nvSpPr>
+          <p:cNvPr id="3" name="Content Placeholder 2"/>
+          <p:cNvSpPr>
+            <a:spLocks noGrp="1"/>
+          </p:cNvSpPr>
+          <p:nvPr>
+            <p:ph idx="1"/>
+          </p:nvPr>
+        </p:nvSpPr>
+        <p:spPr/>
+        <p:txBody>
+          <a:bodyPr>
+            <a:normAutofit fontScale="47500" lnSpcReduction="20000"/>
+          </a:bodyPr>
+          <a:lstStyle/>
+          <a:p>
+            <a:pPr marL="0" indent="0">
+              <a:buNone/>
+            </a:pPr>
+            <a:r>
+              <a:rPr lang="en-US" dirty="0">
+                <a:latin typeface="Lucida Console"/>
+                <a:cs typeface="Lucida Console"/>
+              </a:rPr>
+              <a:t>from </a:t>
+            </a:r>
+            <a:r>
+              <a:rPr lang="en-US" dirty="0" err="1">
+                <a:latin typeface="Lucida Console"/>
+                <a:cs typeface="Lucida Console"/>
+              </a:rPr>
+              <a:t>pyspark.sql</a:t>
+            </a:r>
+            <a:r>
+              <a:rPr lang="en-US" dirty="0">
+                <a:latin typeface="Lucida Console"/>
+                <a:cs typeface="Lucida Console"/>
+              </a:rPr>
+              <a:t> import </a:t>
+            </a:r>
+            <a:r>
+              <a:rPr lang="en-US" dirty="0" err="1">
+                <a:latin typeface="Lucida Console"/>
+                <a:cs typeface="Lucida Console"/>
+              </a:rPr>
+              <a:t>SQLContext</a:t>
+            </a:r>
+            <a:r>
+              <a:rPr lang="en-US" dirty="0">
+                <a:latin typeface="Lucida Console"/>
+                <a:cs typeface="Lucida Console"/>
+              </a:rPr>
+              <a:t>, Row</a:t>
+            </a:r>
+          </a:p>
+          <a:p>
+            <a:pPr marL="0" indent="0">
+              <a:buNone/>
+            </a:pPr>
+            <a:r>
+              <a:rPr lang="en-US" dirty="0" err="1">
+                <a:latin typeface="Lucida Console"/>
+                <a:cs typeface="Lucida Console"/>
+              </a:rPr>
+              <a:t>sqlContext</a:t>
+            </a:r>
+            <a:r>
+              <a:rPr lang="en-US" dirty="0">
+                <a:latin typeface="Lucida Console"/>
+                <a:cs typeface="Lucida Console"/>
+              </a:rPr>
+              <a:t> = </a:t>
+            </a:r>
+            <a:r>
+              <a:rPr lang="en-US" dirty="0" err="1">
+                <a:latin typeface="Lucida Console"/>
+                <a:cs typeface="Lucida Console"/>
+              </a:rPr>
+              <a:t>SQLContext</a:t>
+            </a:r>
+            <a:r>
+              <a:rPr lang="en-US" dirty="0">
+                <a:latin typeface="Lucida Console"/>
+                <a:cs typeface="Lucida Console"/>
+              </a:rPr>
+              <a:t>(</a:t>
+            </a:r>
+            <a:r>
+              <a:rPr lang="en-US" dirty="0" err="1">
+                <a:latin typeface="Lucida Console"/>
+                <a:cs typeface="Lucida Console"/>
+              </a:rPr>
+              <a:t>sc</a:t>
+            </a:r>
+            <a:r>
+              <a:rPr lang="en-US" dirty="0">
+                <a:latin typeface="Lucida Console"/>
+                <a:cs typeface="Lucida Console"/>
+              </a:rPr>
+              <a:t>)</a:t>
+            </a:r>
+          </a:p>
+          <a:p>
+            <a:pPr marL="0" indent="0">
+              <a:buNone/>
+            </a:pPr>
+            <a:endParaRPr lang="en-US" dirty="0">
+              <a:latin typeface="Lucida Console"/>
+              <a:cs typeface="Lucida Console"/>
+            </a:endParaRPr>
+          </a:p>
+          <a:p>
+            <a:pPr marL="0" indent="0">
+              <a:buNone/>
+            </a:pPr>
+            <a:r>
+              <a:rPr lang="en-US" dirty="0">
+                <a:latin typeface="Lucida Console"/>
+                <a:cs typeface="Lucida Console"/>
+              </a:rPr>
+              <a:t>lines = </a:t>
+            </a:r>
+            <a:r>
+              <a:rPr lang="en-US" dirty="0" err="1">
+                <a:latin typeface="Lucida Console"/>
+                <a:cs typeface="Lucida Console"/>
+              </a:rPr>
+              <a:t>sc.textFile</a:t>
+            </a:r>
+            <a:r>
+              <a:rPr lang="en-US" dirty="0">
+                <a:latin typeface="Lucida Console"/>
+                <a:cs typeface="Lucida Console"/>
+              </a:rPr>
+              <a:t>("examples/</a:t>
+            </a:r>
+            <a:r>
+              <a:rPr lang="en-US" dirty="0" err="1">
+                <a:latin typeface="Lucida Console"/>
+                <a:cs typeface="Lucida Console"/>
+              </a:rPr>
+              <a:t>src</a:t>
+            </a:r>
+            <a:r>
+              <a:rPr lang="en-US" dirty="0">
+                <a:latin typeface="Lucida Console"/>
+                <a:cs typeface="Lucida Console"/>
+              </a:rPr>
+              <a:t>/main/resources/</a:t>
+            </a:r>
+            <a:r>
+              <a:rPr lang="en-US" dirty="0" err="1">
+                <a:latin typeface="Lucida Console"/>
+                <a:cs typeface="Lucida Console"/>
+              </a:rPr>
+              <a:t>people.txt</a:t>
+            </a:r>
+            <a:r>
+              <a:rPr lang="en-US" dirty="0">
+                <a:latin typeface="Lucida Console"/>
+                <a:cs typeface="Lucida Console"/>
+              </a:rPr>
+              <a:t>")</a:t>
+            </a:r>
+          </a:p>
+          <a:p>
+            <a:pPr marL="0" indent="0">
+              <a:buNone/>
+            </a:pPr>
+            <a:r>
+              <a:rPr lang="en-US" dirty="0">
+                <a:latin typeface="Lucida Console"/>
+                <a:cs typeface="Lucida Console"/>
+              </a:rPr>
+              <a:t>parts = </a:t>
+            </a:r>
+            <a:r>
+              <a:rPr lang="en-US" dirty="0" err="1">
+                <a:latin typeface="Lucida Console"/>
+                <a:cs typeface="Lucida Console"/>
+              </a:rPr>
+              <a:t>lines.map</a:t>
+            </a:r>
+            <a:r>
+              <a:rPr lang="en-US" dirty="0">
+                <a:latin typeface="Lucida Console"/>
+                <a:cs typeface="Lucida Console"/>
+              </a:rPr>
+              <a:t>(lambda l: </a:t>
+            </a:r>
+            <a:r>
+              <a:rPr lang="en-US" dirty="0" err="1">
+                <a:latin typeface="Lucida Console"/>
+                <a:cs typeface="Lucida Console"/>
+              </a:rPr>
+              <a:t>l.split</a:t>
+            </a:r>
+            <a:r>
+              <a:rPr lang="en-US" dirty="0">
+                <a:latin typeface="Lucida Console"/>
+                <a:cs typeface="Lucida Console"/>
+              </a:rPr>
+              <a:t>(","))</a:t>
+            </a:r>
+          </a:p>
+          <a:p>
+            <a:pPr marL="0" indent="0">
+              <a:buNone/>
+            </a:pPr>
+            <a:r>
+              <a:rPr lang="en-US" dirty="0">
+                <a:latin typeface="Lucida Console"/>
+                <a:cs typeface="Lucida Console"/>
+              </a:rPr>
+              <a:t>people = </a:t>
+            </a:r>
+            <a:r>
+              <a:rPr lang="en-US" dirty="0" err="1">
+                <a:latin typeface="Lucida Console"/>
+                <a:cs typeface="Lucida Console"/>
+              </a:rPr>
+              <a:t>parts.map</a:t>
+            </a:r>
+            <a:r>
+              <a:rPr lang="en-US" dirty="0">
+                <a:latin typeface="Lucida Console"/>
+                <a:cs typeface="Lucida Console"/>
+              </a:rPr>
+              <a:t>(lambda p: Row(name=p[0], age=</a:t>
+            </a:r>
+            <a:r>
+              <a:rPr lang="en-US" dirty="0" err="1">
+                <a:latin typeface="Lucida Console"/>
+                <a:cs typeface="Lucida Console"/>
+              </a:rPr>
+              <a:t>int</a:t>
+            </a:r>
+            <a:r>
+              <a:rPr lang="en-US" dirty="0">
+                <a:latin typeface="Lucida Console"/>
+                <a:cs typeface="Lucida Console"/>
+              </a:rPr>
+              <a:t>(p[1])))</a:t>
+            </a:r>
+          </a:p>
+          <a:p>
+            <a:pPr marL="0" indent="0">
+              <a:buNone/>
+            </a:pPr>
+            <a:endParaRPr lang="en-US" dirty="0">
+              <a:latin typeface="Lucida Console"/>
+              <a:cs typeface="Lucida Console"/>
+            </a:endParaRPr>
+          </a:p>
+          <a:p>
+            <a:pPr marL="0" indent="0">
+              <a:buNone/>
+            </a:pPr>
+            <a:r>
+              <a:rPr lang="en-US" dirty="0" err="1">
+                <a:latin typeface="Lucida Console"/>
+                <a:cs typeface="Lucida Console"/>
+              </a:rPr>
+              <a:t>schemaPeople</a:t>
+            </a:r>
+            <a:r>
+              <a:rPr lang="en-US" dirty="0">
+                <a:latin typeface="Lucida Console"/>
+                <a:cs typeface="Lucida Console"/>
+              </a:rPr>
+              <a:t> = </a:t>
+            </a:r>
+            <a:r>
+              <a:rPr lang="en-US" dirty="0" err="1">
+                <a:latin typeface="Lucida Console"/>
+                <a:cs typeface="Lucida Console"/>
+              </a:rPr>
+              <a:t>sqlContext.createDataFrame</a:t>
+            </a:r>
+            <a:r>
+              <a:rPr lang="en-US" dirty="0">
+                <a:latin typeface="Lucida Console"/>
+                <a:cs typeface="Lucida Console"/>
+              </a:rPr>
+              <a:t>(people)</a:t>
+            </a:r>
+          </a:p>
+          <a:p>
+            <a:pPr marL="0" indent="0">
+              <a:buNone/>
+            </a:pPr>
+            <a:r>
+              <a:rPr lang="en-US" dirty="0" err="1">
+                <a:latin typeface="Lucida Console"/>
+                <a:cs typeface="Lucida Console"/>
+              </a:rPr>
+              <a:t>schemaPeople.registerTempTable</a:t>
+            </a:r>
+            <a:r>
+              <a:rPr lang="en-US" dirty="0">
+                <a:latin typeface="Lucida Console"/>
+                <a:cs typeface="Lucida Console"/>
+              </a:rPr>
+              <a:t>("people")</a:t>
+            </a:r>
+          </a:p>
+          <a:p>
+            <a:pPr marL="0" indent="0">
+              <a:buNone/>
+            </a:pPr>
+            <a:endParaRPr lang="en-US" dirty="0">
+              <a:latin typeface="Lucida Console"/>
+              <a:cs typeface="Lucida Console"/>
+            </a:endParaRPr>
+          </a:p>
+          <a:p>
+            <a:pPr marL="0" indent="0">
+              <a:buNone/>
+            </a:pPr>
+            <a:r>
+              <a:rPr lang="en-US" dirty="0">
+                <a:latin typeface="Lucida Console"/>
+                <a:cs typeface="Lucida Console"/>
+              </a:rPr>
+              <a:t>teenagers = </a:t>
+            </a:r>
+            <a:r>
+              <a:rPr lang="en-US" dirty="0" err="1">
+                <a:latin typeface="Lucida Console"/>
+                <a:cs typeface="Lucida Console"/>
+              </a:rPr>
+              <a:t>sqlContext.sql</a:t>
+            </a:r>
+            <a:r>
+              <a:rPr lang="en-US" dirty="0">
+                <a:latin typeface="Lucida Console"/>
+                <a:cs typeface="Lucida Console"/>
+              </a:rPr>
+              <a:t>("SELECT name FROM people WHERE age &gt;= 13 AND age &lt;= 19")</a:t>
+            </a:r>
+          </a:p>
+          <a:p>
+            <a:pPr marL="0" indent="0">
+              <a:buNone/>
+            </a:pPr>
+            <a:endParaRPr lang="en-US" dirty="0">
+              <a:latin typeface="Lucida Console"/>
+              <a:cs typeface="Lucida Console"/>
+            </a:endParaRPr>
+          </a:p>
+          <a:p>
+            <a:pPr marL="0" indent="0">
+              <a:buNone/>
+            </a:pPr>
+            <a:r>
+              <a:rPr lang="en-US" dirty="0" err="1">
+                <a:latin typeface="Lucida Console"/>
+                <a:cs typeface="Lucida Console"/>
+              </a:rPr>
+              <a:t>teenNames</a:t>
+            </a:r>
+            <a:r>
+              <a:rPr lang="en-US" dirty="0">
+                <a:latin typeface="Lucida Console"/>
+                <a:cs typeface="Lucida Console"/>
+              </a:rPr>
+              <a:t> = </a:t>
+            </a:r>
+            <a:r>
+              <a:rPr lang="en-US" dirty="0" err="1">
+                <a:latin typeface="Lucida Console"/>
+                <a:cs typeface="Lucida Console"/>
+              </a:rPr>
+              <a:t>teenagers.map</a:t>
+            </a:r>
+            <a:r>
+              <a:rPr lang="en-US" dirty="0">
+                <a:latin typeface="Lucida Console"/>
+                <a:cs typeface="Lucida Console"/>
+              </a:rPr>
+              <a:t>(lambda p: "Name: " + </a:t>
+            </a:r>
+            <a:r>
+              <a:rPr lang="en-US" dirty="0" err="1">
+                <a:latin typeface="Lucida Console"/>
+                <a:cs typeface="Lucida Console"/>
+              </a:rPr>
+              <a:t>p.name</a:t>
+            </a:r>
+            <a:r>
+              <a:rPr lang="en-US" dirty="0">
+                <a:latin typeface="Lucida Console"/>
+                <a:cs typeface="Lucida Console"/>
+              </a:rPr>
+              <a:t>)</a:t>
+            </a:r>
+          </a:p>
+          <a:p>
+            <a:pPr marL="0" indent="0">
+              <a:buNone/>
+            </a:pPr>
+            <a:r>
+              <a:rPr lang="en-US" dirty="0">
+                <a:latin typeface="Lucida Console"/>
+                <a:cs typeface="Lucida Console"/>
+              </a:rPr>
+              <a:t>for </a:t>
+            </a:r>
+            <a:r>
+              <a:rPr lang="en-US" dirty="0" err="1">
+                <a:latin typeface="Lucida Console"/>
+                <a:cs typeface="Lucida Console"/>
+              </a:rPr>
+              <a:t>teenName</a:t>
+            </a:r>
+            <a:r>
+              <a:rPr lang="en-US" dirty="0">
+                <a:latin typeface="Lucida Console"/>
+                <a:cs typeface="Lucida Console"/>
+              </a:rPr>
+              <a:t> in </a:t>
+            </a:r>
+            <a:r>
+              <a:rPr lang="en-US" dirty="0" err="1">
+                <a:latin typeface="Lucida Console"/>
+                <a:cs typeface="Lucida Console"/>
+              </a:rPr>
+              <a:t>teenNames.collect</a:t>
+            </a:r>
+            <a:r>
+              <a:rPr lang="en-US" dirty="0">
+                <a:latin typeface="Lucida Console"/>
+                <a:cs typeface="Lucida Console"/>
+              </a:rPr>
+              <a:t>():</a:t>
+            </a:r>
+          </a:p>
+          <a:p>
+            <a:pPr marL="0" indent="0">
+              <a:buNone/>
+            </a:pPr>
+            <a:r>
+              <a:rPr lang="en-US" dirty="0">
+                <a:latin typeface="Lucida Console"/>
+                <a:cs typeface="Lucida Console"/>
+              </a:rPr>
+              <a:t>  print(</a:t>
+            </a:r>
+            <a:r>
+              <a:rPr lang="en-US" dirty="0" err="1">
+                <a:latin typeface="Lucida Console"/>
+                <a:cs typeface="Lucida Console"/>
+              </a:rPr>
+              <a:t>teenName</a:t>
+            </a:r>
+            <a:r>
+              <a:rPr lang="en-US" dirty="0">
+                <a:latin typeface="Lucida Console"/>
+                <a:cs typeface="Lucida Console"/>
+              </a:rPr>
+              <a:t>)</a:t>
+            </a:r>
+          </a:p>
+        </p:txBody>
+      </p:sp>
+    </p:spTree>
+    <p:extLst>
+      <p:ext uri="{BB962C8B-B14F-4D97-AF65-F5344CB8AC3E}">
+        <p14:creationId xmlns:p14="http://schemas.microsoft.com/office/powerpoint/2010/main" val="2424698580"/>
+      </p:ext>
+    </p:extLst>
+  </p:cSld>
+  <p:clrMapOvr>
+    <a:masterClrMapping/>
+  </p:clrMapOvr>
+</p:sld>
+</file>
+
 <file path=ppt/slides/slide3.xml><?xml version="1.0" encoding="utf-8"?>
 <p:sld xmlns:a="http://schemas.openxmlformats.org/drawingml/2006/main" xmlns:r="http://schemas.openxmlformats.org/officeDocument/2006/relationships" xmlns:p="http://schemas.openxmlformats.org/presentationml/2006/main">
   <p:cSld>
@@ -5747,6 +7908,885 @@
     <p:extLst>
       <p:ext uri="{BB962C8B-B14F-4D97-AF65-F5344CB8AC3E}">
         <p14:creationId xmlns:p14="http://schemas.microsoft.com/office/powerpoint/2010/main" val="350456589"/>
+      </p:ext>
+    </p:extLst>
+  </p:cSld>
+  <p:clrMapOvr>
+    <a:masterClrMapping/>
+  </p:clrMapOvr>
+</p:sld>
+</file>
+
+<file path=ppt/slides/slide30.xml><?xml version="1.0" encoding="utf-8"?>
+<p:sld xmlns:a="http://schemas.openxmlformats.org/drawingml/2006/main" xmlns:r="http://schemas.openxmlformats.org/officeDocument/2006/relationships" xmlns:p="http://schemas.openxmlformats.org/presentationml/2006/main">
+  <p:cSld>
+    <p:spTree>
+      <p:nvGrpSpPr>
+        <p:cNvPr id="1" name=""/>
+        <p:cNvGrpSpPr/>
+        <p:nvPr/>
+      </p:nvGrpSpPr>
+      <p:grpSpPr>
+        <a:xfrm>
+          <a:off x="0" y="0"/>
+          <a:ext cx="0" cy="0"/>
+          <a:chOff x="0" y="0"/>
+          <a:chExt cx="0" cy="0"/>
+        </a:xfrm>
+      </p:grpSpPr>
+      <p:sp>
+        <p:nvSpPr>
+          <p:cNvPr id="2" name="Title 1"/>
+          <p:cNvSpPr>
+            <a:spLocks noGrp="1"/>
+          </p:cNvSpPr>
+          <p:nvPr>
+            <p:ph type="title"/>
+          </p:nvPr>
+        </p:nvSpPr>
+        <p:spPr/>
+        <p:txBody>
+          <a:bodyPr/>
+          <a:lstStyle/>
+          <a:p>
+            <a:r>
+              <a:rPr lang="en-US" dirty="0" smtClean="0"/>
+              <a:t>Spark MLlib</a:t>
+            </a:r>
+            <a:endParaRPr lang="en-US" dirty="0"/>
+          </a:p>
+        </p:txBody>
+      </p:sp>
+      <p:sp>
+        <p:nvSpPr>
+          <p:cNvPr id="3" name="Content Placeholder 2"/>
+          <p:cNvSpPr>
+            <a:spLocks noGrp="1"/>
+          </p:cNvSpPr>
+          <p:nvPr>
+            <p:ph idx="1"/>
+          </p:nvPr>
+        </p:nvSpPr>
+        <p:spPr/>
+        <p:txBody>
+          <a:bodyPr>
+            <a:normAutofit lnSpcReduction="10000"/>
+          </a:bodyPr>
+          <a:lstStyle/>
+          <a:p>
+            <a:r>
+              <a:rPr lang="en-US" dirty="0" smtClean="0"/>
+              <a:t>Simple stats and correlation testing</a:t>
+            </a:r>
+          </a:p>
+          <a:p>
+            <a:r>
+              <a:rPr lang="en-US" dirty="0" smtClean="0"/>
+              <a:t>Classification and regression</a:t>
+            </a:r>
+          </a:p>
+          <a:p>
+            <a:r>
+              <a:rPr lang="en-US" dirty="0" smtClean="0"/>
+              <a:t>Collaborative Filtering</a:t>
+            </a:r>
+          </a:p>
+          <a:p>
+            <a:pPr lvl="1"/>
+            <a:r>
+              <a:rPr lang="en-US" dirty="0" smtClean="0"/>
+              <a:t>Alternating Least Squares </a:t>
+            </a:r>
+          </a:p>
+          <a:p>
+            <a:r>
+              <a:rPr lang="en-US" dirty="0" smtClean="0"/>
+              <a:t>Clustering</a:t>
+            </a:r>
+          </a:p>
+          <a:p>
+            <a:pPr lvl="1"/>
+            <a:r>
+              <a:rPr lang="en-US" dirty="0"/>
+              <a:t>k</a:t>
+            </a:r>
+            <a:r>
+              <a:rPr lang="en-US" dirty="0" smtClean="0"/>
+              <a:t>-means, </a:t>
+            </a:r>
+            <a:r>
+              <a:rPr lang="en-US" dirty="0" err="1" smtClean="0"/>
+              <a:t>etc</a:t>
+            </a:r>
+            <a:endParaRPr lang="en-US" dirty="0" smtClean="0"/>
+          </a:p>
+          <a:p>
+            <a:r>
+              <a:rPr lang="en-US" dirty="0" smtClean="0"/>
+              <a:t>Frequent Pattern Mining</a:t>
+            </a:r>
+          </a:p>
+          <a:p>
+            <a:r>
+              <a:rPr lang="en-US" dirty="0" smtClean="0"/>
+              <a:t>Plus more</a:t>
+            </a:r>
+            <a:endParaRPr lang="en-US" dirty="0"/>
+          </a:p>
+        </p:txBody>
+      </p:sp>
+    </p:spTree>
+    <p:extLst>
+      <p:ext uri="{BB962C8B-B14F-4D97-AF65-F5344CB8AC3E}">
+        <p14:creationId xmlns:p14="http://schemas.microsoft.com/office/powerpoint/2010/main" val="3869310880"/>
+      </p:ext>
+    </p:extLst>
+  </p:cSld>
+  <p:clrMapOvr>
+    <a:masterClrMapping/>
+  </p:clrMapOvr>
+</p:sld>
+</file>
+
+<file path=ppt/slides/slide31.xml><?xml version="1.0" encoding="utf-8"?>
+<p:sld xmlns:a="http://schemas.openxmlformats.org/drawingml/2006/main" xmlns:r="http://schemas.openxmlformats.org/officeDocument/2006/relationships" xmlns:p="http://schemas.openxmlformats.org/presentationml/2006/main">
+  <p:cSld>
+    <p:spTree>
+      <p:nvGrpSpPr>
+        <p:cNvPr id="1" name=""/>
+        <p:cNvGrpSpPr/>
+        <p:nvPr/>
+      </p:nvGrpSpPr>
+      <p:grpSpPr>
+        <a:xfrm>
+          <a:off x="0" y="0"/>
+          <a:ext cx="0" cy="0"/>
+          <a:chOff x="0" y="0"/>
+          <a:chExt cx="0" cy="0"/>
+        </a:xfrm>
+      </p:grpSpPr>
+      <p:sp>
+        <p:nvSpPr>
+          <p:cNvPr id="2" name="Title 1"/>
+          <p:cNvSpPr>
+            <a:spLocks noGrp="1"/>
+          </p:cNvSpPr>
+          <p:nvPr>
+            <p:ph type="title"/>
+          </p:nvPr>
+        </p:nvSpPr>
+        <p:spPr/>
+        <p:txBody>
+          <a:bodyPr/>
+          <a:lstStyle/>
+          <a:p>
+            <a:r>
+              <a:rPr lang="en-US" dirty="0" err="1" smtClean="0"/>
+              <a:t>Mllib</a:t>
+            </a:r>
+            <a:r>
+              <a:rPr lang="en-US" dirty="0" smtClean="0"/>
+              <a:t> example</a:t>
+            </a:r>
+            <a:endParaRPr lang="en-US" dirty="0"/>
+          </a:p>
+        </p:txBody>
+      </p:sp>
+      <p:sp>
+        <p:nvSpPr>
+          <p:cNvPr id="3" name="Content Placeholder 2"/>
+          <p:cNvSpPr>
+            <a:spLocks noGrp="1"/>
+          </p:cNvSpPr>
+          <p:nvPr>
+            <p:ph idx="1"/>
+          </p:nvPr>
+        </p:nvSpPr>
+        <p:spPr/>
+        <p:txBody>
+          <a:bodyPr>
+            <a:noAutofit/>
+          </a:bodyPr>
+          <a:lstStyle/>
+          <a:p>
+            <a:pPr marL="0" indent="0">
+              <a:buNone/>
+            </a:pPr>
+            <a:r>
+              <a:rPr lang="en-US" sz="1600" dirty="0">
+                <a:latin typeface="Lucida Console"/>
+                <a:cs typeface="Lucida Console"/>
+              </a:rPr>
+              <a:t>from </a:t>
+            </a:r>
+            <a:r>
+              <a:rPr lang="en-US" sz="1600" dirty="0" err="1">
+                <a:latin typeface="Lucida Console"/>
+                <a:cs typeface="Lucida Console"/>
+              </a:rPr>
+              <a:t>pyspark.mllib.fpm</a:t>
+            </a:r>
+            <a:r>
+              <a:rPr lang="en-US" sz="1600" dirty="0">
+                <a:latin typeface="Lucida Console"/>
+                <a:cs typeface="Lucida Console"/>
+              </a:rPr>
+              <a:t> import </a:t>
+            </a:r>
+            <a:r>
+              <a:rPr lang="en-US" sz="1600" dirty="0" err="1">
+                <a:latin typeface="Lucida Console"/>
+                <a:cs typeface="Lucida Console"/>
+              </a:rPr>
+              <a:t>FPGrowth</a:t>
+            </a:r>
+            <a:endParaRPr lang="en-US" sz="1600" dirty="0">
+              <a:latin typeface="Lucida Console"/>
+              <a:cs typeface="Lucida Console"/>
+            </a:endParaRPr>
+          </a:p>
+          <a:p>
+            <a:pPr marL="0" indent="0">
+              <a:buNone/>
+            </a:pPr>
+            <a:endParaRPr lang="en-US" sz="1600" dirty="0">
+              <a:latin typeface="Lucida Console"/>
+              <a:cs typeface="Lucida Console"/>
+            </a:endParaRPr>
+          </a:p>
+          <a:p>
+            <a:pPr marL="0" indent="0">
+              <a:buNone/>
+            </a:pPr>
+            <a:r>
+              <a:rPr lang="en-US" sz="1600" dirty="0">
+                <a:latin typeface="Lucida Console"/>
+                <a:cs typeface="Lucida Console"/>
+              </a:rPr>
+              <a:t>data = </a:t>
+            </a:r>
+            <a:r>
+              <a:rPr lang="en-US" sz="1600" dirty="0" err="1">
+                <a:latin typeface="Lucida Console"/>
+                <a:cs typeface="Lucida Console"/>
+              </a:rPr>
+              <a:t>sc.textFile</a:t>
+            </a:r>
+            <a:r>
+              <a:rPr lang="en-US" sz="1600" dirty="0">
+                <a:latin typeface="Lucida Console"/>
+                <a:cs typeface="Lucida Console"/>
+              </a:rPr>
+              <a:t>("data/</a:t>
+            </a:r>
+            <a:r>
+              <a:rPr lang="en-US" sz="1600" dirty="0" err="1">
+                <a:latin typeface="Lucida Console"/>
+                <a:cs typeface="Lucida Console"/>
+              </a:rPr>
+              <a:t>mllib</a:t>
+            </a:r>
+            <a:r>
+              <a:rPr lang="en-US" sz="1600" dirty="0">
+                <a:latin typeface="Lucida Console"/>
+                <a:cs typeface="Lucida Console"/>
+              </a:rPr>
+              <a:t>/</a:t>
+            </a:r>
+            <a:r>
+              <a:rPr lang="en-US" sz="1600" dirty="0" err="1">
+                <a:latin typeface="Lucida Console"/>
+                <a:cs typeface="Lucida Console"/>
+              </a:rPr>
+              <a:t>sample_fpgrowth.txt</a:t>
+            </a:r>
+            <a:r>
+              <a:rPr lang="en-US" sz="1600" dirty="0">
+                <a:latin typeface="Lucida Console"/>
+                <a:cs typeface="Lucida Console"/>
+              </a:rPr>
+              <a:t>")</a:t>
+            </a:r>
+          </a:p>
+          <a:p>
+            <a:pPr marL="0" indent="0">
+              <a:buNone/>
+            </a:pPr>
+            <a:endParaRPr lang="en-US" sz="1600" dirty="0">
+              <a:latin typeface="Lucida Console"/>
+              <a:cs typeface="Lucida Console"/>
+            </a:endParaRPr>
+          </a:p>
+          <a:p>
+            <a:pPr marL="0" indent="0">
+              <a:buNone/>
+            </a:pPr>
+            <a:r>
+              <a:rPr lang="en-US" sz="1600" dirty="0">
+                <a:latin typeface="Lucida Console"/>
+                <a:cs typeface="Lucida Console"/>
+              </a:rPr>
+              <a:t>transactions = </a:t>
+            </a:r>
+            <a:r>
+              <a:rPr lang="en-US" sz="1600" dirty="0" err="1">
+                <a:latin typeface="Lucida Console"/>
+                <a:cs typeface="Lucida Console"/>
+              </a:rPr>
+              <a:t>data.map</a:t>
+            </a:r>
+            <a:r>
+              <a:rPr lang="en-US" sz="1600" dirty="0">
+                <a:latin typeface="Lucida Console"/>
+                <a:cs typeface="Lucida Console"/>
+              </a:rPr>
+              <a:t>(lambda line: </a:t>
+            </a:r>
+            <a:r>
+              <a:rPr lang="en-US" sz="1600" dirty="0" err="1">
+                <a:latin typeface="Lucida Console"/>
+                <a:cs typeface="Lucida Console"/>
+              </a:rPr>
+              <a:t>line.strip</a:t>
+            </a:r>
+            <a:r>
+              <a:rPr lang="en-US" sz="1600" dirty="0">
+                <a:latin typeface="Lucida Console"/>
+                <a:cs typeface="Lucida Console"/>
+              </a:rPr>
+              <a:t>().split(' '))</a:t>
+            </a:r>
+          </a:p>
+          <a:p>
+            <a:pPr marL="0" indent="0">
+              <a:buNone/>
+            </a:pPr>
+            <a:endParaRPr lang="en-US" sz="1600" dirty="0">
+              <a:latin typeface="Lucida Console"/>
+              <a:cs typeface="Lucida Console"/>
+            </a:endParaRPr>
+          </a:p>
+          <a:p>
+            <a:pPr marL="0" indent="0">
+              <a:buNone/>
+            </a:pPr>
+            <a:r>
+              <a:rPr lang="en-US" sz="1600" dirty="0">
+                <a:latin typeface="Lucida Console"/>
+                <a:cs typeface="Lucida Console"/>
+              </a:rPr>
+              <a:t>model = </a:t>
+            </a:r>
+            <a:r>
+              <a:rPr lang="en-US" sz="1600" dirty="0" err="1">
+                <a:latin typeface="Lucida Console"/>
+                <a:cs typeface="Lucida Console"/>
+              </a:rPr>
+              <a:t>FPGrowth.train</a:t>
+            </a:r>
+            <a:r>
+              <a:rPr lang="en-US" sz="1600" dirty="0">
+                <a:latin typeface="Lucida Console"/>
+                <a:cs typeface="Lucida Console"/>
+              </a:rPr>
+              <a:t>(transactions, </a:t>
+            </a:r>
+            <a:r>
+              <a:rPr lang="en-US" sz="1600" dirty="0" err="1">
+                <a:latin typeface="Lucida Console"/>
+                <a:cs typeface="Lucida Console"/>
+              </a:rPr>
+              <a:t>minSupport</a:t>
+            </a:r>
+            <a:r>
+              <a:rPr lang="en-US" sz="1600" dirty="0">
+                <a:latin typeface="Lucida Console"/>
+                <a:cs typeface="Lucida Console"/>
+              </a:rPr>
+              <a:t>=0.2, </a:t>
+            </a:r>
+            <a:r>
+              <a:rPr lang="en-US" sz="1600" dirty="0" smtClean="0">
+                <a:latin typeface="Lucida Console"/>
+                <a:cs typeface="Lucida Console"/>
+              </a:rPr>
+              <a:t>	</a:t>
+            </a:r>
+            <a:r>
+              <a:rPr lang="en-US" sz="1600" dirty="0" err="1" smtClean="0">
+                <a:latin typeface="Lucida Console"/>
+                <a:cs typeface="Lucida Console"/>
+              </a:rPr>
+              <a:t>numPartitions</a:t>
+            </a:r>
+            <a:r>
+              <a:rPr lang="en-US" sz="1600" dirty="0">
+                <a:latin typeface="Lucida Console"/>
+                <a:cs typeface="Lucida Console"/>
+              </a:rPr>
+              <a:t>=10)</a:t>
+            </a:r>
+          </a:p>
+          <a:p>
+            <a:pPr marL="0" indent="0">
+              <a:buNone/>
+            </a:pPr>
+            <a:endParaRPr lang="en-US" sz="1600" dirty="0">
+              <a:latin typeface="Lucida Console"/>
+              <a:cs typeface="Lucida Console"/>
+            </a:endParaRPr>
+          </a:p>
+          <a:p>
+            <a:pPr marL="0" indent="0">
+              <a:buNone/>
+            </a:pPr>
+            <a:r>
+              <a:rPr lang="en-US" sz="1600" dirty="0">
+                <a:latin typeface="Lucida Console"/>
+                <a:cs typeface="Lucida Console"/>
+              </a:rPr>
+              <a:t>result = </a:t>
+            </a:r>
+            <a:r>
+              <a:rPr lang="en-US" sz="1600" dirty="0" err="1">
+                <a:latin typeface="Lucida Console"/>
+                <a:cs typeface="Lucida Console"/>
+              </a:rPr>
+              <a:t>model.freqItemsets</a:t>
+            </a:r>
+            <a:r>
+              <a:rPr lang="en-US" sz="1600" dirty="0">
+                <a:latin typeface="Lucida Console"/>
+                <a:cs typeface="Lucida Console"/>
+              </a:rPr>
+              <a:t>().collect()</a:t>
+            </a:r>
+          </a:p>
+          <a:p>
+            <a:pPr marL="0" indent="0">
+              <a:buNone/>
+            </a:pPr>
+            <a:r>
+              <a:rPr lang="en-US" sz="1600" dirty="0">
+                <a:latin typeface="Lucida Console"/>
+                <a:cs typeface="Lucida Console"/>
+              </a:rPr>
+              <a:t>for fi in result:</a:t>
+            </a:r>
+          </a:p>
+          <a:p>
+            <a:pPr marL="0" indent="0">
+              <a:buNone/>
+            </a:pPr>
+            <a:r>
+              <a:rPr lang="en-US" sz="1600" dirty="0">
+                <a:latin typeface="Lucida Console"/>
+                <a:cs typeface="Lucida Console"/>
+              </a:rPr>
+              <a:t>    print(fi)</a:t>
+            </a:r>
+          </a:p>
+        </p:txBody>
+      </p:sp>
+    </p:spTree>
+    <p:extLst>
+      <p:ext uri="{BB962C8B-B14F-4D97-AF65-F5344CB8AC3E}">
+        <p14:creationId xmlns:p14="http://schemas.microsoft.com/office/powerpoint/2010/main" val="718509098"/>
+      </p:ext>
+    </p:extLst>
+  </p:cSld>
+  <p:clrMapOvr>
+    <a:masterClrMapping/>
+  </p:clrMapOvr>
+</p:sld>
+</file>
+
+<file path=ppt/slides/slide32.xml><?xml version="1.0" encoding="utf-8"?>
+<p:sld xmlns:a="http://schemas.openxmlformats.org/drawingml/2006/main" xmlns:r="http://schemas.openxmlformats.org/officeDocument/2006/relationships" xmlns:p="http://schemas.openxmlformats.org/presentationml/2006/main">
+  <p:cSld>
+    <p:spTree>
+      <p:nvGrpSpPr>
+        <p:cNvPr id="1" name=""/>
+        <p:cNvGrpSpPr/>
+        <p:nvPr/>
+      </p:nvGrpSpPr>
+      <p:grpSpPr>
+        <a:xfrm>
+          <a:off x="0" y="0"/>
+          <a:ext cx="0" cy="0"/>
+          <a:chOff x="0" y="0"/>
+          <a:chExt cx="0" cy="0"/>
+        </a:xfrm>
+      </p:grpSpPr>
+      <p:sp>
+        <p:nvSpPr>
+          <p:cNvPr id="2" name="Title 1"/>
+          <p:cNvSpPr>
+            <a:spLocks noGrp="1"/>
+          </p:cNvSpPr>
+          <p:nvPr>
+            <p:ph type="title"/>
+          </p:nvPr>
+        </p:nvSpPr>
+        <p:spPr/>
+        <p:txBody>
+          <a:bodyPr/>
+          <a:lstStyle/>
+          <a:p>
+            <a:r>
+              <a:rPr lang="en-US" dirty="0" err="1" smtClean="0"/>
+              <a:t>GraphX</a:t>
+            </a:r>
+            <a:endParaRPr lang="en-US" dirty="0"/>
+          </a:p>
+        </p:txBody>
+      </p:sp>
+      <p:sp>
+        <p:nvSpPr>
+          <p:cNvPr id="3" name="Content Placeholder 2"/>
+          <p:cNvSpPr>
+            <a:spLocks noGrp="1"/>
+          </p:cNvSpPr>
+          <p:nvPr>
+            <p:ph idx="1"/>
+          </p:nvPr>
+        </p:nvSpPr>
+        <p:spPr/>
+        <p:txBody>
+          <a:bodyPr/>
+          <a:lstStyle/>
+          <a:p>
+            <a:r>
+              <a:rPr lang="en-US" dirty="0" smtClean="0"/>
+              <a:t>  </a:t>
+            </a:r>
+          </a:p>
+          <a:p>
+            <a:endParaRPr lang="en-US" dirty="0"/>
+          </a:p>
+        </p:txBody>
+      </p:sp>
+      <p:pic>
+        <p:nvPicPr>
+          <p:cNvPr id="4" name="Picture 3"/>
+          <p:cNvPicPr>
+            <a:picLocks noChangeAspect="1"/>
+          </p:cNvPicPr>
+          <p:nvPr/>
+        </p:nvPicPr>
+        <p:blipFill>
+          <a:blip r:embed="rId2"/>
+          <a:stretch>
+            <a:fillRect/>
+          </a:stretch>
+        </p:blipFill>
+        <p:spPr>
+          <a:xfrm>
+            <a:off x="6313668" y="274638"/>
+            <a:ext cx="2639155" cy="904155"/>
+          </a:xfrm>
+          <a:prstGeom prst="rect">
+            <a:avLst/>
+          </a:prstGeom>
+        </p:spPr>
+      </p:pic>
+      <p:pic>
+        <p:nvPicPr>
+          <p:cNvPr id="5" name="Picture 4"/>
+          <p:cNvPicPr>
+            <a:picLocks noChangeAspect="1"/>
+          </p:cNvPicPr>
+          <p:nvPr/>
+        </p:nvPicPr>
+        <p:blipFill>
+          <a:blip r:embed="rId3"/>
+          <a:stretch>
+            <a:fillRect/>
+          </a:stretch>
+        </p:blipFill>
+        <p:spPr>
+          <a:xfrm>
+            <a:off x="1160710" y="1295243"/>
+            <a:ext cx="7128120" cy="4630232"/>
+          </a:xfrm>
+          <a:prstGeom prst="rect">
+            <a:avLst/>
+          </a:prstGeom>
+        </p:spPr>
+      </p:pic>
+    </p:spTree>
+    <p:extLst>
+      <p:ext uri="{BB962C8B-B14F-4D97-AF65-F5344CB8AC3E}">
+        <p14:creationId xmlns:p14="http://schemas.microsoft.com/office/powerpoint/2010/main" val="303583761"/>
+      </p:ext>
+    </p:extLst>
+  </p:cSld>
+  <p:clrMapOvr>
+    <a:masterClrMapping/>
+  </p:clrMapOvr>
+</p:sld>
+</file>
+
+<file path=ppt/slides/slide33.xml><?xml version="1.0" encoding="utf-8"?>
+<p:sld xmlns:a="http://schemas.openxmlformats.org/drawingml/2006/main" xmlns:r="http://schemas.openxmlformats.org/officeDocument/2006/relationships" xmlns:p="http://schemas.openxmlformats.org/presentationml/2006/main">
+  <p:cSld>
+    <p:spTree>
+      <p:nvGrpSpPr>
+        <p:cNvPr id="1" name=""/>
+        <p:cNvGrpSpPr/>
+        <p:nvPr/>
+      </p:nvGrpSpPr>
+      <p:grpSpPr>
+        <a:xfrm>
+          <a:off x="0" y="0"/>
+          <a:ext cx="0" cy="0"/>
+          <a:chOff x="0" y="0"/>
+          <a:chExt cx="0" cy="0"/>
+        </a:xfrm>
+      </p:grpSpPr>
+      <p:sp>
+        <p:nvSpPr>
+          <p:cNvPr id="2" name="Title 1"/>
+          <p:cNvSpPr>
+            <a:spLocks noGrp="1"/>
+          </p:cNvSpPr>
+          <p:nvPr>
+            <p:ph type="title"/>
+          </p:nvPr>
+        </p:nvSpPr>
+        <p:spPr/>
+        <p:txBody>
+          <a:bodyPr/>
+          <a:lstStyle/>
+          <a:p>
+            <a:r>
+              <a:rPr lang="en-US" dirty="0" smtClean="0"/>
+              <a:t>R</a:t>
+            </a:r>
+            <a:endParaRPr lang="en-US" dirty="0"/>
+          </a:p>
+        </p:txBody>
+      </p:sp>
+      <p:sp>
+        <p:nvSpPr>
+          <p:cNvPr id="3" name="Content Placeholder 2"/>
+          <p:cNvSpPr>
+            <a:spLocks noGrp="1"/>
+          </p:cNvSpPr>
+          <p:nvPr>
+            <p:ph idx="1"/>
+          </p:nvPr>
+        </p:nvSpPr>
+        <p:spPr/>
+        <p:txBody>
+          <a:bodyPr>
+            <a:normAutofit lnSpcReduction="10000"/>
+          </a:bodyPr>
+          <a:lstStyle/>
+          <a:p>
+            <a:r>
+              <a:rPr lang="en-US" dirty="0" smtClean="0"/>
+              <a:t> R is an open source system for statistics and graphics</a:t>
+            </a:r>
+          </a:p>
+          <a:p>
+            <a:pPr lvl="1"/>
+            <a:r>
+              <a:rPr lang="en-US" dirty="0" smtClean="0"/>
+              <a:t>Based on the S language from AT&amp;T Bell Labs</a:t>
+            </a:r>
+          </a:p>
+          <a:p>
+            <a:r>
+              <a:rPr lang="en-US" dirty="0" smtClean="0"/>
+              <a:t>Supports a wide variety of statistical techniques and graphing tools</a:t>
+            </a:r>
+          </a:p>
+          <a:p>
+            <a:r>
+              <a:rPr lang="en-US" dirty="0" smtClean="0"/>
+              <a:t>An extensible set of packages that provide extra functions via CRAN</a:t>
+            </a:r>
+          </a:p>
+          <a:p>
+            <a:pPr lvl="1"/>
+            <a:r>
+              <a:rPr lang="en-US" dirty="0" smtClean="0"/>
+              <a:t>The Comprehensive R Archive Network</a:t>
+            </a:r>
+            <a:endParaRPr lang="en-US" dirty="0"/>
+          </a:p>
+        </p:txBody>
+      </p:sp>
+      <p:pic>
+        <p:nvPicPr>
+          <p:cNvPr id="5" name="Picture 4"/>
+          <p:cNvPicPr>
+            <a:picLocks noChangeAspect="1"/>
+          </p:cNvPicPr>
+          <p:nvPr/>
+        </p:nvPicPr>
+        <p:blipFill>
+          <a:blip r:embed="rId2"/>
+          <a:stretch>
+            <a:fillRect/>
+          </a:stretch>
+        </p:blipFill>
+        <p:spPr>
+          <a:xfrm>
+            <a:off x="7685385" y="117126"/>
+            <a:ext cx="1170279" cy="906966"/>
+          </a:xfrm>
+          <a:prstGeom prst="rect">
+            <a:avLst/>
+          </a:prstGeom>
+        </p:spPr>
+      </p:pic>
+    </p:spTree>
+    <p:extLst>
+      <p:ext uri="{BB962C8B-B14F-4D97-AF65-F5344CB8AC3E}">
+        <p14:creationId xmlns:p14="http://schemas.microsoft.com/office/powerpoint/2010/main" val="2680998897"/>
+      </p:ext>
+    </p:extLst>
+  </p:cSld>
+  <p:clrMapOvr>
+    <a:masterClrMapping/>
+  </p:clrMapOvr>
+</p:sld>
+</file>
+
+<file path=ppt/slides/slide34.xml><?xml version="1.0" encoding="utf-8"?>
+<p:sld xmlns:a="http://schemas.openxmlformats.org/drawingml/2006/main" xmlns:r="http://schemas.openxmlformats.org/officeDocument/2006/relationships" xmlns:p="http://schemas.openxmlformats.org/presentationml/2006/main">
+  <p:cSld>
+    <p:spTree>
+      <p:nvGrpSpPr>
+        <p:cNvPr id="1" name=""/>
+        <p:cNvGrpSpPr/>
+        <p:nvPr/>
+      </p:nvGrpSpPr>
+      <p:grpSpPr>
+        <a:xfrm>
+          <a:off x="0" y="0"/>
+          <a:ext cx="0" cy="0"/>
+          <a:chOff x="0" y="0"/>
+          <a:chExt cx="0" cy="0"/>
+        </a:xfrm>
+      </p:grpSpPr>
+      <p:sp>
+        <p:nvSpPr>
+          <p:cNvPr id="2" name="Title 1"/>
+          <p:cNvSpPr>
+            <a:spLocks noGrp="1"/>
+          </p:cNvSpPr>
+          <p:nvPr>
+            <p:ph type="title"/>
+          </p:nvPr>
+        </p:nvSpPr>
+        <p:spPr/>
+        <p:txBody>
+          <a:bodyPr/>
+          <a:lstStyle/>
+          <a:p>
+            <a:r>
+              <a:rPr lang="en-US" dirty="0" err="1" smtClean="0"/>
+              <a:t>SparkR</a:t>
+            </a:r>
+            <a:endParaRPr lang="en-US" dirty="0"/>
+          </a:p>
+        </p:txBody>
+      </p:sp>
+      <p:sp>
+        <p:nvSpPr>
+          <p:cNvPr id="3" name="Content Placeholder 2"/>
+          <p:cNvSpPr>
+            <a:spLocks noGrp="1"/>
+          </p:cNvSpPr>
+          <p:nvPr>
+            <p:ph idx="1"/>
+          </p:nvPr>
+        </p:nvSpPr>
+        <p:spPr/>
+        <p:txBody>
+          <a:bodyPr/>
+          <a:lstStyle/>
+          <a:p>
+            <a:r>
+              <a:rPr lang="en-US" dirty="0" smtClean="0"/>
+              <a:t>A lightweight approach to use Spark from within R</a:t>
+            </a:r>
+          </a:p>
+          <a:p>
+            <a:r>
+              <a:rPr lang="en-US" dirty="0" smtClean="0"/>
+              <a:t>Also works with MLlib for machine learning</a:t>
+            </a:r>
+          </a:p>
+          <a:p>
+            <a:r>
+              <a:rPr lang="en-US" dirty="0" smtClean="0"/>
+              <a:t>Allows complex statistical analysis to be done on a Spark cluster </a:t>
+            </a:r>
+            <a:endParaRPr lang="en-US" dirty="0"/>
+          </a:p>
+        </p:txBody>
+      </p:sp>
+    </p:spTree>
+    <p:extLst>
+      <p:ext uri="{BB962C8B-B14F-4D97-AF65-F5344CB8AC3E}">
+        <p14:creationId xmlns:p14="http://schemas.microsoft.com/office/powerpoint/2010/main" val="3906456086"/>
+      </p:ext>
+    </p:extLst>
+  </p:cSld>
+  <p:clrMapOvr>
+    <a:masterClrMapping/>
+  </p:clrMapOvr>
+</p:sld>
+</file>
+
+<file path=ppt/slides/slide35.xml><?xml version="1.0" encoding="utf-8"?>
+<p:sld xmlns:a="http://schemas.openxmlformats.org/drawingml/2006/main" xmlns:r="http://schemas.openxmlformats.org/officeDocument/2006/relationships" xmlns:p="http://schemas.openxmlformats.org/presentationml/2006/main">
+  <p:cSld>
+    <p:spTree>
+      <p:nvGrpSpPr>
+        <p:cNvPr id="1" name=""/>
+        <p:cNvGrpSpPr/>
+        <p:nvPr/>
+      </p:nvGrpSpPr>
+      <p:grpSpPr>
+        <a:xfrm>
+          <a:off x="0" y="0"/>
+          <a:ext cx="0" cy="0"/>
+          <a:chOff x="0" y="0"/>
+          <a:chExt cx="0" cy="0"/>
+        </a:xfrm>
+      </p:grpSpPr>
+      <p:sp>
+        <p:nvSpPr>
+          <p:cNvPr id="2" name="Title 1"/>
+          <p:cNvSpPr>
+            <a:spLocks noGrp="1"/>
+          </p:cNvSpPr>
+          <p:nvPr>
+            <p:ph type="title"/>
+          </p:nvPr>
+        </p:nvSpPr>
+        <p:spPr/>
+        <p:txBody>
+          <a:bodyPr/>
+          <a:lstStyle/>
+          <a:p>
+            <a:r>
+              <a:rPr lang="en-US" dirty="0" smtClean="0"/>
+              <a:t>Questions?</a:t>
+            </a:r>
+            <a:endParaRPr lang="en-US" dirty="0"/>
+          </a:p>
+        </p:txBody>
+      </p:sp>
+    </p:spTree>
+    <p:extLst>
+      <p:ext uri="{BB962C8B-B14F-4D97-AF65-F5344CB8AC3E}">
+        <p14:creationId xmlns:p14="http://schemas.microsoft.com/office/powerpoint/2010/main" val="4217437947"/>
       </p:ext>
     </p:extLst>
   </p:cSld>
@@ -5928,12 +8968,26 @@
             </a:r>
           </a:p>
           <a:p>
+            <a:pPr lvl="1"/>
+            <a:r>
+              <a:rPr lang="en-US" dirty="0" smtClean="0"/>
+              <a:t>Based on Directed Acyclic Graphs</a:t>
+            </a:r>
+          </a:p>
+          <a:p>
+            <a:pPr lvl="1"/>
+            <a:r>
+              <a:rPr lang="en-US" dirty="0" smtClean="0"/>
+              <a:t>And partitions</a:t>
+            </a:r>
+          </a:p>
+          <a:p>
             <a:endParaRPr lang="en-US" dirty="0"/>
           </a:p>
           <a:p>
             <a:r>
               <a:rPr lang="en-US" dirty="0" smtClean="0"/>
-              <a:t>But what about reliability?!</a:t>
+              <a:t>What about reliability?</a:t>
             </a:r>
             <a:endParaRPr lang="en-US" dirty="0"/>
           </a:p>
@@ -5981,148 +9035,61 @@
         </p:nvSpPr>
         <p:spPr/>
         <p:txBody>
-          <a:bodyPr/>
-          <a:lstStyle/>
-          <a:p>
-            <a:r>
-              <a:rPr lang="en-US" dirty="0" smtClean="0"/>
-              <a:t>Apache Spark</a:t>
-            </a:r>
-            <a:endParaRPr lang="en-US" dirty="0"/>
-          </a:p>
-        </p:txBody>
-      </p:sp>
-      <p:sp>
-        <p:nvSpPr>
-          <p:cNvPr id="3" name="Content Placeholder 2"/>
-          <p:cNvSpPr>
-            <a:spLocks noGrp="1"/>
-          </p:cNvSpPr>
-          <p:nvPr>
-            <p:ph idx="1"/>
-          </p:nvPr>
-        </p:nvSpPr>
-        <p:spPr/>
-        <p:txBody>
           <a:bodyPr>
-            <a:normAutofit fontScale="77500" lnSpcReduction="20000"/>
+            <a:normAutofit fontScale="90000"/>
           </a:bodyPr>
           <a:lstStyle/>
           <a:p>
             <a:r>
               <a:rPr lang="en-US" dirty="0" smtClean="0"/>
-              <a:t>Started in 2009 at UC Berkeley</a:t>
-            </a:r>
-          </a:p>
-          <a:p>
-            <a:r>
-              <a:rPr lang="en-US" dirty="0" smtClean="0"/>
-              <a:t>Donated to Apache in 2013</a:t>
-            </a:r>
-          </a:p>
-          <a:p>
-            <a:r>
-              <a:rPr lang="en-US" dirty="0" smtClean="0"/>
-              <a:t>Written on top of JVM mainly in </a:t>
-            </a:r>
-            <a:r>
-              <a:rPr lang="en-US" dirty="0" err="1" smtClean="0"/>
-              <a:t>Scala</a:t>
-            </a:r>
-            <a:endParaRPr lang="en-US" dirty="0" smtClean="0"/>
-          </a:p>
-          <a:p>
-            <a:r>
-              <a:rPr lang="en-US" dirty="0" smtClean="0"/>
-              <a:t>10x-100x faster than </a:t>
-            </a:r>
-            <a:r>
-              <a:rPr lang="en-US" dirty="0" err="1" smtClean="0"/>
-              <a:t>Hadoop</a:t>
-            </a:r>
-            <a:endParaRPr lang="en-US" dirty="0" smtClean="0"/>
-          </a:p>
-          <a:p>
-            <a:r>
-              <a:rPr lang="en-US" dirty="0" smtClean="0"/>
-              <a:t>Supports coding in:</a:t>
-            </a:r>
-          </a:p>
-          <a:p>
-            <a:pPr lvl="1"/>
-            <a:r>
-              <a:rPr lang="en-US" dirty="0" err="1" smtClean="0"/>
-              <a:t>Scala</a:t>
-            </a:r>
-            <a:endParaRPr lang="en-US" dirty="0" smtClean="0"/>
-          </a:p>
-          <a:p>
-            <a:pPr lvl="1"/>
-            <a:r>
-              <a:rPr lang="en-US" dirty="0" smtClean="0"/>
-              <a:t>Java</a:t>
-            </a:r>
-          </a:p>
-          <a:p>
-            <a:pPr lvl="1"/>
-            <a:r>
-              <a:rPr lang="en-US" dirty="0" smtClean="0"/>
-              <a:t>Python</a:t>
-            </a:r>
-          </a:p>
-          <a:p>
-            <a:pPr lvl="1"/>
-            <a:r>
-              <a:rPr lang="en-US" dirty="0" smtClean="0"/>
-              <a:t>R</a:t>
-            </a:r>
-          </a:p>
-          <a:p>
-            <a:r>
-              <a:rPr lang="en-US" dirty="0" smtClean="0"/>
-              <a:t>Supports an interactive shell</a:t>
-            </a:r>
-          </a:p>
-          <a:p>
-            <a:r>
-              <a:rPr lang="en-US" dirty="0" smtClean="0"/>
-              <a:t>More details in this paper:</a:t>
-            </a:r>
-          </a:p>
-          <a:p>
-            <a:pPr lvl="1"/>
-            <a:r>
-              <a:rPr lang="en-US" sz="1900" dirty="0"/>
-              <a:t>http://</a:t>
-            </a:r>
-            <a:r>
-              <a:rPr lang="en-US" sz="1900" dirty="0" err="1"/>
-              <a:t>www.cs.berkeley.edu</a:t>
-            </a:r>
-            <a:r>
-              <a:rPr lang="en-US" sz="1900" dirty="0"/>
-              <a:t>/~</a:t>
-            </a:r>
-            <a:r>
-              <a:rPr lang="en-US" sz="1900" dirty="0" err="1"/>
-              <a:t>matei</a:t>
-            </a:r>
-            <a:r>
-              <a:rPr lang="en-US" sz="1900" dirty="0"/>
-              <a:t>/papers/2012/</a:t>
-            </a:r>
-            <a:r>
-              <a:rPr lang="en-US" sz="1900" dirty="0" err="1"/>
-              <a:t>nsdi_spark.pdf</a:t>
-            </a:r>
-            <a:endParaRPr lang="en-US" sz="1900" dirty="0" smtClean="0"/>
-          </a:p>
-        </p:txBody>
-      </p:sp>
+              <a:t>DAG</a:t>
+            </a:r>
+            <a:br>
+              <a:rPr lang="en-US" dirty="0" smtClean="0"/>
+            </a:br>
+            <a:r>
+              <a:rPr lang="en-US" sz="2700" dirty="0" smtClean="0"/>
+              <a:t>Directed Acyclic Graph</a:t>
+            </a:r>
+            <a:br>
+              <a:rPr lang="en-US" sz="2700" dirty="0" smtClean="0"/>
+            </a:br>
+            <a:r>
+              <a:rPr lang="en-US" dirty="0" smtClean="0"/>
+              <a:t>No Loops!</a:t>
+            </a:r>
+            <a:endParaRPr lang="en-US" dirty="0"/>
+          </a:p>
+        </p:txBody>
+      </p:sp>
+      <p:pic>
+        <p:nvPicPr>
+          <p:cNvPr id="4" name="Picture 3"/>
+          <p:cNvPicPr>
+            <a:picLocks noChangeAspect="1"/>
+          </p:cNvPicPr>
+          <p:nvPr/>
+        </p:nvPicPr>
+        <p:blipFill>
+          <a:blip r:embed="rId2"/>
+          <a:stretch>
+            <a:fillRect/>
+          </a:stretch>
+        </p:blipFill>
+        <p:spPr>
+          <a:xfrm>
+            <a:off x="2311400" y="2199382"/>
+            <a:ext cx="4521200" cy="3251200"/>
+          </a:xfrm>
+          <a:prstGeom prst="rect">
+            <a:avLst/>
+          </a:prstGeom>
+        </p:spPr>
+      </p:pic>
     </p:spTree>
     <p:extLst>
       <p:ext uri="{BB962C8B-B14F-4D97-AF65-F5344CB8AC3E}">
-        <p14:creationId xmlns:p14="http://schemas.microsoft.com/office/powerpoint/2010/main" val="956763747"/>
+        <p14:creationId xmlns:p14="http://schemas.microsoft.com/office/powerpoint/2010/main" val="857870802"/>
       </p:ext>
     </p:extLst>
   </p:cSld>
@@ -6161,91 +9128,148 @@
         </p:nvSpPr>
         <p:spPr/>
         <p:txBody>
+          <a:bodyPr/>
+          <a:lstStyle/>
+          <a:p>
+            <a:r>
+              <a:rPr lang="en-US" dirty="0" smtClean="0"/>
+              <a:t>Apache Spark</a:t>
+            </a:r>
+            <a:endParaRPr lang="en-US" dirty="0"/>
+          </a:p>
+        </p:txBody>
+      </p:sp>
+      <p:sp>
+        <p:nvSpPr>
+          <p:cNvPr id="3" name="Content Placeholder 2"/>
+          <p:cNvSpPr>
+            <a:spLocks noGrp="1"/>
+          </p:cNvSpPr>
+          <p:nvPr>
+            <p:ph idx="1"/>
+          </p:nvPr>
+        </p:nvSpPr>
+        <p:spPr/>
+        <p:txBody>
           <a:bodyPr>
-            <a:normAutofit fontScale="90000"/>
+            <a:normAutofit fontScale="77500" lnSpcReduction="20000"/>
           </a:bodyPr>
           <a:lstStyle/>
           <a:p>
             <a:r>
               <a:rPr lang="en-US" dirty="0" smtClean="0"/>
-              <a:t>Resilient Distributed Datasets</a:t>
-            </a:r>
-            <a:endParaRPr lang="en-US" dirty="0"/>
-          </a:p>
-        </p:txBody>
-      </p:sp>
-      <p:sp>
-        <p:nvSpPr>
-          <p:cNvPr id="3" name="Content Placeholder 2"/>
-          <p:cNvSpPr>
-            <a:spLocks noGrp="1"/>
-          </p:cNvSpPr>
-          <p:nvPr>
-            <p:ph idx="1"/>
-          </p:nvPr>
-        </p:nvSpPr>
-        <p:spPr/>
-        <p:txBody>
-          <a:bodyPr/>
-          <a:lstStyle/>
-          <a:p>
-            <a:r>
-              <a:rPr lang="en-US" dirty="0" smtClean="0"/>
-              <a:t>A logical collection of data </a:t>
+              <a:t>Started in 2009 at UC Berkeley</a:t>
+            </a:r>
+          </a:p>
+          <a:p>
+            <a:r>
+              <a:rPr lang="en-US" dirty="0" smtClean="0"/>
+              <a:t>Donated to Apache in 2013</a:t>
+            </a:r>
+          </a:p>
+          <a:p>
+            <a:r>
+              <a:rPr lang="en-US" dirty="0" smtClean="0"/>
+              <a:t>Written on top of JVM mainly in </a:t>
+            </a:r>
+            <a:r>
+              <a:rPr lang="en-US" dirty="0" err="1" smtClean="0"/>
+              <a:t>Scala</a:t>
+            </a:r>
+            <a:endParaRPr lang="en-US" dirty="0" smtClean="0"/>
+          </a:p>
+          <a:p>
+            <a:r>
+              <a:rPr lang="en-US" dirty="0" smtClean="0"/>
+              <a:t>10x-100x faster than </a:t>
+            </a:r>
+            <a:r>
+              <a:rPr lang="en-US" dirty="0" err="1" smtClean="0"/>
+              <a:t>Hadoop</a:t>
+            </a:r>
+            <a:endParaRPr lang="en-US" dirty="0" smtClean="0"/>
+          </a:p>
+          <a:p>
+            <a:r>
+              <a:rPr lang="en-US" dirty="0" smtClean="0"/>
+              <a:t>Supports coding in:</a:t>
             </a:r>
           </a:p>
           <a:p>
             <a:pPr lvl="1"/>
             <a:r>
-              <a:rPr lang="en-US" dirty="0" smtClean="0"/>
-              <a:t>Partitioned across multiple machines</a:t>
-            </a:r>
-          </a:p>
-          <a:p>
-            <a:r>
-              <a:rPr lang="en-US" dirty="0" smtClean="0"/>
-              <a:t>Logs the lineage of the current data</a:t>
-            </a:r>
+              <a:rPr lang="en-US" dirty="0" err="1" smtClean="0"/>
+              <a:t>Scala</a:t>
+            </a:r>
+            <a:endParaRPr lang="en-US" dirty="0" smtClean="0"/>
           </a:p>
           <a:p>
             <a:pPr lvl="1"/>
             <a:r>
               <a:rPr lang="en-US" dirty="0" smtClean="0"/>
-              <a:t>If there is a failure, recreate the data</a:t>
-            </a:r>
-          </a:p>
-          <a:p>
-            <a:r>
-              <a:rPr lang="en-US" dirty="0" smtClean="0"/>
-              <a:t>Developers can specify the </a:t>
-            </a:r>
-            <a:r>
-              <a:rPr lang="en-US" i="1" dirty="0" smtClean="0"/>
-              <a:t>persistence</a:t>
-            </a:r>
-            <a:r>
-              <a:rPr lang="en-US" dirty="0" smtClean="0"/>
-              <a:t> and </a:t>
-            </a:r>
-            <a:r>
-              <a:rPr lang="en-US" i="1" dirty="0" smtClean="0"/>
-              <a:t>partitioning</a:t>
-            </a:r>
-            <a:r>
-              <a:rPr lang="en-US" dirty="0" smtClean="0"/>
-              <a:t> of RDDs</a:t>
+              <a:t>Java</a:t>
             </a:r>
           </a:p>
           <a:p>
             <a:pPr lvl="1"/>
-            <a:endParaRPr lang="en-US" dirty="0"/>
+            <a:r>
+              <a:rPr lang="en-US" dirty="0" smtClean="0"/>
+              <a:t>Python</a:t>
+            </a:r>
+          </a:p>
+          <a:p>
+            <a:pPr lvl="1"/>
+            <a:r>
+              <a:rPr lang="en-US" dirty="0" smtClean="0"/>
+              <a:t>R</a:t>
+            </a:r>
+          </a:p>
+          <a:p>
+            <a:r>
+              <a:rPr lang="en-US" dirty="0" smtClean="0"/>
+              <a:t>Supports an interactive shell</a:t>
+            </a:r>
+          </a:p>
+          <a:p>
+            <a:r>
+              <a:rPr lang="en-US" dirty="0" smtClean="0"/>
+              <a:t>More details in this paper:</a:t>
+            </a:r>
+          </a:p>
+          <a:p>
+            <a:pPr lvl="1"/>
+            <a:r>
+              <a:rPr lang="en-US" sz="1900" dirty="0"/>
+              <a:t>http://</a:t>
+            </a:r>
+            <a:r>
+              <a:rPr lang="en-US" sz="1900" dirty="0" err="1"/>
+              <a:t>www.cs.berkeley.edu</a:t>
+            </a:r>
+            <a:r>
+              <a:rPr lang="en-US" sz="1900" dirty="0"/>
+              <a:t>/~</a:t>
+            </a:r>
+            <a:r>
+              <a:rPr lang="en-US" sz="1900" dirty="0" err="1"/>
+              <a:t>matei</a:t>
+            </a:r>
+            <a:r>
+              <a:rPr lang="en-US" sz="1900" dirty="0"/>
+              <a:t>/papers/2012/</a:t>
+            </a:r>
+            <a:r>
+              <a:rPr lang="en-US" sz="1900" dirty="0" err="1"/>
+              <a:t>nsdi_spark.pdf</a:t>
+            </a:r>
+            <a:endParaRPr lang="en-US" sz="1900" dirty="0" smtClean="0"/>
           </a:p>
         </p:txBody>
       </p:sp>
     </p:spTree>
     <p:extLst>
       <p:ext uri="{BB962C8B-B14F-4D97-AF65-F5344CB8AC3E}">
-        <p14:creationId xmlns:p14="http://schemas.microsoft.com/office/powerpoint/2010/main" val="1721564547"/>
+        <p14:creationId xmlns:p14="http://schemas.microsoft.com/office/powerpoint/2010/main" val="956763747"/>
       </p:ext>
     </p:extLst>
   </p:cSld>
@@ -6284,57 +9308,91 @@
         </p:nvSpPr>
         <p:spPr/>
         <p:txBody>
+          <a:bodyPr>
+            <a:normAutofit fontScale="90000"/>
+          </a:bodyPr>
+          <a:lstStyle/>
+          <a:p>
+            <a:r>
+              <a:rPr lang="en-US" dirty="0" smtClean="0"/>
+              <a:t>Resilient Distributed Datasets</a:t>
+            </a:r>
+            <a:endParaRPr lang="en-US" dirty="0"/>
+          </a:p>
+        </p:txBody>
+      </p:sp>
+      <p:sp>
+        <p:nvSpPr>
+          <p:cNvPr id="3" name="Content Placeholder 2"/>
+          <p:cNvSpPr>
+            <a:spLocks noGrp="1"/>
+          </p:cNvSpPr>
+          <p:nvPr>
+            <p:ph idx="1"/>
+          </p:nvPr>
+        </p:nvSpPr>
+        <p:spPr/>
+        <p:txBody>
           <a:bodyPr/>
           <a:lstStyle/>
           <a:p>
             <a:r>
-              <a:rPr lang="en-US" dirty="0" err="1" smtClean="0"/>
-              <a:t>Hadoop</a:t>
-            </a:r>
-            <a:r>
-              <a:rPr lang="en-US" dirty="0" smtClean="0"/>
-              <a:t> </a:t>
-            </a:r>
-            <a:r>
-              <a:rPr lang="en-US" dirty="0" err="1" smtClean="0"/>
-              <a:t>vs</a:t>
-            </a:r>
-            <a:r>
-              <a:rPr lang="en-US" dirty="0" smtClean="0"/>
-              <a:t> Spark sorting</a:t>
-            </a:r>
+              <a:rPr lang="en-US" dirty="0" smtClean="0"/>
+              <a:t>A logical collection of data </a:t>
+            </a:r>
+          </a:p>
+          <a:p>
+            <a:pPr lvl="1"/>
+            <a:r>
+              <a:rPr lang="en-US" dirty="0" smtClean="0"/>
+              <a:t>Partitioned across multiple machines</a:t>
+            </a:r>
+          </a:p>
+          <a:p>
+            <a:r>
+              <a:rPr lang="en-US" dirty="0" smtClean="0"/>
+              <a:t>Logs the lineage of the current data</a:t>
+            </a:r>
+          </a:p>
+          <a:p>
+            <a:pPr lvl="1"/>
+            <a:r>
+              <a:rPr lang="en-US" dirty="0" smtClean="0"/>
+              <a:t>If there is a failure, recreate the data</a:t>
+            </a:r>
+          </a:p>
+          <a:p>
+            <a:r>
+              <a:rPr lang="en-US" dirty="0" smtClean="0"/>
+              <a:t>Developers can specify the </a:t>
+            </a:r>
+            <a:r>
+              <a:rPr lang="en-US" i="1" dirty="0" smtClean="0"/>
+              <a:t>persistence</a:t>
+            </a:r>
+            <a:r>
+              <a:rPr lang="en-US" dirty="0" smtClean="0"/>
+              <a:t> and </a:t>
+            </a:r>
+            <a:r>
+              <a:rPr lang="en-US" i="1" dirty="0" smtClean="0"/>
+              <a:t>partitioning</a:t>
+            </a:r>
+            <a:r>
+              <a:rPr lang="en-US" dirty="0" smtClean="0"/>
+              <a:t> of RDDs</a:t>
+            </a:r>
+          </a:p>
+          <a:p>
+            <a:pPr lvl="1"/>
             <a:endParaRPr lang="en-US" dirty="0"/>
           </a:p>
         </p:txBody>
       </p:sp>
-      <p:pic>
-        <p:nvPicPr>
-          <p:cNvPr id="4" name="Picture 3"/>
-          <p:cNvPicPr>
-            <a:picLocks noChangeAspect="1"/>
-          </p:cNvPicPr>
-          <p:nvPr/>
-        </p:nvPicPr>
-        <p:blipFill>
-          <a:blip r:embed="rId2"/>
-          <a:stretch>
-            <a:fillRect/>
-          </a:stretch>
-        </p:blipFill>
-        <p:spPr>
-          <a:xfrm>
-            <a:off x="190500" y="1296811"/>
-            <a:ext cx="8750300" cy="4800600"/>
-          </a:xfrm>
-          <a:prstGeom prst="rect">
-            <a:avLst/>
-          </a:prstGeom>
-        </p:spPr>
-      </p:pic>
     </p:spTree>
     <p:extLst>
       <p:ext uri="{BB962C8B-B14F-4D97-AF65-F5344CB8AC3E}">
-        <p14:creationId xmlns:p14="http://schemas.microsoft.com/office/powerpoint/2010/main" val="4035115852"/>
+        <p14:creationId xmlns:p14="http://schemas.microsoft.com/office/powerpoint/2010/main" val="1721564547"/>
       </p:ext>
     </p:extLst>
   </p:cSld>
@@ -6373,14 +9431,19 @@
         </p:nvSpPr>
         <p:spPr/>
         <p:txBody>
-          <a:bodyPr/>
+          <a:bodyPr>
+            <a:normAutofit fontScale="90000"/>
+          </a:bodyPr>
           <a:lstStyle/>
           <a:p>
             <a:r>
-              <a:rPr lang="en-US" dirty="0" smtClean="0"/>
-              <a:t>Apache Spark cluster model</a:t>
-            </a:r>
-            <a:endParaRPr lang="en-US" dirty="0"/>
+              <a:rPr lang="en-US" sz="3600" dirty="0" smtClean="0"/>
+              <a:t>Narrow and Wide dependencies</a:t>
+            </a:r>
+            <a:br>
+              <a:rPr lang="en-US" sz="3600" dirty="0" smtClean="0"/>
+            </a:br>
+            <a:endParaRPr lang="en-US" sz="3600" dirty="0"/>
           </a:p>
         </p:txBody>
       </p:sp>
@@ -6400,18 +9463,114 @@
         </p:blipFill>
         <p:spPr>
           <a:xfrm>
-            <a:off x="787400" y="1612900"/>
-            <a:ext cx="7569200" cy="3632200"/>
+            <a:off x="1235558" y="869537"/>
+            <a:ext cx="6616299" cy="4371674"/>
           </a:xfrm>
           <a:prstGeom prst="rect">
             <a:avLst/>
           </a:prstGeom>
         </p:spPr>
       </p:pic>
+      <p:sp>
+        <p:nvSpPr>
+          <p:cNvPr id="5" name="TextBox 4"/>
+          <p:cNvSpPr txBox="1"/>
+          <p:nvPr/>
+        </p:nvSpPr>
+        <p:spPr>
+          <a:xfrm>
+            <a:off x="2047185" y="6432507"/>
+            <a:ext cx="7096815" cy="369332"/>
+          </a:xfrm>
+          <a:prstGeom prst="rect">
+            <a:avLst/>
+          </a:prstGeom>
+          <a:noFill/>
+        </p:spPr>
+        <p:txBody>
+          <a:bodyPr wrap="none" rtlCol="0">
+            <a:spAutoFit/>
+          </a:bodyPr>
+          <a:lstStyle/>
+          <a:p>
+            <a:r>
+              <a:rPr lang="en-US" dirty="0"/>
+              <a:t>Source: </a:t>
+            </a:r>
+            <a:r>
+              <a:rPr lang="en-US" dirty="0">
+                <a:hlinkClick r:id="rId3"/>
+              </a:rPr>
+              <a:t>http://www.cs.berkeley.edu/~matei/papers/2012/</a:t>
+            </a:r>
+            <a:r>
+              <a:rPr lang="en-US" dirty="0" smtClean="0">
+                <a:hlinkClick r:id="rId3"/>
+              </a:rPr>
+              <a:t>nsdi_spark.pdf</a:t>
+            </a:r>
+            <a:r>
+              <a:rPr lang="en-US" dirty="0" smtClean="0"/>
+              <a:t> </a:t>
+            </a:r>
+            <a:endParaRPr lang="en-US" dirty="0"/>
+          </a:p>
+        </p:txBody>
+      </p:sp>
+      <p:sp>
+        <p:nvSpPr>
+          <p:cNvPr id="6" name="TextBox 5"/>
+          <p:cNvSpPr txBox="1"/>
+          <p:nvPr/>
+        </p:nvSpPr>
+        <p:spPr>
+          <a:xfrm>
+            <a:off x="2417008" y="5054560"/>
+            <a:ext cx="5694303" cy="954107"/>
+          </a:xfrm>
+          <a:prstGeom prst="rect">
+            <a:avLst/>
+          </a:prstGeom>
+          <a:noFill/>
+        </p:spPr>
+        <p:txBody>
+          <a:bodyPr wrap="square" rtlCol="0">
+            <a:spAutoFit/>
+          </a:bodyPr>
+          <a:lstStyle/>
+          <a:p>
+            <a:r>
+              <a:rPr lang="en-US" sz="1400" b="1" dirty="0" smtClean="0"/>
+              <a:t>Narrow dependencies:</a:t>
+            </a:r>
+            <a:br>
+              <a:rPr lang="en-US" sz="1400" b="1" dirty="0" smtClean="0"/>
+            </a:br>
+            <a:r>
+              <a:rPr lang="en-US" sz="1400" dirty="0" smtClean="0"/>
+              <a:t>Each partition of the parent is used by one child partition</a:t>
+            </a:r>
+          </a:p>
+          <a:p>
+            <a:r>
+              <a:rPr lang="en-US" sz="1400" b="1" dirty="0" smtClean="0"/>
+              <a:t>Wide Dependencies:</a:t>
+            </a:r>
+            <a:br>
+              <a:rPr lang="en-US" sz="1400" b="1" dirty="0" smtClean="0"/>
+            </a:br>
+            <a:r>
+              <a:rPr lang="en-US" sz="1400" dirty="0" smtClean="0"/>
+              <a:t>multiple child dependencies depend upon it</a:t>
+            </a:r>
+            <a:endParaRPr lang="en-US" sz="1400" dirty="0"/>
+          </a:p>
+        </p:txBody>
+      </p:sp>
     </p:spTree>
     <p:extLst>
       <p:ext uri="{BB962C8B-B14F-4D97-AF65-F5344CB8AC3E}">
-        <p14:creationId xmlns:p14="http://schemas.microsoft.com/office/powerpoint/2010/main" val="428450362"/>
+        <p14:creationId xmlns:p14="http://schemas.microsoft.com/office/powerpoint/2010/main" val="717322989"/>
       </p:ext>
     </p:extLst>
   </p:cSld>
